--- a/lectures/1.3Scratch/lecture.pptx
+++ b/lectures/1.3Scratch/lecture.pptx
@@ -4,12 +4,24 @@
   <p:sldMasterIdLst>
     <p:sldMasterId id="2147483648" r:id="rId1"/>
   </p:sldMasterIdLst>
+  <p:notesMasterIdLst>
+    <p:notesMasterId r:id="rId16"/>
+  </p:notesMasterIdLst>
   <p:sldIdLst>
     <p:sldId id="256" r:id="rId2"/>
     <p:sldId id="257" r:id="rId3"/>
     <p:sldId id="266" r:id="rId4"/>
     <p:sldId id="260" r:id="rId5"/>
     <p:sldId id="265" r:id="rId6"/>
+    <p:sldId id="267" r:id="rId7"/>
+    <p:sldId id="268" r:id="rId8"/>
+    <p:sldId id="269" r:id="rId9"/>
+    <p:sldId id="275" r:id="rId10"/>
+    <p:sldId id="271" r:id="rId11"/>
+    <p:sldId id="273" r:id="rId12"/>
+    <p:sldId id="274" r:id="rId13"/>
+    <p:sldId id="276" r:id="rId14"/>
+    <p:sldId id="277" r:id="rId15"/>
   </p:sldIdLst>
   <p:sldSz cx="12192000" cy="6858000"/>
   <p:notesSz cx="6858000" cy="9144000"/>
@@ -114,6 +126,443 @@
     </p:ext>
   </p:extLst>
 </p:presentation>
+</file>
+
+<file path=ppt/notesMasters/notesMaster1.xml><?xml version="1.0" encoding="utf-8"?>
+<p:notesMaster xmlns:a="http://schemas.openxmlformats.org/drawingml/2006/main" xmlns:r="http://schemas.openxmlformats.org/officeDocument/2006/relationships" xmlns:p="http://schemas.openxmlformats.org/presentationml/2006/main">
+  <p:cSld>
+    <p:bg>
+      <p:bgRef idx="1001">
+        <a:schemeClr val="bg1"/>
+      </p:bgRef>
+    </p:bg>
+    <p:spTree>
+      <p:nvGrpSpPr>
+        <p:cNvPr id="1" name=""/>
+        <p:cNvGrpSpPr/>
+        <p:nvPr/>
+      </p:nvGrpSpPr>
+      <p:grpSpPr>
+        <a:xfrm>
+          <a:off x="0" y="0"/>
+          <a:ext cx="0" cy="0"/>
+          <a:chOff x="0" y="0"/>
+          <a:chExt cx="0" cy="0"/>
+        </a:xfrm>
+      </p:grpSpPr>
+      <p:sp>
+        <p:nvSpPr>
+          <p:cNvPr id="2" name="Header Placeholder 1"/>
+          <p:cNvSpPr>
+            <a:spLocks noGrp="1"/>
+          </p:cNvSpPr>
+          <p:nvPr>
+            <p:ph type="hdr" sz="quarter"/>
+          </p:nvPr>
+        </p:nvSpPr>
+        <p:spPr>
+          <a:xfrm>
+            <a:off x="0" y="0"/>
+            <a:ext cx="2971800" cy="458788"/>
+          </a:xfrm>
+          <a:prstGeom prst="rect">
+            <a:avLst/>
+          </a:prstGeom>
+        </p:spPr>
+        <p:txBody>
+          <a:bodyPr vert="horz" lIns="91440" tIns="45720" rIns="91440" bIns="45720" rtlCol="0"/>
+          <a:lstStyle>
+            <a:lvl1pPr algn="l">
+              <a:defRPr sz="1200"/>
+            </a:lvl1pPr>
+          </a:lstStyle>
+          <a:p>
+            <a:endParaRPr lang="en-GB"/>
+          </a:p>
+        </p:txBody>
+      </p:sp>
+      <p:sp>
+        <p:nvSpPr>
+          <p:cNvPr id="3" name="Date Placeholder 2"/>
+          <p:cNvSpPr>
+            <a:spLocks noGrp="1"/>
+          </p:cNvSpPr>
+          <p:nvPr>
+            <p:ph type="dt" idx="1"/>
+          </p:nvPr>
+        </p:nvSpPr>
+        <p:spPr>
+          <a:xfrm>
+            <a:off x="3884613" y="0"/>
+            <a:ext cx="2971800" cy="458788"/>
+          </a:xfrm>
+          <a:prstGeom prst="rect">
+            <a:avLst/>
+          </a:prstGeom>
+        </p:spPr>
+        <p:txBody>
+          <a:bodyPr vert="horz" lIns="91440" tIns="45720" rIns="91440" bIns="45720" rtlCol="0"/>
+          <a:lstStyle>
+            <a:lvl1pPr algn="r">
+              <a:defRPr sz="1200"/>
+            </a:lvl1pPr>
+          </a:lstStyle>
+          <a:p>
+            <a:fld id="{248031C6-E4B0-0444-A4A8-9CCE96EC2C9C}" type="datetimeFigureOut">
+              <a:rPr lang="en-GB" smtClean="0"/>
+              <a:t>06/09/2018</a:t>
+            </a:fld>
+            <a:endParaRPr lang="en-GB"/>
+          </a:p>
+        </p:txBody>
+      </p:sp>
+      <p:sp>
+        <p:nvSpPr>
+          <p:cNvPr id="4" name="Slide Image Placeholder 3"/>
+          <p:cNvSpPr>
+            <a:spLocks noGrp="1" noRot="1" noChangeAspect="1"/>
+          </p:cNvSpPr>
+          <p:nvPr>
+            <p:ph type="sldImg" idx="2"/>
+          </p:nvPr>
+        </p:nvSpPr>
+        <p:spPr>
+          <a:xfrm>
+            <a:off x="685800" y="1143000"/>
+            <a:ext cx="5486400" cy="3086100"/>
+          </a:xfrm>
+          <a:prstGeom prst="rect">
+            <a:avLst/>
+          </a:prstGeom>
+          <a:noFill/>
+          <a:ln w="12700">
+            <a:solidFill>
+              <a:prstClr val="black"/>
+            </a:solidFill>
+          </a:ln>
+        </p:spPr>
+        <p:txBody>
+          <a:bodyPr vert="horz" lIns="91440" tIns="45720" rIns="91440" bIns="45720" rtlCol="0" anchor="ctr"/>
+          <a:lstStyle/>
+          <a:p>
+            <a:endParaRPr lang="en-GB"/>
+          </a:p>
+        </p:txBody>
+      </p:sp>
+      <p:sp>
+        <p:nvSpPr>
+          <p:cNvPr id="5" name="Notes Placeholder 4"/>
+          <p:cNvSpPr>
+            <a:spLocks noGrp="1"/>
+          </p:cNvSpPr>
+          <p:nvPr>
+            <p:ph type="body" sz="quarter" idx="3"/>
+          </p:nvPr>
+        </p:nvSpPr>
+        <p:spPr>
+          <a:xfrm>
+            <a:off x="685800" y="4400550"/>
+            <a:ext cx="5486400" cy="3600450"/>
+          </a:xfrm>
+          <a:prstGeom prst="rect">
+            <a:avLst/>
+          </a:prstGeom>
+        </p:spPr>
+        <p:txBody>
+          <a:bodyPr vert="horz" lIns="91440" tIns="45720" rIns="91440" bIns="45720" rtlCol="0"/>
+          <a:lstStyle/>
+          <a:p>
+            <a:pPr lvl="0"/>
+            <a:r>
+              <a:rPr lang="en-US"/>
+              <a:t>Edit Master text styles</a:t>
+            </a:r>
+          </a:p>
+          <a:p>
+            <a:pPr lvl="1"/>
+            <a:r>
+              <a:rPr lang="en-US"/>
+              <a:t>Second level</a:t>
+            </a:r>
+          </a:p>
+          <a:p>
+            <a:pPr lvl="2"/>
+            <a:r>
+              <a:rPr lang="en-US"/>
+              <a:t>Third level</a:t>
+            </a:r>
+          </a:p>
+          <a:p>
+            <a:pPr lvl="3"/>
+            <a:r>
+              <a:rPr lang="en-US"/>
+              <a:t>Fourth level</a:t>
+            </a:r>
+          </a:p>
+          <a:p>
+            <a:pPr lvl="4"/>
+            <a:r>
+              <a:rPr lang="en-US"/>
+              <a:t>Fifth level</a:t>
+            </a:r>
+            <a:endParaRPr lang="en-GB"/>
+          </a:p>
+        </p:txBody>
+      </p:sp>
+      <p:sp>
+        <p:nvSpPr>
+          <p:cNvPr id="6" name="Footer Placeholder 5"/>
+          <p:cNvSpPr>
+            <a:spLocks noGrp="1"/>
+          </p:cNvSpPr>
+          <p:nvPr>
+            <p:ph type="ftr" sz="quarter" idx="4"/>
+          </p:nvPr>
+        </p:nvSpPr>
+        <p:spPr>
+          <a:xfrm>
+            <a:off x="0" y="8685213"/>
+            <a:ext cx="2971800" cy="458787"/>
+          </a:xfrm>
+          <a:prstGeom prst="rect">
+            <a:avLst/>
+          </a:prstGeom>
+        </p:spPr>
+        <p:txBody>
+          <a:bodyPr vert="horz" lIns="91440" tIns="45720" rIns="91440" bIns="45720" rtlCol="0" anchor="b"/>
+          <a:lstStyle>
+            <a:lvl1pPr algn="l">
+              <a:defRPr sz="1200"/>
+            </a:lvl1pPr>
+          </a:lstStyle>
+          <a:p>
+            <a:endParaRPr lang="en-GB"/>
+          </a:p>
+        </p:txBody>
+      </p:sp>
+      <p:sp>
+        <p:nvSpPr>
+          <p:cNvPr id="7" name="Slide Number Placeholder 6"/>
+          <p:cNvSpPr>
+            <a:spLocks noGrp="1"/>
+          </p:cNvSpPr>
+          <p:nvPr>
+            <p:ph type="sldNum" sz="quarter" idx="5"/>
+          </p:nvPr>
+        </p:nvSpPr>
+        <p:spPr>
+          <a:xfrm>
+            <a:off x="3884613" y="8685213"/>
+            <a:ext cx="2971800" cy="458787"/>
+          </a:xfrm>
+          <a:prstGeom prst="rect">
+            <a:avLst/>
+          </a:prstGeom>
+        </p:spPr>
+        <p:txBody>
+          <a:bodyPr vert="horz" lIns="91440" tIns="45720" rIns="91440" bIns="45720" rtlCol="0" anchor="b"/>
+          <a:lstStyle>
+            <a:lvl1pPr algn="r">
+              <a:defRPr sz="1200"/>
+            </a:lvl1pPr>
+          </a:lstStyle>
+          <a:p>
+            <a:fld id="{186431B5-AB57-3E4A-80D5-B6800CF8539B}" type="slidenum">
+              <a:rPr lang="en-GB" smtClean="0"/>
+              <a:t>‹#›</a:t>
+            </a:fld>
+            <a:endParaRPr lang="en-GB"/>
+          </a:p>
+        </p:txBody>
+      </p:sp>
+    </p:spTree>
+    <p:extLst>
+      <p:ext uri="{BB962C8B-B14F-4D97-AF65-F5344CB8AC3E}">
+        <p14:creationId xmlns:p14="http://schemas.microsoft.com/office/powerpoint/2010/main" val="4229257374"/>
+      </p:ext>
+    </p:extLst>
+  </p:cSld>
+  <p:clrMap bg1="lt1" tx1="dk1" bg2="lt2" tx2="dk2" accent1="accent1" accent2="accent2" accent3="accent3" accent4="accent4" accent5="accent5" accent6="accent6" hlink="hlink" folHlink="folHlink"/>
+  <p:notesStyle>
+    <a:lvl1pPr marL="0" algn="l" defTabSz="914400" rtl="0" eaLnBrk="1" latinLnBrk="0" hangingPunct="1">
+      <a:defRPr sz="1200" kern="1200">
+        <a:solidFill>
+          <a:schemeClr val="tx1"/>
+        </a:solidFill>
+        <a:latin typeface="+mn-lt"/>
+        <a:ea typeface="+mn-ea"/>
+        <a:cs typeface="+mn-cs"/>
+      </a:defRPr>
+    </a:lvl1pPr>
+    <a:lvl2pPr marL="457200" algn="l" defTabSz="914400" rtl="0" eaLnBrk="1" latinLnBrk="0" hangingPunct="1">
+      <a:defRPr sz="1200" kern="1200">
+        <a:solidFill>
+          <a:schemeClr val="tx1"/>
+        </a:solidFill>
+        <a:latin typeface="+mn-lt"/>
+        <a:ea typeface="+mn-ea"/>
+        <a:cs typeface="+mn-cs"/>
+      </a:defRPr>
+    </a:lvl2pPr>
+    <a:lvl3pPr marL="914400" algn="l" defTabSz="914400" rtl="0" eaLnBrk="1" latinLnBrk="0" hangingPunct="1">
+      <a:defRPr sz="1200" kern="1200">
+        <a:solidFill>
+          <a:schemeClr val="tx1"/>
+        </a:solidFill>
+        <a:latin typeface="+mn-lt"/>
+        <a:ea typeface="+mn-ea"/>
+        <a:cs typeface="+mn-cs"/>
+      </a:defRPr>
+    </a:lvl3pPr>
+    <a:lvl4pPr marL="1371600" algn="l" defTabSz="914400" rtl="0" eaLnBrk="1" latinLnBrk="0" hangingPunct="1">
+      <a:defRPr sz="1200" kern="1200">
+        <a:solidFill>
+          <a:schemeClr val="tx1"/>
+        </a:solidFill>
+        <a:latin typeface="+mn-lt"/>
+        <a:ea typeface="+mn-ea"/>
+        <a:cs typeface="+mn-cs"/>
+      </a:defRPr>
+    </a:lvl4pPr>
+    <a:lvl5pPr marL="1828800" algn="l" defTabSz="914400" rtl="0" eaLnBrk="1" latinLnBrk="0" hangingPunct="1">
+      <a:defRPr sz="1200" kern="1200">
+        <a:solidFill>
+          <a:schemeClr val="tx1"/>
+        </a:solidFill>
+        <a:latin typeface="+mn-lt"/>
+        <a:ea typeface="+mn-ea"/>
+        <a:cs typeface="+mn-cs"/>
+      </a:defRPr>
+    </a:lvl5pPr>
+    <a:lvl6pPr marL="2286000" algn="l" defTabSz="914400" rtl="0" eaLnBrk="1" latinLnBrk="0" hangingPunct="1">
+      <a:defRPr sz="1200" kern="1200">
+        <a:solidFill>
+          <a:schemeClr val="tx1"/>
+        </a:solidFill>
+        <a:latin typeface="+mn-lt"/>
+        <a:ea typeface="+mn-ea"/>
+        <a:cs typeface="+mn-cs"/>
+      </a:defRPr>
+    </a:lvl6pPr>
+    <a:lvl7pPr marL="2743200" algn="l" defTabSz="914400" rtl="0" eaLnBrk="1" latinLnBrk="0" hangingPunct="1">
+      <a:defRPr sz="1200" kern="1200">
+        <a:solidFill>
+          <a:schemeClr val="tx1"/>
+        </a:solidFill>
+        <a:latin typeface="+mn-lt"/>
+        <a:ea typeface="+mn-ea"/>
+        <a:cs typeface="+mn-cs"/>
+      </a:defRPr>
+    </a:lvl7pPr>
+    <a:lvl8pPr marL="3200400" algn="l" defTabSz="914400" rtl="0" eaLnBrk="1" latinLnBrk="0" hangingPunct="1">
+      <a:defRPr sz="1200" kern="1200">
+        <a:solidFill>
+          <a:schemeClr val="tx1"/>
+        </a:solidFill>
+        <a:latin typeface="+mn-lt"/>
+        <a:ea typeface="+mn-ea"/>
+        <a:cs typeface="+mn-cs"/>
+      </a:defRPr>
+    </a:lvl8pPr>
+    <a:lvl9pPr marL="3657600" algn="l" defTabSz="914400" rtl="0" eaLnBrk="1" latinLnBrk="0" hangingPunct="1">
+      <a:defRPr sz="1200" kern="1200">
+        <a:solidFill>
+          <a:schemeClr val="tx1"/>
+        </a:solidFill>
+        <a:latin typeface="+mn-lt"/>
+        <a:ea typeface="+mn-ea"/>
+        <a:cs typeface="+mn-cs"/>
+      </a:defRPr>
+    </a:lvl9pPr>
+  </p:notesStyle>
+</p:notesMaster>
+</file>
+
+<file path=ppt/notesSlides/notesSlide1.xml><?xml version="1.0" encoding="utf-8"?>
+<p:notes xmlns:a="http://schemas.openxmlformats.org/drawingml/2006/main" xmlns:r="http://schemas.openxmlformats.org/officeDocument/2006/relationships" xmlns:p="http://schemas.openxmlformats.org/presentationml/2006/main">
+  <p:cSld>
+    <p:spTree>
+      <p:nvGrpSpPr>
+        <p:cNvPr id="1" name=""/>
+        <p:cNvGrpSpPr/>
+        <p:nvPr/>
+      </p:nvGrpSpPr>
+      <p:grpSpPr>
+        <a:xfrm>
+          <a:off x="0" y="0"/>
+          <a:ext cx="0" cy="0"/>
+          <a:chOff x="0" y="0"/>
+          <a:chExt cx="0" cy="0"/>
+        </a:xfrm>
+      </p:grpSpPr>
+      <p:sp>
+        <p:nvSpPr>
+          <p:cNvPr id="2" name="Slide Image Placeholder 1"/>
+          <p:cNvSpPr>
+            <a:spLocks noGrp="1" noRot="1" noChangeAspect="1"/>
+          </p:cNvSpPr>
+          <p:nvPr>
+            <p:ph type="sldImg"/>
+          </p:nvPr>
+        </p:nvSpPr>
+        <p:spPr/>
+      </p:sp>
+      <p:sp>
+        <p:nvSpPr>
+          <p:cNvPr id="3" name="Notes Placeholder 2"/>
+          <p:cNvSpPr>
+            <a:spLocks noGrp="1"/>
+          </p:cNvSpPr>
+          <p:nvPr>
+            <p:ph type="body" idx="1"/>
+          </p:nvPr>
+        </p:nvSpPr>
+        <p:spPr/>
+        <p:txBody>
+          <a:bodyPr/>
+          <a:lstStyle/>
+          <a:p>
+            <a:r>
+              <a:rPr lang="en-GB" dirty="0"/>
+              <a:t>Run code</a:t>
+            </a:r>
+          </a:p>
+        </p:txBody>
+      </p:sp>
+      <p:sp>
+        <p:nvSpPr>
+          <p:cNvPr id="4" name="Slide Number Placeholder 3"/>
+          <p:cNvSpPr>
+            <a:spLocks noGrp="1"/>
+          </p:cNvSpPr>
+          <p:nvPr>
+            <p:ph type="sldNum" sz="quarter" idx="5"/>
+          </p:nvPr>
+        </p:nvSpPr>
+        <p:spPr/>
+        <p:txBody>
+          <a:bodyPr/>
+          <a:lstStyle/>
+          <a:p>
+            <a:fld id="{186431B5-AB57-3E4A-80D5-B6800CF8539B}" type="slidenum">
+              <a:rPr lang="en-GB" smtClean="0"/>
+              <a:t>8</a:t>
+            </a:fld>
+            <a:endParaRPr lang="en-GB"/>
+          </a:p>
+        </p:txBody>
+      </p:sp>
+    </p:spTree>
+    <p:extLst>
+      <p:ext uri="{BB962C8B-B14F-4D97-AF65-F5344CB8AC3E}">
+        <p14:creationId xmlns:p14="http://schemas.microsoft.com/office/powerpoint/2010/main" val="3794467405"/>
+      </p:ext>
+    </p:extLst>
+  </p:cSld>
+  <p:clrMapOvr>
+    <a:masterClrMapping/>
+  </p:clrMapOvr>
+</p:notes>
 </file>
 
 <file path=ppt/slideLayouts/slideLayout1.xml><?xml version="1.0" encoding="utf-8"?>
@@ -3420,6 +3869,2175 @@
 </p:sld>
 </file>
 
+<file path=ppt/slides/slide10.xml><?xml version="1.0" encoding="utf-8"?>
+<p:sld xmlns:a="http://schemas.openxmlformats.org/drawingml/2006/main" xmlns:r="http://schemas.openxmlformats.org/officeDocument/2006/relationships" xmlns:p="http://schemas.openxmlformats.org/presentationml/2006/main">
+  <p:cSld>
+    <p:spTree>
+      <p:nvGrpSpPr>
+        <p:cNvPr id="1" name=""/>
+        <p:cNvGrpSpPr/>
+        <p:nvPr/>
+      </p:nvGrpSpPr>
+      <p:grpSpPr>
+        <a:xfrm>
+          <a:off x="0" y="0"/>
+          <a:ext cx="0" cy="0"/>
+          <a:chOff x="0" y="0"/>
+          <a:chExt cx="0" cy="0"/>
+        </a:xfrm>
+      </p:grpSpPr>
+      <p:sp>
+        <p:nvSpPr>
+          <p:cNvPr id="2" name="Title 1">
+            <a:extLst>
+              <a:ext uri="{FF2B5EF4-FFF2-40B4-BE49-F238E27FC236}">
+                <a16:creationId xmlns:a16="http://schemas.microsoft.com/office/drawing/2014/main" id="{A2686745-2D70-7142-B7D0-03DA1E6BEAFE}"/>
+              </a:ext>
+            </a:extLst>
+          </p:cNvPr>
+          <p:cNvSpPr>
+            <a:spLocks noGrp="1"/>
+          </p:cNvSpPr>
+          <p:nvPr>
+            <p:ph type="title"/>
+          </p:nvPr>
+        </p:nvSpPr>
+        <p:spPr/>
+        <p:txBody>
+          <a:bodyPr/>
+          <a:lstStyle/>
+          <a:p>
+            <a:r>
+              <a:rPr lang="da-DK" dirty="0"/>
+              <a:t>Fysiksimulering: </a:t>
+            </a:r>
+            <a:r>
+              <a:rPr lang="da-DK" dirty="0" err="1"/>
+              <a:t>rakketaffyring</a:t>
+            </a:r>
+            <a:r>
+              <a:rPr lang="da-DK" dirty="0"/>
+              <a:t> og landing</a:t>
+            </a:r>
+          </a:p>
+        </p:txBody>
+      </p:sp>
+      <p:sp>
+        <p:nvSpPr>
+          <p:cNvPr id="3" name="Content Placeholder 2">
+            <a:extLst>
+              <a:ext uri="{FF2B5EF4-FFF2-40B4-BE49-F238E27FC236}">
+                <a16:creationId xmlns:a16="http://schemas.microsoft.com/office/drawing/2014/main" id="{A4465FDF-89CE-1247-97A5-FC13D5344407}"/>
+              </a:ext>
+            </a:extLst>
+          </p:cNvPr>
+          <p:cNvSpPr>
+            <a:spLocks noGrp="1"/>
+          </p:cNvSpPr>
+          <p:nvPr>
+            <p:ph idx="1"/>
+          </p:nvPr>
+        </p:nvSpPr>
+        <p:spPr/>
+        <p:txBody>
+          <a:bodyPr/>
+          <a:lstStyle/>
+          <a:p>
+            <a:r>
+              <a:rPr lang="da-DK" dirty="0"/>
+              <a:t>Spiller styrer en rakkets acceleration</a:t>
+            </a:r>
+          </a:p>
+          <a:p>
+            <a:r>
+              <a:rPr lang="da-DK" dirty="0" err="1"/>
+              <a:t>Rakketten</a:t>
+            </a:r>
+            <a:r>
+              <a:rPr lang="da-DK" dirty="0"/>
+              <a:t> simulerer Newtons ligninger med tyngdekraft og brugerstyrret acceleration</a:t>
+            </a:r>
+          </a:p>
+          <a:p>
+            <a:r>
+              <a:rPr lang="da-DK" dirty="0"/>
+              <a:t>Hvis hastigheden er for stor, når den lander, så skal der skrives en sjov besked </a:t>
+            </a:r>
+          </a:p>
+        </p:txBody>
+      </p:sp>
+    </p:spTree>
+    <p:extLst>
+      <p:ext uri="{BB962C8B-B14F-4D97-AF65-F5344CB8AC3E}">
+        <p14:creationId xmlns:p14="http://schemas.microsoft.com/office/powerpoint/2010/main" val="1718320905"/>
+      </p:ext>
+    </p:extLst>
+  </p:cSld>
+  <p:clrMapOvr>
+    <a:masterClrMapping/>
+  </p:clrMapOvr>
+</p:sld>
+</file>
+
+<file path=ppt/slides/slide11.xml><?xml version="1.0" encoding="utf-8"?>
+<p:sld xmlns:a="http://schemas.openxmlformats.org/drawingml/2006/main" xmlns:r="http://schemas.openxmlformats.org/officeDocument/2006/relationships" xmlns:p="http://schemas.openxmlformats.org/presentationml/2006/main">
+  <p:cSld>
+    <p:spTree>
+      <p:nvGrpSpPr>
+        <p:cNvPr id="1" name=""/>
+        <p:cNvGrpSpPr/>
+        <p:nvPr/>
+      </p:nvGrpSpPr>
+      <p:grpSpPr>
+        <a:xfrm>
+          <a:off x="0" y="0"/>
+          <a:ext cx="0" cy="0"/>
+          <a:chOff x="0" y="0"/>
+          <a:chExt cx="0" cy="0"/>
+        </a:xfrm>
+      </p:grpSpPr>
+      <p:sp>
+        <p:nvSpPr>
+          <p:cNvPr id="2" name="Title 1">
+            <a:extLst>
+              <a:ext uri="{FF2B5EF4-FFF2-40B4-BE49-F238E27FC236}">
+                <a16:creationId xmlns:a16="http://schemas.microsoft.com/office/drawing/2014/main" id="{A2686745-2D70-7142-B7D0-03DA1E6BEAFE}"/>
+              </a:ext>
+            </a:extLst>
+          </p:cNvPr>
+          <p:cNvSpPr>
+            <a:spLocks noGrp="1"/>
+          </p:cNvSpPr>
+          <p:nvPr>
+            <p:ph type="title"/>
+          </p:nvPr>
+        </p:nvSpPr>
+        <p:spPr>
+          <a:xfrm>
+            <a:off x="838200" y="365125"/>
+            <a:ext cx="10515600" cy="798657"/>
+          </a:xfrm>
+        </p:spPr>
+        <p:txBody>
+          <a:bodyPr/>
+          <a:lstStyle/>
+          <a:p>
+            <a:r>
+              <a:rPr lang="da-DK" dirty="0"/>
+              <a:t>Fysiksimulering: </a:t>
+            </a:r>
+            <a:r>
+              <a:rPr lang="da-DK" dirty="0" err="1"/>
+              <a:t>rakketaffyring</a:t>
+            </a:r>
+            <a:r>
+              <a:rPr lang="da-DK" dirty="0"/>
+              <a:t> og landing</a:t>
+            </a:r>
+          </a:p>
+        </p:txBody>
+      </p:sp>
+      <mc:AlternateContent xmlns:mc="http://schemas.openxmlformats.org/markup-compatibility/2006">
+        <mc:Choice xmlns:a14="http://schemas.microsoft.com/office/drawing/2010/main" Requires="a14">
+          <p:sp>
+            <p:nvSpPr>
+              <p:cNvPr id="5" name="Content Placeholder 4">
+                <a:extLst>
+                  <a:ext uri="{FF2B5EF4-FFF2-40B4-BE49-F238E27FC236}">
+                    <a16:creationId xmlns:a16="http://schemas.microsoft.com/office/drawing/2014/main" id="{217EFA1B-7CB1-0541-AF26-892809790F75}"/>
+                  </a:ext>
+                </a:extLst>
+              </p:cNvPr>
+              <p:cNvSpPr>
+                <a:spLocks noGrp="1"/>
+              </p:cNvSpPr>
+              <p:nvPr>
+                <p:ph idx="1"/>
+              </p:nvPr>
+            </p:nvSpPr>
+            <p:spPr>
+              <a:xfrm>
+                <a:off x="838200" y="1413163"/>
+                <a:ext cx="4405746" cy="5209309"/>
+              </a:xfrm>
+            </p:spPr>
+            <p:txBody>
+              <a:bodyPr>
+                <a:normAutofit/>
+              </a:bodyPr>
+              <a:lstStyle/>
+              <a:p>
+                <a:pPr marL="0" indent="0">
+                  <a:buNone/>
+                </a:pPr>
+                <a14:m>
+                  <m:oMathPara xmlns:m="http://schemas.openxmlformats.org/officeDocument/2006/math">
+                    <m:oMathParaPr>
+                      <m:jc m:val="left"/>
+                    </m:oMathParaPr>
+                    <m:oMath xmlns:m="http://schemas.openxmlformats.org/officeDocument/2006/math">
+                      <m:r>
+                        <a:rPr lang="da-DK" sz="3000" b="0" i="1" smtClean="0">
+                          <a:latin typeface="Cambria Math" panose="02040503050406030204" pitchFamily="18" charset="0"/>
+                        </a:rPr>
+                        <m:t>𝑓</m:t>
+                      </m:r>
+                      <m:r>
+                        <a:rPr lang="da-DK" sz="3000" b="0" i="1" smtClean="0">
+                          <a:latin typeface="Cambria Math" panose="02040503050406030204" pitchFamily="18" charset="0"/>
+                        </a:rPr>
+                        <m:t>=</m:t>
+                      </m:r>
+                      <m:r>
+                        <a:rPr lang="da-DK" sz="3000" b="0" i="1" smtClean="0">
+                          <a:latin typeface="Cambria Math" panose="02040503050406030204" pitchFamily="18" charset="0"/>
+                        </a:rPr>
+                        <m:t>𝑚</m:t>
+                      </m:r>
+                      <m:r>
+                        <a:rPr lang="da-DK" sz="3000" b="0" i="1" smtClean="0">
+                          <a:latin typeface="Cambria Math" panose="02040503050406030204" pitchFamily="18" charset="0"/>
+                        </a:rPr>
+                        <m:t> </m:t>
+                      </m:r>
+                      <m:r>
+                        <a:rPr lang="da-DK" sz="3000" b="0" i="1" smtClean="0">
+                          <a:latin typeface="Cambria Math" panose="02040503050406030204" pitchFamily="18" charset="0"/>
+                        </a:rPr>
+                        <m:t>𝑎</m:t>
+                      </m:r>
+                    </m:oMath>
+                    <m:oMath xmlns:m="http://schemas.openxmlformats.org/officeDocument/2006/math">
+                      <m:sSub>
+                        <m:sSubPr>
+                          <m:ctrlPr>
+                            <a:rPr lang="da-DK" sz="3000" b="0" i="1" smtClean="0">
+                              <a:latin typeface="Cambria Math" panose="02040503050406030204" pitchFamily="18" charset="0"/>
+                            </a:rPr>
+                          </m:ctrlPr>
+                        </m:sSubPr>
+                        <m:e>
+                          <m:r>
+                            <a:rPr lang="da-DK" sz="3000" b="0" i="1" smtClean="0">
+                              <a:latin typeface="Cambria Math" panose="02040503050406030204" pitchFamily="18" charset="0"/>
+                            </a:rPr>
+                            <m:t>𝑓</m:t>
+                          </m:r>
+                        </m:e>
+                        <m:sub>
+                          <m:r>
+                            <a:rPr lang="da-DK" sz="3000" b="0" i="1" smtClean="0">
+                              <a:latin typeface="Cambria Math" panose="02040503050406030204" pitchFamily="18" charset="0"/>
+                            </a:rPr>
+                            <m:t>𝑟</m:t>
+                          </m:r>
+                        </m:sub>
+                      </m:sSub>
+                      <m:r>
+                        <a:rPr lang="da-DK" sz="3000" i="1">
+                          <a:latin typeface="Cambria Math" panose="02040503050406030204" pitchFamily="18" charset="0"/>
+                        </a:rPr>
+                        <m:t>=</m:t>
+                      </m:r>
+                      <m:sSub>
+                        <m:sSubPr>
+                          <m:ctrlPr>
+                            <a:rPr lang="da-DK" sz="3000" i="1">
+                              <a:latin typeface="Cambria Math" panose="02040503050406030204" pitchFamily="18" charset="0"/>
+                            </a:rPr>
+                          </m:ctrlPr>
+                        </m:sSubPr>
+                        <m:e>
+                          <m:r>
+                            <a:rPr lang="da-DK" sz="3000" i="1">
+                              <a:latin typeface="Cambria Math" panose="02040503050406030204" pitchFamily="18" charset="0"/>
+                            </a:rPr>
+                            <m:t>𝑓</m:t>
+                          </m:r>
+                        </m:e>
+                        <m:sub>
+                          <m:r>
+                            <a:rPr lang="da-DK" sz="3000" i="1">
+                              <a:latin typeface="Cambria Math" panose="02040503050406030204" pitchFamily="18" charset="0"/>
+                            </a:rPr>
+                            <m:t>1</m:t>
+                          </m:r>
+                        </m:sub>
+                      </m:sSub>
+                      <m:r>
+                        <a:rPr lang="da-DK" sz="3000" i="1">
+                          <a:latin typeface="Cambria Math" panose="02040503050406030204" pitchFamily="18" charset="0"/>
+                        </a:rPr>
+                        <m:t>+</m:t>
+                      </m:r>
+                      <m:sSub>
+                        <m:sSubPr>
+                          <m:ctrlPr>
+                            <a:rPr lang="da-DK" sz="3000" i="1">
+                              <a:latin typeface="Cambria Math" panose="02040503050406030204" pitchFamily="18" charset="0"/>
+                            </a:rPr>
+                          </m:ctrlPr>
+                        </m:sSubPr>
+                        <m:e>
+                          <m:r>
+                            <a:rPr lang="da-DK" sz="3000" i="1">
+                              <a:latin typeface="Cambria Math" panose="02040503050406030204" pitchFamily="18" charset="0"/>
+                            </a:rPr>
+                            <m:t>𝑓</m:t>
+                          </m:r>
+                        </m:e>
+                        <m:sub>
+                          <m:r>
+                            <a:rPr lang="da-DK" sz="3000" i="1">
+                              <a:latin typeface="Cambria Math" panose="02040503050406030204" pitchFamily="18" charset="0"/>
+                            </a:rPr>
+                            <m:t>2</m:t>
+                          </m:r>
+                        </m:sub>
+                      </m:sSub>
+                    </m:oMath>
+                    <m:oMath xmlns:m="http://schemas.openxmlformats.org/officeDocument/2006/math">
+                      <m:r>
+                        <a:rPr lang="da-DK" sz="3000" b="0" i="1" smtClean="0">
+                          <a:latin typeface="Cambria Math" panose="02040503050406030204" pitchFamily="18" charset="0"/>
+                        </a:rPr>
+                        <m:t>𝑚</m:t>
+                      </m:r>
+                      <m:r>
+                        <a:rPr lang="da-DK" sz="3000" b="0" i="1" smtClean="0">
+                          <a:latin typeface="Cambria Math" panose="02040503050406030204" pitchFamily="18" charset="0"/>
+                        </a:rPr>
+                        <m:t> </m:t>
+                      </m:r>
+                      <m:sSub>
+                        <m:sSubPr>
+                          <m:ctrlPr>
+                            <a:rPr lang="da-DK" sz="3000" b="0" i="1" smtClean="0">
+                              <a:latin typeface="Cambria Math" panose="02040503050406030204" pitchFamily="18" charset="0"/>
+                            </a:rPr>
+                          </m:ctrlPr>
+                        </m:sSubPr>
+                        <m:e>
+                          <m:r>
+                            <a:rPr lang="da-DK" sz="3000" b="0" i="1" smtClean="0">
+                              <a:latin typeface="Cambria Math" panose="02040503050406030204" pitchFamily="18" charset="0"/>
+                            </a:rPr>
+                            <m:t>𝑎</m:t>
+                          </m:r>
+                        </m:e>
+                        <m:sub>
+                          <m:r>
+                            <a:rPr lang="da-DK" sz="3000" b="0" i="1" smtClean="0">
+                              <a:latin typeface="Cambria Math" panose="02040503050406030204" pitchFamily="18" charset="0"/>
+                            </a:rPr>
+                            <m:t>𝑟</m:t>
+                          </m:r>
+                        </m:sub>
+                      </m:sSub>
+                      <m:r>
+                        <a:rPr lang="da-DK" sz="3000" b="0" i="1" smtClean="0">
+                          <a:latin typeface="Cambria Math" panose="02040503050406030204" pitchFamily="18" charset="0"/>
+                        </a:rPr>
+                        <m:t>=</m:t>
+                      </m:r>
+                      <m:r>
+                        <a:rPr lang="da-DK" sz="3000" b="0" i="1" smtClean="0">
+                          <a:latin typeface="Cambria Math" panose="02040503050406030204" pitchFamily="18" charset="0"/>
+                        </a:rPr>
+                        <m:t>𝑚</m:t>
+                      </m:r>
+                      <m:r>
+                        <a:rPr lang="da-DK" sz="3000" b="0" i="1" smtClean="0">
+                          <a:latin typeface="Cambria Math" panose="02040503050406030204" pitchFamily="18" charset="0"/>
+                        </a:rPr>
+                        <m:t> </m:t>
+                      </m:r>
+                      <m:sSub>
+                        <m:sSubPr>
+                          <m:ctrlPr>
+                            <a:rPr lang="da-DK" sz="3000" b="0" i="1" smtClean="0">
+                              <a:latin typeface="Cambria Math" panose="02040503050406030204" pitchFamily="18" charset="0"/>
+                            </a:rPr>
+                          </m:ctrlPr>
+                        </m:sSubPr>
+                        <m:e>
+                          <m:r>
+                            <a:rPr lang="da-DK" sz="3000" b="0" i="1" smtClean="0">
+                              <a:latin typeface="Cambria Math" panose="02040503050406030204" pitchFamily="18" charset="0"/>
+                            </a:rPr>
+                            <m:t>𝑎</m:t>
+                          </m:r>
+                        </m:e>
+                        <m:sub>
+                          <m:r>
+                            <a:rPr lang="da-DK" sz="3000" b="0" i="1" smtClean="0">
+                              <a:latin typeface="Cambria Math" panose="02040503050406030204" pitchFamily="18" charset="0"/>
+                            </a:rPr>
+                            <m:t>1</m:t>
+                          </m:r>
+                        </m:sub>
+                      </m:sSub>
+                      <m:r>
+                        <a:rPr lang="da-DK" sz="3000" b="0" i="1" smtClean="0">
+                          <a:latin typeface="Cambria Math" panose="02040503050406030204" pitchFamily="18" charset="0"/>
+                        </a:rPr>
+                        <m:t>+</m:t>
+                      </m:r>
+                      <m:r>
+                        <a:rPr lang="da-DK" sz="3000" b="0" i="1" smtClean="0">
+                          <a:latin typeface="Cambria Math" panose="02040503050406030204" pitchFamily="18" charset="0"/>
+                        </a:rPr>
+                        <m:t>𝑚</m:t>
+                      </m:r>
+                      <m:r>
+                        <a:rPr lang="da-DK" sz="3000" b="0" i="1" smtClean="0">
+                          <a:latin typeface="Cambria Math" panose="02040503050406030204" pitchFamily="18" charset="0"/>
+                        </a:rPr>
+                        <m:t> </m:t>
+                      </m:r>
+                      <m:sSub>
+                        <m:sSubPr>
+                          <m:ctrlPr>
+                            <a:rPr lang="da-DK" sz="3000" b="0" i="1" smtClean="0">
+                              <a:latin typeface="Cambria Math" panose="02040503050406030204" pitchFamily="18" charset="0"/>
+                            </a:rPr>
+                          </m:ctrlPr>
+                        </m:sSubPr>
+                        <m:e>
+                          <m:r>
+                            <a:rPr lang="da-DK" sz="3000" b="0" i="1" smtClean="0">
+                              <a:latin typeface="Cambria Math" panose="02040503050406030204" pitchFamily="18" charset="0"/>
+                            </a:rPr>
+                            <m:t>𝑎</m:t>
+                          </m:r>
+                        </m:e>
+                        <m:sub>
+                          <m:r>
+                            <a:rPr lang="da-DK" sz="3000" b="0" i="1" smtClean="0">
+                              <a:latin typeface="Cambria Math" panose="02040503050406030204" pitchFamily="18" charset="0"/>
+                            </a:rPr>
+                            <m:t>2</m:t>
+                          </m:r>
+                        </m:sub>
+                      </m:sSub>
+                    </m:oMath>
+                    <m:oMath xmlns:m="http://schemas.openxmlformats.org/officeDocument/2006/math">
+                      <m:sSub>
+                        <m:sSubPr>
+                          <m:ctrlPr>
+                            <a:rPr lang="da-DK" sz="3000" b="0" i="1" smtClean="0">
+                              <a:latin typeface="Cambria Math" panose="02040503050406030204" pitchFamily="18" charset="0"/>
+                            </a:rPr>
+                          </m:ctrlPr>
+                        </m:sSubPr>
+                        <m:e>
+                          <m:r>
+                            <a:rPr lang="da-DK" sz="3000" b="0" i="1" smtClean="0">
+                              <a:latin typeface="Cambria Math" panose="02040503050406030204" pitchFamily="18" charset="0"/>
+                            </a:rPr>
+                            <m:t>𝑎</m:t>
+                          </m:r>
+                        </m:e>
+                        <m:sub>
+                          <m:r>
+                            <a:rPr lang="da-DK" sz="3000" b="0" i="1" smtClean="0">
+                              <a:latin typeface="Cambria Math" panose="02040503050406030204" pitchFamily="18" charset="0"/>
+                            </a:rPr>
+                            <m:t>𝑟</m:t>
+                          </m:r>
+                        </m:sub>
+                      </m:sSub>
+                      <m:r>
+                        <a:rPr lang="da-DK" sz="3000" b="0" i="1" smtClean="0">
+                          <a:latin typeface="Cambria Math" panose="02040503050406030204" pitchFamily="18" charset="0"/>
+                        </a:rPr>
+                        <m:t>=</m:t>
+                      </m:r>
+                      <m:sSub>
+                        <m:sSubPr>
+                          <m:ctrlPr>
+                            <a:rPr lang="da-DK" sz="3000" b="0" i="1" smtClean="0">
+                              <a:latin typeface="Cambria Math" panose="02040503050406030204" pitchFamily="18" charset="0"/>
+                            </a:rPr>
+                          </m:ctrlPr>
+                        </m:sSubPr>
+                        <m:e>
+                          <m:r>
+                            <a:rPr lang="da-DK" sz="3000" b="0" i="1" smtClean="0">
+                              <a:latin typeface="Cambria Math" panose="02040503050406030204" pitchFamily="18" charset="0"/>
+                            </a:rPr>
+                            <m:t>𝑎</m:t>
+                          </m:r>
+                        </m:e>
+                        <m:sub>
+                          <m:r>
+                            <a:rPr lang="da-DK" sz="3000" b="0" i="1" smtClean="0">
+                              <a:latin typeface="Cambria Math" panose="02040503050406030204" pitchFamily="18" charset="0"/>
+                            </a:rPr>
+                            <m:t>1</m:t>
+                          </m:r>
+                        </m:sub>
+                      </m:sSub>
+                      <m:r>
+                        <a:rPr lang="da-DK" sz="3000" b="0" i="1" smtClean="0">
+                          <a:latin typeface="Cambria Math" panose="02040503050406030204" pitchFamily="18" charset="0"/>
+                        </a:rPr>
+                        <m:t>+</m:t>
+                      </m:r>
+                      <m:sSub>
+                        <m:sSubPr>
+                          <m:ctrlPr>
+                            <a:rPr lang="da-DK" sz="3000" b="0" i="1" smtClean="0">
+                              <a:latin typeface="Cambria Math" panose="02040503050406030204" pitchFamily="18" charset="0"/>
+                            </a:rPr>
+                          </m:ctrlPr>
+                        </m:sSubPr>
+                        <m:e>
+                          <m:r>
+                            <a:rPr lang="da-DK" sz="3000" b="0" i="1" smtClean="0">
+                              <a:latin typeface="Cambria Math" panose="02040503050406030204" pitchFamily="18" charset="0"/>
+                            </a:rPr>
+                            <m:t>𝑎</m:t>
+                          </m:r>
+                        </m:e>
+                        <m:sub>
+                          <m:r>
+                            <a:rPr lang="da-DK" sz="3000" b="0" i="1" smtClean="0">
+                              <a:latin typeface="Cambria Math" panose="02040503050406030204" pitchFamily="18" charset="0"/>
+                            </a:rPr>
+                            <m:t>2</m:t>
+                          </m:r>
+                        </m:sub>
+                      </m:sSub>
+                    </m:oMath>
+                  </m:oMathPara>
+                </a14:m>
+                <a:endParaRPr lang="da-DK" sz="3000" dirty="0"/>
+              </a:p>
+              <a:p>
+                <a:pPr marL="0" indent="0">
+                  <a:buNone/>
+                </a:pPr>
+                <a:br>
+                  <a:rPr lang="da-DK" sz="3000" dirty="0"/>
+                </a:br>
+                <a14:m>
+                  <m:oMathPara xmlns:m="http://schemas.openxmlformats.org/officeDocument/2006/math">
+                    <m:oMathParaPr>
+                      <m:jc m:val="left"/>
+                    </m:oMathParaPr>
+                    <m:oMath xmlns:m="http://schemas.openxmlformats.org/officeDocument/2006/math">
+                      <m:r>
+                        <a:rPr lang="da-DK" sz="3000" b="0" i="1" smtClean="0">
+                          <a:latin typeface="Cambria Math" panose="02040503050406030204" pitchFamily="18" charset="0"/>
+                        </a:rPr>
+                        <m:t>𝑎</m:t>
+                      </m:r>
+                      <m:r>
+                        <a:rPr lang="da-DK" sz="3000" b="0" i="1" smtClean="0">
+                          <a:latin typeface="Cambria Math" panose="02040503050406030204" pitchFamily="18" charset="0"/>
+                        </a:rPr>
+                        <m:t>=</m:t>
+                      </m:r>
+                      <m:sSup>
+                        <m:sSupPr>
+                          <m:ctrlPr>
+                            <a:rPr lang="da-DK" sz="3000" b="0" i="1" smtClean="0">
+                              <a:latin typeface="Cambria Math" panose="02040503050406030204" pitchFamily="18" charset="0"/>
+                            </a:rPr>
+                          </m:ctrlPr>
+                        </m:sSupPr>
+                        <m:e>
+                          <m:r>
+                            <a:rPr lang="da-DK" sz="3000" b="0" i="1" smtClean="0">
+                              <a:latin typeface="Cambria Math" panose="02040503050406030204" pitchFamily="18" charset="0"/>
+                            </a:rPr>
+                            <m:t>𝑣</m:t>
+                          </m:r>
+                        </m:e>
+                        <m:sup>
+                          <m:r>
+                            <a:rPr lang="da-DK" sz="3000" b="0" i="1" smtClean="0">
+                              <a:latin typeface="Cambria Math" panose="02040503050406030204" pitchFamily="18" charset="0"/>
+                            </a:rPr>
+                            <m:t>′</m:t>
+                          </m:r>
+                        </m:sup>
+                      </m:sSup>
+                    </m:oMath>
+                    <m:oMath xmlns:m="http://schemas.openxmlformats.org/officeDocument/2006/math">
+                      <m:r>
+                        <a:rPr lang="da-DK" sz="3000" b="0" i="1" smtClean="0">
+                          <a:latin typeface="Cambria Math" panose="02040503050406030204" pitchFamily="18" charset="0"/>
+                        </a:rPr>
+                        <m:t>𝑣</m:t>
+                      </m:r>
+                      <m:r>
+                        <a:rPr lang="da-DK" sz="3000" b="0" i="1" smtClean="0">
+                          <a:latin typeface="Cambria Math" panose="02040503050406030204" pitchFamily="18" charset="0"/>
+                        </a:rPr>
+                        <m:t>=</m:t>
+                      </m:r>
+                      <m:sSup>
+                        <m:sSupPr>
+                          <m:ctrlPr>
+                            <a:rPr lang="da-DK" sz="3000" b="0" i="1" smtClean="0">
+                              <a:latin typeface="Cambria Math" panose="02040503050406030204" pitchFamily="18" charset="0"/>
+                            </a:rPr>
+                          </m:ctrlPr>
+                        </m:sSupPr>
+                        <m:e>
+                          <m:r>
+                            <a:rPr lang="da-DK" sz="3000" b="0" i="1" smtClean="0">
+                              <a:latin typeface="Cambria Math" panose="02040503050406030204" pitchFamily="18" charset="0"/>
+                            </a:rPr>
+                            <m:t>𝑝</m:t>
+                          </m:r>
+                        </m:e>
+                        <m:sup>
+                          <m:r>
+                            <a:rPr lang="da-DK" sz="3000" b="0" i="1" smtClean="0">
+                              <a:latin typeface="Cambria Math" panose="02040503050406030204" pitchFamily="18" charset="0"/>
+                            </a:rPr>
+                            <m:t>′</m:t>
+                          </m:r>
+                        </m:sup>
+                      </m:sSup>
+                    </m:oMath>
+                    <m:oMath xmlns:m="http://schemas.openxmlformats.org/officeDocument/2006/math">
+                      <m:sSub>
+                        <m:sSubPr>
+                          <m:ctrlPr>
+                            <a:rPr lang="da-DK" sz="3000" b="0" i="1" smtClean="0">
+                              <a:latin typeface="Cambria Math" panose="02040503050406030204" pitchFamily="18" charset="0"/>
+                            </a:rPr>
+                          </m:ctrlPr>
+                        </m:sSubPr>
+                        <m:e>
+                          <m:r>
+                            <a:rPr lang="da-DK" sz="3000" b="0" i="1" smtClean="0">
+                              <a:latin typeface="Cambria Math" panose="02040503050406030204" pitchFamily="18" charset="0"/>
+                            </a:rPr>
+                            <m:t>𝑎</m:t>
+                          </m:r>
+                        </m:e>
+                        <m:sub>
+                          <m:r>
+                            <a:rPr lang="da-DK" sz="3000" b="0" i="1" smtClean="0">
+                              <a:latin typeface="Cambria Math" panose="02040503050406030204" pitchFamily="18" charset="0"/>
+                            </a:rPr>
+                            <m:t>0</m:t>
+                          </m:r>
+                        </m:sub>
+                      </m:sSub>
+                      <m:r>
+                        <a:rPr lang="da-DK" sz="3000" b="0" i="1" smtClean="0">
+                          <a:latin typeface="Cambria Math" panose="02040503050406030204" pitchFamily="18" charset="0"/>
+                        </a:rPr>
+                        <m:t>=9.82</m:t>
+                      </m:r>
+                      <m:f>
+                        <m:fPr>
+                          <m:ctrlPr>
+                            <a:rPr lang="da-DK" sz="3000" b="0" i="1" smtClean="0">
+                              <a:latin typeface="Cambria Math" panose="02040503050406030204" pitchFamily="18" charset="0"/>
+                            </a:rPr>
+                          </m:ctrlPr>
+                        </m:fPr>
+                        <m:num>
+                          <m:r>
+                            <a:rPr lang="da-DK" sz="3000" b="0" i="1" smtClean="0">
+                              <a:latin typeface="Cambria Math" panose="02040503050406030204" pitchFamily="18" charset="0"/>
+                            </a:rPr>
+                            <m:t>𝑚</m:t>
+                          </m:r>
+                        </m:num>
+                        <m:den>
+                          <m:sSup>
+                            <m:sSupPr>
+                              <m:ctrlPr>
+                                <a:rPr lang="da-DK" sz="3000" b="0" i="1" smtClean="0">
+                                  <a:latin typeface="Cambria Math" panose="02040503050406030204" pitchFamily="18" charset="0"/>
+                                </a:rPr>
+                              </m:ctrlPr>
+                            </m:sSupPr>
+                            <m:e>
+                              <m:r>
+                                <a:rPr lang="da-DK" sz="3000" b="0" i="1" smtClean="0">
+                                  <a:latin typeface="Cambria Math" panose="02040503050406030204" pitchFamily="18" charset="0"/>
+                                </a:rPr>
+                                <m:t>𝑠</m:t>
+                              </m:r>
+                            </m:e>
+                            <m:sup>
+                              <m:r>
+                                <a:rPr lang="da-DK" sz="3000" b="0" i="1" smtClean="0">
+                                  <a:latin typeface="Cambria Math" panose="02040503050406030204" pitchFamily="18" charset="0"/>
+                                </a:rPr>
+                                <m:t>2</m:t>
+                              </m:r>
+                            </m:sup>
+                          </m:sSup>
+                        </m:den>
+                      </m:f>
+                    </m:oMath>
+                  </m:oMathPara>
+                </a14:m>
+                <a:endParaRPr lang="da-DK" sz="3000" b="0" dirty="0"/>
+              </a:p>
+            </p:txBody>
+          </p:sp>
+        </mc:Choice>
+        <mc:Fallback>
+          <p:sp>
+            <p:nvSpPr>
+              <p:cNvPr id="5" name="Content Placeholder 4">
+                <a:extLst>
+                  <a:ext uri="{FF2B5EF4-FFF2-40B4-BE49-F238E27FC236}">
+                    <a16:creationId xmlns:a16="http://schemas.microsoft.com/office/drawing/2014/main" id="{217EFA1B-7CB1-0541-AF26-892809790F75}"/>
+                  </a:ext>
+                </a:extLst>
+              </p:cNvPr>
+              <p:cNvSpPr>
+                <a:spLocks noGrp="1" noRot="1" noChangeAspect="1" noMove="1" noResize="1" noEditPoints="1" noAdjustHandles="1" noChangeArrowheads="1" noChangeShapeType="1" noTextEdit="1"/>
+              </p:cNvSpPr>
+              <p:nvPr>
+                <p:ph idx="1"/>
+              </p:nvPr>
+            </p:nvSpPr>
+            <p:spPr>
+              <a:xfrm>
+                <a:off x="838200" y="1413163"/>
+                <a:ext cx="4405746" cy="5209309"/>
+              </a:xfrm>
+              <a:blipFill>
+                <a:blip r:embed="rId2"/>
+                <a:stretch>
+                  <a:fillRect l="-1724" t="-487"/>
+                </a:stretch>
+              </a:blipFill>
+            </p:spPr>
+            <p:txBody>
+              <a:bodyPr/>
+              <a:lstStyle/>
+              <a:p>
+                <a:r>
+                  <a:rPr lang="en-GB">
+                    <a:noFill/>
+                  </a:rPr>
+                  <a:t> </a:t>
+                </a:r>
+              </a:p>
+            </p:txBody>
+          </p:sp>
+        </mc:Fallback>
+      </mc:AlternateContent>
+      <mc:AlternateContent xmlns:mc="http://schemas.openxmlformats.org/markup-compatibility/2006">
+        <mc:Choice xmlns:a14="http://schemas.microsoft.com/office/drawing/2010/main" Requires="a14">
+          <p:sp>
+            <p:nvSpPr>
+              <p:cNvPr id="6" name="Content Placeholder 4">
+                <a:extLst>
+                  <a:ext uri="{FF2B5EF4-FFF2-40B4-BE49-F238E27FC236}">
+                    <a16:creationId xmlns:a16="http://schemas.microsoft.com/office/drawing/2014/main" id="{023596E8-7682-E94F-8F19-AC0F87A79976}"/>
+                  </a:ext>
+                </a:extLst>
+              </p:cNvPr>
+              <p:cNvSpPr txBox="1">
+                <a:spLocks/>
+              </p:cNvSpPr>
+              <p:nvPr/>
+            </p:nvSpPr>
+            <p:spPr>
+              <a:xfrm>
+                <a:off x="6809509" y="1413163"/>
+                <a:ext cx="4544291" cy="5209309"/>
+              </a:xfrm>
+              <a:prstGeom prst="rect">
+                <a:avLst/>
+              </a:prstGeom>
+            </p:spPr>
+            <p:txBody>
+              <a:bodyPr vert="horz" lIns="91440" tIns="45720" rIns="91440" bIns="45720" rtlCol="0">
+                <a:normAutofit fontScale="92500" lnSpcReduction="10000"/>
+              </a:bodyPr>
+              <a:lstStyle>
+                <a:lvl1pPr marL="228600" indent="-228600" algn="l" defTabSz="914400" rtl="0" eaLnBrk="1" latinLnBrk="0" hangingPunct="1">
+                  <a:lnSpc>
+                    <a:spcPct val="90000"/>
+                  </a:lnSpc>
+                  <a:spcBef>
+                    <a:spcPts val="1000"/>
+                  </a:spcBef>
+                  <a:buFont typeface="Arial" panose="020B0604020202020204" pitchFamily="34" charset="0"/>
+                  <a:buChar char="•"/>
+                  <a:defRPr sz="2800" kern="1200">
+                    <a:solidFill>
+                      <a:schemeClr val="tx1"/>
+                    </a:solidFill>
+                    <a:latin typeface="+mn-lt"/>
+                    <a:ea typeface="+mn-ea"/>
+                    <a:cs typeface="+mn-cs"/>
+                  </a:defRPr>
+                </a:lvl1pPr>
+                <a:lvl2pPr marL="685800" indent="-228600" algn="l" defTabSz="914400" rtl="0" eaLnBrk="1" latinLnBrk="0" hangingPunct="1">
+                  <a:lnSpc>
+                    <a:spcPct val="90000"/>
+                  </a:lnSpc>
+                  <a:spcBef>
+                    <a:spcPts val="500"/>
+                  </a:spcBef>
+                  <a:buFont typeface="Arial" panose="020B0604020202020204" pitchFamily="34" charset="0"/>
+                  <a:buChar char="•"/>
+                  <a:defRPr sz="2400" kern="1200">
+                    <a:solidFill>
+                      <a:schemeClr val="tx1"/>
+                    </a:solidFill>
+                    <a:latin typeface="+mn-lt"/>
+                    <a:ea typeface="+mn-ea"/>
+                    <a:cs typeface="+mn-cs"/>
+                  </a:defRPr>
+                </a:lvl2pPr>
+                <a:lvl3pPr marL="1143000" indent="-228600" algn="l" defTabSz="914400" rtl="0" eaLnBrk="1" latinLnBrk="0" hangingPunct="1">
+                  <a:lnSpc>
+                    <a:spcPct val="90000"/>
+                  </a:lnSpc>
+                  <a:spcBef>
+                    <a:spcPts val="500"/>
+                  </a:spcBef>
+                  <a:buFont typeface="Arial" panose="020B0604020202020204" pitchFamily="34" charset="0"/>
+                  <a:buChar char="•"/>
+                  <a:defRPr sz="2000" kern="1200">
+                    <a:solidFill>
+                      <a:schemeClr val="tx1"/>
+                    </a:solidFill>
+                    <a:latin typeface="+mn-lt"/>
+                    <a:ea typeface="+mn-ea"/>
+                    <a:cs typeface="+mn-cs"/>
+                  </a:defRPr>
+                </a:lvl3pPr>
+                <a:lvl4pPr marL="1600200" indent="-228600" algn="l" defTabSz="914400" rtl="0" eaLnBrk="1" latinLnBrk="0" hangingPunct="1">
+                  <a:lnSpc>
+                    <a:spcPct val="90000"/>
+                  </a:lnSpc>
+                  <a:spcBef>
+                    <a:spcPts val="500"/>
+                  </a:spcBef>
+                  <a:buFont typeface="Arial" panose="020B0604020202020204" pitchFamily="34" charset="0"/>
+                  <a:buChar char="•"/>
+                  <a:defRPr sz="1800" kern="1200">
+                    <a:solidFill>
+                      <a:schemeClr val="tx1"/>
+                    </a:solidFill>
+                    <a:latin typeface="+mn-lt"/>
+                    <a:ea typeface="+mn-ea"/>
+                    <a:cs typeface="+mn-cs"/>
+                  </a:defRPr>
+                </a:lvl4pPr>
+                <a:lvl5pPr marL="2057400" indent="-228600" algn="l" defTabSz="914400" rtl="0" eaLnBrk="1" latinLnBrk="0" hangingPunct="1">
+                  <a:lnSpc>
+                    <a:spcPct val="90000"/>
+                  </a:lnSpc>
+                  <a:spcBef>
+                    <a:spcPts val="500"/>
+                  </a:spcBef>
+                  <a:buFont typeface="Arial" panose="020B0604020202020204" pitchFamily="34" charset="0"/>
+                  <a:buChar char="•"/>
+                  <a:defRPr sz="1800" kern="1200">
+                    <a:solidFill>
+                      <a:schemeClr val="tx1"/>
+                    </a:solidFill>
+                    <a:latin typeface="+mn-lt"/>
+                    <a:ea typeface="+mn-ea"/>
+                    <a:cs typeface="+mn-cs"/>
+                  </a:defRPr>
+                </a:lvl5pPr>
+                <a:lvl6pPr marL="2514600" indent="-228600" algn="l" defTabSz="914400" rtl="0" eaLnBrk="1" latinLnBrk="0" hangingPunct="1">
+                  <a:lnSpc>
+                    <a:spcPct val="90000"/>
+                  </a:lnSpc>
+                  <a:spcBef>
+                    <a:spcPts val="500"/>
+                  </a:spcBef>
+                  <a:buFont typeface="Arial" panose="020B0604020202020204" pitchFamily="34" charset="0"/>
+                  <a:buChar char="•"/>
+                  <a:defRPr sz="1800" kern="1200">
+                    <a:solidFill>
+                      <a:schemeClr val="tx1"/>
+                    </a:solidFill>
+                    <a:latin typeface="+mn-lt"/>
+                    <a:ea typeface="+mn-ea"/>
+                    <a:cs typeface="+mn-cs"/>
+                  </a:defRPr>
+                </a:lvl6pPr>
+                <a:lvl7pPr marL="2971800" indent="-228600" algn="l" defTabSz="914400" rtl="0" eaLnBrk="1" latinLnBrk="0" hangingPunct="1">
+                  <a:lnSpc>
+                    <a:spcPct val="90000"/>
+                  </a:lnSpc>
+                  <a:spcBef>
+                    <a:spcPts val="500"/>
+                  </a:spcBef>
+                  <a:buFont typeface="Arial" panose="020B0604020202020204" pitchFamily="34" charset="0"/>
+                  <a:buChar char="•"/>
+                  <a:defRPr sz="1800" kern="1200">
+                    <a:solidFill>
+                      <a:schemeClr val="tx1"/>
+                    </a:solidFill>
+                    <a:latin typeface="+mn-lt"/>
+                    <a:ea typeface="+mn-ea"/>
+                    <a:cs typeface="+mn-cs"/>
+                  </a:defRPr>
+                </a:lvl7pPr>
+                <a:lvl8pPr marL="3429000" indent="-228600" algn="l" defTabSz="914400" rtl="0" eaLnBrk="1" latinLnBrk="0" hangingPunct="1">
+                  <a:lnSpc>
+                    <a:spcPct val="90000"/>
+                  </a:lnSpc>
+                  <a:spcBef>
+                    <a:spcPts val="500"/>
+                  </a:spcBef>
+                  <a:buFont typeface="Arial" panose="020B0604020202020204" pitchFamily="34" charset="0"/>
+                  <a:buChar char="•"/>
+                  <a:defRPr sz="1800" kern="1200">
+                    <a:solidFill>
+                      <a:schemeClr val="tx1"/>
+                    </a:solidFill>
+                    <a:latin typeface="+mn-lt"/>
+                    <a:ea typeface="+mn-ea"/>
+                    <a:cs typeface="+mn-cs"/>
+                  </a:defRPr>
+                </a:lvl8pPr>
+                <a:lvl9pPr marL="3886200" indent="-228600" algn="l" defTabSz="914400" rtl="0" eaLnBrk="1" latinLnBrk="0" hangingPunct="1">
+                  <a:lnSpc>
+                    <a:spcPct val="90000"/>
+                  </a:lnSpc>
+                  <a:spcBef>
+                    <a:spcPts val="500"/>
+                  </a:spcBef>
+                  <a:buFont typeface="Arial" panose="020B0604020202020204" pitchFamily="34" charset="0"/>
+                  <a:buChar char="•"/>
+                  <a:defRPr sz="1800" kern="1200">
+                    <a:solidFill>
+                      <a:schemeClr val="tx1"/>
+                    </a:solidFill>
+                    <a:latin typeface="+mn-lt"/>
+                    <a:ea typeface="+mn-ea"/>
+                    <a:cs typeface="+mn-cs"/>
+                  </a:defRPr>
+                </a:lvl9pPr>
+              </a:lstStyle>
+              <a:p>
+                <a:pPr marL="0" indent="0">
+                  <a:buFont typeface="Arial" panose="020B0604020202020204" pitchFamily="34" charset="0"/>
+                  <a:buNone/>
+                </a:pPr>
+                <a14:m>
+                  <m:oMathPara xmlns:m="http://schemas.openxmlformats.org/officeDocument/2006/math">
+                    <m:oMathParaPr>
+                      <m:jc m:val="left"/>
+                    </m:oMathParaPr>
+                    <m:oMath xmlns:m="http://schemas.openxmlformats.org/officeDocument/2006/math">
+                      <m:sSup>
+                        <m:sSupPr>
+                          <m:ctrlPr>
+                            <a:rPr lang="da-DK" sz="3200" i="1" smtClean="0">
+                              <a:latin typeface="Cambria Math" panose="02040503050406030204" pitchFamily="18" charset="0"/>
+                            </a:rPr>
+                          </m:ctrlPr>
+                        </m:sSupPr>
+                        <m:e>
+                          <m:r>
+                            <a:rPr lang="da-DK" sz="3200" i="1" smtClean="0">
+                              <a:latin typeface="Cambria Math" panose="02040503050406030204" pitchFamily="18" charset="0"/>
+                            </a:rPr>
+                            <m:t>𝑔</m:t>
+                          </m:r>
+                        </m:e>
+                        <m:sup>
+                          <m:r>
+                            <a:rPr lang="da-DK" sz="3200" i="1" smtClean="0">
+                              <a:latin typeface="Cambria Math" panose="02040503050406030204" pitchFamily="18" charset="0"/>
+                            </a:rPr>
+                            <m:t>′</m:t>
+                          </m:r>
+                        </m:sup>
+                      </m:sSup>
+                      <m:d>
+                        <m:dPr>
+                          <m:ctrlPr>
+                            <a:rPr lang="da-DK" sz="3200" i="1" smtClean="0">
+                              <a:latin typeface="Cambria Math" panose="02040503050406030204" pitchFamily="18" charset="0"/>
+                            </a:rPr>
+                          </m:ctrlPr>
+                        </m:dPr>
+                        <m:e>
+                          <m:r>
+                            <a:rPr lang="da-DK" sz="3200" b="0" i="1" smtClean="0">
+                              <a:latin typeface="Cambria Math" panose="02040503050406030204" pitchFamily="18" charset="0"/>
+                            </a:rPr>
+                            <m:t>𝑡</m:t>
+                          </m:r>
+                        </m:e>
+                      </m:d>
+                      <m:r>
+                        <a:rPr lang="da-DK" sz="3200" i="1">
+                          <a:latin typeface="Cambria Math" panose="02040503050406030204" pitchFamily="18" charset="0"/>
+                        </a:rPr>
+                        <m:t>~</m:t>
+                      </m:r>
+                      <m:f>
+                        <m:fPr>
+                          <m:ctrlPr>
+                            <a:rPr lang="da-DK" sz="3200" i="1" smtClean="0">
+                              <a:latin typeface="Cambria Math" panose="02040503050406030204" pitchFamily="18" charset="0"/>
+                            </a:rPr>
+                          </m:ctrlPr>
+                        </m:fPr>
+                        <m:num>
+                          <m:r>
+                            <a:rPr lang="da-DK" sz="3200" i="1" smtClean="0">
+                              <a:latin typeface="Cambria Math" panose="02040503050406030204" pitchFamily="18" charset="0"/>
+                            </a:rPr>
+                            <m:t>𝑔</m:t>
+                          </m:r>
+                          <m:d>
+                            <m:dPr>
+                              <m:ctrlPr>
+                                <a:rPr lang="da-DK" sz="3200" i="1" smtClean="0">
+                                  <a:latin typeface="Cambria Math" panose="02040503050406030204" pitchFamily="18" charset="0"/>
+                                </a:rPr>
+                              </m:ctrlPr>
+                            </m:dPr>
+                            <m:e>
+                              <m:r>
+                                <a:rPr lang="da-DK" sz="3200" b="0" i="1" smtClean="0">
+                                  <a:latin typeface="Cambria Math" panose="02040503050406030204" pitchFamily="18" charset="0"/>
+                                </a:rPr>
+                                <m:t>𝑡</m:t>
+                              </m:r>
+                              <m:r>
+                                <a:rPr lang="da-DK" sz="3200" i="1" smtClean="0">
+                                  <a:latin typeface="Cambria Math" panose="02040503050406030204" pitchFamily="18" charset="0"/>
+                                </a:rPr>
+                                <m:t>+</m:t>
+                              </m:r>
+                              <m:r>
+                                <a:rPr lang="da-DK" sz="3200" i="1" smtClean="0">
+                                  <a:latin typeface="Cambria Math" panose="02040503050406030204" pitchFamily="18" charset="0"/>
+                                </a:rPr>
+                                <m:t>h</m:t>
+                              </m:r>
+                            </m:e>
+                          </m:d>
+                          <m:r>
+                            <a:rPr lang="da-DK" sz="3200" i="1" smtClean="0">
+                              <a:latin typeface="Cambria Math" panose="02040503050406030204" pitchFamily="18" charset="0"/>
+                            </a:rPr>
+                            <m:t>−</m:t>
+                          </m:r>
+                          <m:r>
+                            <a:rPr lang="da-DK" sz="3200" i="1" smtClean="0">
+                              <a:latin typeface="Cambria Math" panose="02040503050406030204" pitchFamily="18" charset="0"/>
+                            </a:rPr>
+                            <m:t>𝑔</m:t>
+                          </m:r>
+                          <m:d>
+                            <m:dPr>
+                              <m:ctrlPr>
+                                <a:rPr lang="da-DK" sz="3200" i="1" smtClean="0">
+                                  <a:latin typeface="Cambria Math" panose="02040503050406030204" pitchFamily="18" charset="0"/>
+                                </a:rPr>
+                              </m:ctrlPr>
+                            </m:dPr>
+                            <m:e>
+                              <m:r>
+                                <a:rPr lang="da-DK" sz="3200" b="0" i="1" smtClean="0">
+                                  <a:latin typeface="Cambria Math" panose="02040503050406030204" pitchFamily="18" charset="0"/>
+                                </a:rPr>
+                                <m:t>𝑡</m:t>
+                              </m:r>
+                            </m:e>
+                          </m:d>
+                        </m:num>
+                        <m:den>
+                          <m:r>
+                            <a:rPr lang="da-DK" sz="3200" i="1" smtClean="0">
+                              <a:latin typeface="Cambria Math" panose="02040503050406030204" pitchFamily="18" charset="0"/>
+                            </a:rPr>
+                            <m:t>h</m:t>
+                          </m:r>
+                        </m:den>
+                      </m:f>
+                    </m:oMath>
+                    <m:oMath xmlns:m="http://schemas.openxmlformats.org/officeDocument/2006/math">
+                      <m:r>
+                        <a:rPr lang="da-DK" sz="3200" i="1" smtClean="0">
+                          <a:latin typeface="Cambria Math" panose="02040503050406030204" pitchFamily="18" charset="0"/>
+                        </a:rPr>
+                        <m:t>𝑔</m:t>
+                      </m:r>
+                      <m:d>
+                        <m:dPr>
+                          <m:ctrlPr>
+                            <a:rPr lang="da-DK" sz="3200" i="1" smtClean="0">
+                              <a:latin typeface="Cambria Math" panose="02040503050406030204" pitchFamily="18" charset="0"/>
+                            </a:rPr>
+                          </m:ctrlPr>
+                        </m:dPr>
+                        <m:e>
+                          <m:r>
+                            <a:rPr lang="da-DK" sz="3200" b="0" i="1" smtClean="0">
+                              <a:latin typeface="Cambria Math" panose="02040503050406030204" pitchFamily="18" charset="0"/>
+                            </a:rPr>
+                            <m:t>𝑡</m:t>
+                          </m:r>
+                          <m:r>
+                            <a:rPr lang="da-DK" sz="3200" i="1" smtClean="0">
+                              <a:latin typeface="Cambria Math" panose="02040503050406030204" pitchFamily="18" charset="0"/>
+                            </a:rPr>
+                            <m:t>+</m:t>
+                          </m:r>
+                          <m:r>
+                            <a:rPr lang="da-DK" sz="3200" i="1" smtClean="0">
+                              <a:latin typeface="Cambria Math" panose="02040503050406030204" pitchFamily="18" charset="0"/>
+                            </a:rPr>
+                            <m:t>h</m:t>
+                          </m:r>
+                        </m:e>
+                      </m:d>
+                      <m:r>
+                        <a:rPr lang="da-DK" sz="3200" i="1" smtClean="0">
+                          <a:latin typeface="Cambria Math" panose="02040503050406030204" pitchFamily="18" charset="0"/>
+                        </a:rPr>
+                        <m:t>=</m:t>
+                      </m:r>
+                      <m:r>
+                        <a:rPr lang="da-DK" sz="3200" i="1" smtClean="0">
+                          <a:latin typeface="Cambria Math" panose="02040503050406030204" pitchFamily="18" charset="0"/>
+                        </a:rPr>
+                        <m:t>𝑔</m:t>
+                      </m:r>
+                      <m:d>
+                        <m:dPr>
+                          <m:ctrlPr>
+                            <a:rPr lang="da-DK" sz="3200" i="1" smtClean="0">
+                              <a:latin typeface="Cambria Math" panose="02040503050406030204" pitchFamily="18" charset="0"/>
+                            </a:rPr>
+                          </m:ctrlPr>
+                        </m:dPr>
+                        <m:e>
+                          <m:r>
+                            <a:rPr lang="da-DK" sz="3200" b="0" i="1" smtClean="0">
+                              <a:latin typeface="Cambria Math" panose="02040503050406030204" pitchFamily="18" charset="0"/>
+                            </a:rPr>
+                            <m:t>𝑡</m:t>
+                          </m:r>
+                        </m:e>
+                      </m:d>
+                      <m:r>
+                        <a:rPr lang="da-DK" sz="3200" i="1" smtClean="0">
+                          <a:latin typeface="Cambria Math" panose="02040503050406030204" pitchFamily="18" charset="0"/>
+                        </a:rPr>
+                        <m:t>+</m:t>
+                      </m:r>
+                      <m:r>
+                        <a:rPr lang="da-DK" sz="3200" i="1" smtClean="0">
+                          <a:latin typeface="Cambria Math" panose="02040503050406030204" pitchFamily="18" charset="0"/>
+                        </a:rPr>
+                        <m:t>h</m:t>
+                      </m:r>
+                      <m:sSup>
+                        <m:sSupPr>
+                          <m:ctrlPr>
+                            <a:rPr lang="da-DK" sz="3200" i="1" smtClean="0">
+                              <a:latin typeface="Cambria Math" panose="02040503050406030204" pitchFamily="18" charset="0"/>
+                            </a:rPr>
+                          </m:ctrlPr>
+                        </m:sSupPr>
+                        <m:e>
+                          <m:r>
+                            <a:rPr lang="da-DK" sz="3200" i="1" smtClean="0">
+                              <a:latin typeface="Cambria Math" panose="02040503050406030204" pitchFamily="18" charset="0"/>
+                            </a:rPr>
+                            <m:t>𝑔</m:t>
+                          </m:r>
+                        </m:e>
+                        <m:sup>
+                          <m:r>
+                            <a:rPr lang="da-DK" sz="3200" i="1" smtClean="0">
+                              <a:latin typeface="Cambria Math" panose="02040503050406030204" pitchFamily="18" charset="0"/>
+                            </a:rPr>
+                            <m:t>′</m:t>
+                          </m:r>
+                        </m:sup>
+                      </m:sSup>
+                      <m:d>
+                        <m:dPr>
+                          <m:ctrlPr>
+                            <a:rPr lang="da-DK" sz="3200" i="1" smtClean="0">
+                              <a:latin typeface="Cambria Math" panose="02040503050406030204" pitchFamily="18" charset="0"/>
+                            </a:rPr>
+                          </m:ctrlPr>
+                        </m:dPr>
+                        <m:e>
+                          <m:r>
+                            <a:rPr lang="da-DK" sz="3200" b="0" i="1" smtClean="0">
+                              <a:latin typeface="Cambria Math" panose="02040503050406030204" pitchFamily="18" charset="0"/>
+                            </a:rPr>
+                            <m:t>𝑡</m:t>
+                          </m:r>
+                        </m:e>
+                      </m:d>
+                    </m:oMath>
+                  </m:oMathPara>
+                </a14:m>
+                <a:endParaRPr lang="da-DK" sz="3200" dirty="0"/>
+              </a:p>
+              <a:p>
+                <a:pPr marL="0" indent="0">
+                  <a:buFont typeface="Arial" panose="020B0604020202020204" pitchFamily="34" charset="0"/>
+                  <a:buNone/>
+                </a:pPr>
+                <a:br>
+                  <a:rPr lang="da-DK" sz="3200" dirty="0"/>
+                </a:br>
+                <a14:m>
+                  <m:oMathPara xmlns:m="http://schemas.openxmlformats.org/officeDocument/2006/math">
+                    <m:oMathParaPr>
+                      <m:jc m:val="left"/>
+                    </m:oMathParaPr>
+                    <m:oMath xmlns:m="http://schemas.openxmlformats.org/officeDocument/2006/math">
+                      <m:r>
+                        <m:rPr>
+                          <m:sty m:val="p"/>
+                        </m:rPr>
+                        <a:rPr lang="da-DK" sz="3200" b="0" i="0" smtClean="0">
+                          <a:latin typeface="Cambria Math" panose="02040503050406030204" pitchFamily="18" charset="0"/>
+                        </a:rPr>
+                        <m:t>v</m:t>
+                      </m:r>
+                      <m:d>
+                        <m:dPr>
+                          <m:ctrlPr>
+                            <a:rPr lang="da-DK" sz="3200" b="0" i="0" smtClean="0">
+                              <a:latin typeface="Cambria Math" panose="02040503050406030204" pitchFamily="18" charset="0"/>
+                            </a:rPr>
+                          </m:ctrlPr>
+                        </m:dPr>
+                        <m:e>
+                          <m:r>
+                            <m:rPr>
+                              <m:sty m:val="p"/>
+                            </m:rPr>
+                            <a:rPr lang="da-DK" sz="3200" b="0" i="0" smtClean="0">
+                              <a:latin typeface="Cambria Math" panose="02040503050406030204" pitchFamily="18" charset="0"/>
+                            </a:rPr>
+                            <m:t>t</m:t>
+                          </m:r>
+                          <m:r>
+                            <a:rPr lang="da-DK" sz="3200" b="0" i="0" smtClean="0">
+                              <a:latin typeface="Cambria Math" panose="02040503050406030204" pitchFamily="18" charset="0"/>
+                            </a:rPr>
+                            <m:t>+</m:t>
+                          </m:r>
+                          <m:r>
+                            <m:rPr>
+                              <m:sty m:val="p"/>
+                            </m:rPr>
+                            <a:rPr lang="da-DK" sz="3200" b="0" i="0" smtClean="0">
+                              <a:latin typeface="Cambria Math" panose="02040503050406030204" pitchFamily="18" charset="0"/>
+                            </a:rPr>
+                            <m:t>h</m:t>
+                          </m:r>
+                        </m:e>
+                      </m:d>
+                      <m:r>
+                        <a:rPr lang="da-DK" sz="3200" b="0" i="0" smtClean="0">
+                          <a:latin typeface="Cambria Math" panose="02040503050406030204" pitchFamily="18" charset="0"/>
+                        </a:rPr>
+                        <m:t>=</m:t>
+                      </m:r>
+                      <m:r>
+                        <m:rPr>
+                          <m:sty m:val="p"/>
+                        </m:rPr>
+                        <a:rPr lang="da-DK" sz="3200" b="0" i="0" smtClean="0">
+                          <a:latin typeface="Cambria Math" panose="02040503050406030204" pitchFamily="18" charset="0"/>
+                        </a:rPr>
+                        <m:t>v</m:t>
+                      </m:r>
+                      <m:d>
+                        <m:dPr>
+                          <m:ctrlPr>
+                            <a:rPr lang="da-DK" sz="3200" b="0" i="0" smtClean="0">
+                              <a:latin typeface="Cambria Math" panose="02040503050406030204" pitchFamily="18" charset="0"/>
+                            </a:rPr>
+                          </m:ctrlPr>
+                        </m:dPr>
+                        <m:e>
+                          <m:r>
+                            <m:rPr>
+                              <m:sty m:val="p"/>
+                            </m:rPr>
+                            <a:rPr lang="da-DK" sz="3200" b="0" i="0" smtClean="0">
+                              <a:latin typeface="Cambria Math" panose="02040503050406030204" pitchFamily="18" charset="0"/>
+                            </a:rPr>
+                            <m:t>t</m:t>
+                          </m:r>
+                        </m:e>
+                      </m:d>
+                      <m:r>
+                        <a:rPr lang="da-DK" sz="3200" b="0" i="0" smtClean="0">
+                          <a:latin typeface="Cambria Math" panose="02040503050406030204" pitchFamily="18" charset="0"/>
+                        </a:rPr>
+                        <m:t>+</m:t>
+                      </m:r>
+                      <m:r>
+                        <m:rPr>
+                          <m:sty m:val="p"/>
+                        </m:rPr>
+                        <a:rPr lang="da-DK" sz="3200" b="0" i="0" smtClean="0">
+                          <a:latin typeface="Cambria Math" panose="02040503050406030204" pitchFamily="18" charset="0"/>
+                        </a:rPr>
+                        <m:t>h</m:t>
+                      </m:r>
+                      <m:r>
+                        <a:rPr lang="da-DK" sz="3200" b="0" i="1" smtClean="0">
+                          <a:latin typeface="Cambria Math" panose="02040503050406030204" pitchFamily="18" charset="0"/>
+                        </a:rPr>
+                        <m:t> </m:t>
+                      </m:r>
+                      <m:r>
+                        <a:rPr lang="da-DK" sz="3200" b="0" i="1" smtClean="0">
+                          <a:latin typeface="Cambria Math" panose="02040503050406030204" pitchFamily="18" charset="0"/>
+                        </a:rPr>
+                        <m:t>𝑎</m:t>
+                      </m:r>
+                      <m:r>
+                        <a:rPr lang="da-DK" sz="3200" b="0" i="1" smtClean="0">
+                          <a:latin typeface="Cambria Math" panose="02040503050406030204" pitchFamily="18" charset="0"/>
+                        </a:rPr>
+                        <m:t>(</m:t>
+                      </m:r>
+                      <m:r>
+                        <a:rPr lang="da-DK" sz="3200" b="0" i="1" smtClean="0">
+                          <a:latin typeface="Cambria Math" panose="02040503050406030204" pitchFamily="18" charset="0"/>
+                        </a:rPr>
+                        <m:t>𝑡</m:t>
+                      </m:r>
+                      <m:r>
+                        <a:rPr lang="da-DK" sz="3200" b="0" i="1" smtClean="0">
+                          <a:latin typeface="Cambria Math" panose="02040503050406030204" pitchFamily="18" charset="0"/>
+                        </a:rPr>
+                        <m:t>)</m:t>
+                      </m:r>
+                    </m:oMath>
+                    <m:oMath xmlns:m="http://schemas.openxmlformats.org/officeDocument/2006/math">
+                      <m:r>
+                        <m:rPr>
+                          <m:sty m:val="p"/>
+                        </m:rPr>
+                        <a:rPr lang="da-DK" sz="3200" b="0" i="0" smtClean="0">
+                          <a:latin typeface="Cambria Math" panose="02040503050406030204" pitchFamily="18" charset="0"/>
+                        </a:rPr>
+                        <m:t>p</m:t>
+                      </m:r>
+                      <m:d>
+                        <m:dPr>
+                          <m:ctrlPr>
+                            <a:rPr lang="da-DK" sz="3200" b="0" i="0" smtClean="0">
+                              <a:latin typeface="Cambria Math" panose="02040503050406030204" pitchFamily="18" charset="0"/>
+                            </a:rPr>
+                          </m:ctrlPr>
+                        </m:dPr>
+                        <m:e>
+                          <m:r>
+                            <m:rPr>
+                              <m:sty m:val="p"/>
+                            </m:rPr>
+                            <a:rPr lang="da-DK" sz="3200" b="0" i="0" smtClean="0">
+                              <a:latin typeface="Cambria Math" panose="02040503050406030204" pitchFamily="18" charset="0"/>
+                            </a:rPr>
+                            <m:t>t</m:t>
+                          </m:r>
+                          <m:r>
+                            <a:rPr lang="da-DK" sz="3200" b="0" i="0" smtClean="0">
+                              <a:latin typeface="Cambria Math" panose="02040503050406030204" pitchFamily="18" charset="0"/>
+                            </a:rPr>
+                            <m:t>+</m:t>
+                          </m:r>
+                          <m:r>
+                            <m:rPr>
+                              <m:sty m:val="p"/>
+                            </m:rPr>
+                            <a:rPr lang="da-DK" sz="3200" b="0" i="0" smtClean="0">
+                              <a:latin typeface="Cambria Math" panose="02040503050406030204" pitchFamily="18" charset="0"/>
+                            </a:rPr>
+                            <m:t>h</m:t>
+                          </m:r>
+                        </m:e>
+                      </m:d>
+                      <m:r>
+                        <a:rPr lang="da-DK" sz="3200" b="0" i="0" smtClean="0">
+                          <a:latin typeface="Cambria Math" panose="02040503050406030204" pitchFamily="18" charset="0"/>
+                        </a:rPr>
+                        <m:t>=</m:t>
+                      </m:r>
+                      <m:r>
+                        <m:rPr>
+                          <m:sty m:val="p"/>
+                        </m:rPr>
+                        <a:rPr lang="da-DK" sz="3200" b="0" i="0" smtClean="0">
+                          <a:latin typeface="Cambria Math" panose="02040503050406030204" pitchFamily="18" charset="0"/>
+                        </a:rPr>
+                        <m:t>p</m:t>
+                      </m:r>
+                      <m:d>
+                        <m:dPr>
+                          <m:ctrlPr>
+                            <a:rPr lang="da-DK" sz="3200" b="0" i="0" smtClean="0">
+                              <a:latin typeface="Cambria Math" panose="02040503050406030204" pitchFamily="18" charset="0"/>
+                            </a:rPr>
+                          </m:ctrlPr>
+                        </m:dPr>
+                        <m:e>
+                          <m:r>
+                            <m:rPr>
+                              <m:sty m:val="p"/>
+                            </m:rPr>
+                            <a:rPr lang="da-DK" sz="3200" b="0" i="0" smtClean="0">
+                              <a:latin typeface="Cambria Math" panose="02040503050406030204" pitchFamily="18" charset="0"/>
+                            </a:rPr>
+                            <m:t>t</m:t>
+                          </m:r>
+                        </m:e>
+                      </m:d>
+                      <m:r>
+                        <a:rPr lang="da-DK" sz="3200" b="0" i="0" smtClean="0">
+                          <a:latin typeface="Cambria Math" panose="02040503050406030204" pitchFamily="18" charset="0"/>
+                        </a:rPr>
+                        <m:t>+</m:t>
+                      </m:r>
+                      <m:r>
+                        <m:rPr>
+                          <m:sty m:val="p"/>
+                        </m:rPr>
+                        <a:rPr lang="da-DK" sz="3200" b="0" i="0" smtClean="0">
+                          <a:latin typeface="Cambria Math" panose="02040503050406030204" pitchFamily="18" charset="0"/>
+                        </a:rPr>
+                        <m:t>h</m:t>
+                      </m:r>
+                      <m:r>
+                        <a:rPr lang="da-DK" sz="3200" b="0" i="1" smtClean="0">
+                          <a:latin typeface="Cambria Math" panose="02040503050406030204" pitchFamily="18" charset="0"/>
+                        </a:rPr>
+                        <m:t> </m:t>
+                      </m:r>
+                      <m:r>
+                        <a:rPr lang="da-DK" sz="3200" b="0" i="1" smtClean="0">
+                          <a:latin typeface="Cambria Math" panose="02040503050406030204" pitchFamily="18" charset="0"/>
+                        </a:rPr>
+                        <m:t>𝑣</m:t>
+                      </m:r>
+                      <m:d>
+                        <m:dPr>
+                          <m:ctrlPr>
+                            <a:rPr lang="da-DK" sz="3200" b="0" i="1" smtClean="0">
+                              <a:latin typeface="Cambria Math" panose="02040503050406030204" pitchFamily="18" charset="0"/>
+                            </a:rPr>
+                          </m:ctrlPr>
+                        </m:dPr>
+                        <m:e>
+                          <m:r>
+                            <a:rPr lang="da-DK" sz="3200" b="0" i="1" smtClean="0">
+                              <a:latin typeface="Cambria Math" panose="02040503050406030204" pitchFamily="18" charset="0"/>
+                            </a:rPr>
+                            <m:t>𝑡</m:t>
+                          </m:r>
+                        </m:e>
+                      </m:d>
+                    </m:oMath>
+                  </m:oMathPara>
+                </a14:m>
+                <a:endParaRPr lang="da-DK" sz="3200" b="0" dirty="0"/>
+              </a:p>
+              <a:p>
+                <a:pPr marL="0" indent="0">
+                  <a:buFont typeface="Arial" panose="020B0604020202020204" pitchFamily="34" charset="0"/>
+                  <a:buNone/>
+                </a:pPr>
+                <a:br>
+                  <a:rPr lang="da-DK" sz="3200" b="0" dirty="0"/>
+                </a:br>
+                <a14:m>
+                  <m:oMathPara xmlns:m="http://schemas.openxmlformats.org/officeDocument/2006/math">
+                    <m:oMathParaPr>
+                      <m:jc m:val="left"/>
+                    </m:oMathParaPr>
+                    <m:oMath xmlns:m="http://schemas.openxmlformats.org/officeDocument/2006/math">
+                      <m:r>
+                        <a:rPr lang="da-DK" sz="3200" b="0" i="1" smtClean="0">
+                          <a:latin typeface="Cambria Math" panose="02040503050406030204" pitchFamily="18" charset="0"/>
+                        </a:rPr>
+                        <m:t>𝑎</m:t>
+                      </m:r>
+                      <m:d>
+                        <m:dPr>
+                          <m:ctrlPr>
+                            <a:rPr lang="da-DK" sz="3200" b="0" i="1" smtClean="0">
+                              <a:latin typeface="Cambria Math" panose="02040503050406030204" pitchFamily="18" charset="0"/>
+                            </a:rPr>
+                          </m:ctrlPr>
+                        </m:dPr>
+                        <m:e>
+                          <m:r>
+                            <a:rPr lang="da-DK" sz="3200" b="0" i="1" smtClean="0">
+                              <a:latin typeface="Cambria Math" panose="02040503050406030204" pitchFamily="18" charset="0"/>
+                            </a:rPr>
+                            <m:t>𝑡</m:t>
+                          </m:r>
+                        </m:e>
+                      </m:d>
+                      <m:r>
+                        <a:rPr lang="da-DK" sz="3200" b="0" i="1" smtClean="0">
+                          <a:latin typeface="Cambria Math" panose="02040503050406030204" pitchFamily="18" charset="0"/>
+                        </a:rPr>
+                        <m:t>=</m:t>
+                      </m:r>
+                      <m:d>
+                        <m:dPr>
+                          <m:begChr m:val="["/>
+                          <m:endChr m:val="]"/>
+                          <m:ctrlPr>
+                            <a:rPr lang="da-DK" sz="3200" b="0" i="1" smtClean="0">
+                              <a:latin typeface="Cambria Math" panose="02040503050406030204" pitchFamily="18" charset="0"/>
+                            </a:rPr>
+                          </m:ctrlPr>
+                        </m:dPr>
+                        <m:e>
+                          <m:r>
+                            <a:rPr lang="da-DK" sz="3200" b="0" i="1" smtClean="0">
+                              <a:latin typeface="Cambria Math" panose="02040503050406030204" pitchFamily="18" charset="0"/>
+                            </a:rPr>
+                            <m:t>0,−</m:t>
+                          </m:r>
+                          <m:f>
+                            <m:fPr>
+                              <m:ctrlPr>
+                                <a:rPr lang="da-DK" sz="3200" b="0" i="1" smtClean="0">
+                                  <a:latin typeface="Cambria Math" panose="02040503050406030204" pitchFamily="18" charset="0"/>
+                                </a:rPr>
+                              </m:ctrlPr>
+                            </m:fPr>
+                            <m:num>
+                              <m:r>
+                                <a:rPr lang="da-DK" sz="3200" b="0" i="1" smtClean="0">
+                                  <a:latin typeface="Cambria Math" panose="02040503050406030204" pitchFamily="18" charset="0"/>
+                                </a:rPr>
+                                <m:t>9.82</m:t>
+                              </m:r>
+                              <m:r>
+                                <a:rPr lang="da-DK" sz="3200" b="0" i="1" smtClean="0">
+                                  <a:latin typeface="Cambria Math" panose="02040503050406030204" pitchFamily="18" charset="0"/>
+                                </a:rPr>
+                                <m:t>𝑚</m:t>
+                              </m:r>
+                            </m:num>
+                            <m:den>
+                              <m:sSup>
+                                <m:sSupPr>
+                                  <m:ctrlPr>
+                                    <a:rPr lang="da-DK" sz="3200" b="0" i="1" smtClean="0">
+                                      <a:latin typeface="Cambria Math" panose="02040503050406030204" pitchFamily="18" charset="0"/>
+                                    </a:rPr>
+                                  </m:ctrlPr>
+                                </m:sSupPr>
+                                <m:e>
+                                  <m:r>
+                                    <a:rPr lang="da-DK" sz="3200" b="0" i="1" smtClean="0">
+                                      <a:latin typeface="Cambria Math" panose="02040503050406030204" pitchFamily="18" charset="0"/>
+                                    </a:rPr>
+                                    <m:t>𝑠</m:t>
+                                  </m:r>
+                                </m:e>
+                                <m:sup>
+                                  <m:r>
+                                    <a:rPr lang="da-DK" sz="3200" b="0" i="1" smtClean="0">
+                                      <a:latin typeface="Cambria Math" panose="02040503050406030204" pitchFamily="18" charset="0"/>
+                                    </a:rPr>
+                                    <m:t>2</m:t>
+                                  </m:r>
+                                </m:sup>
+                              </m:sSup>
+                            </m:den>
+                          </m:f>
+                        </m:e>
+                      </m:d>
+                      <m:r>
+                        <a:rPr lang="da-DK" sz="3200" b="0" i="1" smtClean="0">
+                          <a:latin typeface="Cambria Math" panose="02040503050406030204" pitchFamily="18" charset="0"/>
+                        </a:rPr>
+                        <m:t>+</m:t>
+                      </m:r>
+                      <m:r>
+                        <a:rPr lang="da-DK" sz="3200" b="0" i="1" smtClean="0">
+                          <a:latin typeface="Cambria Math" panose="02040503050406030204" pitchFamily="18" charset="0"/>
+                        </a:rPr>
+                        <m:t>𝑢</m:t>
+                      </m:r>
+                      <m:d>
+                        <m:dPr>
+                          <m:ctrlPr>
+                            <a:rPr lang="da-DK" sz="3200" b="0" i="1" smtClean="0">
+                              <a:latin typeface="Cambria Math" panose="02040503050406030204" pitchFamily="18" charset="0"/>
+                            </a:rPr>
+                          </m:ctrlPr>
+                        </m:dPr>
+                        <m:e>
+                          <m:r>
+                            <a:rPr lang="da-DK" sz="3200" b="0" i="1" smtClean="0">
+                              <a:latin typeface="Cambria Math" panose="02040503050406030204" pitchFamily="18" charset="0"/>
+                            </a:rPr>
+                            <m:t>𝑡</m:t>
+                          </m:r>
+                        </m:e>
+                      </m:d>
+                    </m:oMath>
+                    <m:oMath xmlns:m="http://schemas.openxmlformats.org/officeDocument/2006/math">
+                      <m:r>
+                        <a:rPr lang="da-DK" sz="3200" b="0" i="1" smtClean="0">
+                          <a:latin typeface="Cambria Math" panose="02040503050406030204" pitchFamily="18" charset="0"/>
+                        </a:rPr>
+                        <m:t>𝑣</m:t>
+                      </m:r>
+                      <m:d>
+                        <m:dPr>
+                          <m:ctrlPr>
+                            <a:rPr lang="da-DK" sz="3200" b="0" i="1" smtClean="0">
+                              <a:latin typeface="Cambria Math" panose="02040503050406030204" pitchFamily="18" charset="0"/>
+                            </a:rPr>
+                          </m:ctrlPr>
+                        </m:dPr>
+                        <m:e>
+                          <m:r>
+                            <a:rPr lang="da-DK" sz="3200" b="0" i="1" smtClean="0">
+                              <a:latin typeface="Cambria Math" panose="02040503050406030204" pitchFamily="18" charset="0"/>
+                            </a:rPr>
+                            <m:t>0</m:t>
+                          </m:r>
+                        </m:e>
+                      </m:d>
+                      <m:r>
+                        <a:rPr lang="da-DK" sz="3200" b="0" i="1" smtClean="0">
+                          <a:latin typeface="Cambria Math" panose="02040503050406030204" pitchFamily="18" charset="0"/>
+                        </a:rPr>
+                        <m:t>=</m:t>
+                      </m:r>
+                      <m:d>
+                        <m:dPr>
+                          <m:begChr m:val="["/>
+                          <m:endChr m:val="]"/>
+                          <m:ctrlPr>
+                            <a:rPr lang="da-DK" sz="3200" b="0" i="1" smtClean="0">
+                              <a:latin typeface="Cambria Math" panose="02040503050406030204" pitchFamily="18" charset="0"/>
+                            </a:rPr>
+                          </m:ctrlPr>
+                        </m:dPr>
+                        <m:e>
+                          <m:r>
+                            <a:rPr lang="da-DK" sz="3200" b="0" i="1" smtClean="0">
+                              <a:latin typeface="Cambria Math" panose="02040503050406030204" pitchFamily="18" charset="0"/>
+                            </a:rPr>
+                            <m:t>0,0</m:t>
+                          </m:r>
+                        </m:e>
+                      </m:d>
+                    </m:oMath>
+                    <m:oMath xmlns:m="http://schemas.openxmlformats.org/officeDocument/2006/math">
+                      <m:r>
+                        <a:rPr lang="da-DK" sz="3200" b="0" i="1" smtClean="0">
+                          <a:latin typeface="Cambria Math" panose="02040503050406030204" pitchFamily="18" charset="0"/>
+                        </a:rPr>
+                        <m:t>𝑝</m:t>
+                      </m:r>
+                      <m:d>
+                        <m:dPr>
+                          <m:ctrlPr>
+                            <a:rPr lang="da-DK" sz="3200" b="0" i="1" smtClean="0">
+                              <a:latin typeface="Cambria Math" panose="02040503050406030204" pitchFamily="18" charset="0"/>
+                            </a:rPr>
+                          </m:ctrlPr>
+                        </m:dPr>
+                        <m:e>
+                          <m:r>
+                            <a:rPr lang="da-DK" sz="3200" b="0" i="1" smtClean="0">
+                              <a:latin typeface="Cambria Math" panose="02040503050406030204" pitchFamily="18" charset="0"/>
+                            </a:rPr>
+                            <m:t>0</m:t>
+                          </m:r>
+                        </m:e>
+                      </m:d>
+                      <m:r>
+                        <a:rPr lang="da-DK" sz="3200" b="0" i="1" smtClean="0">
+                          <a:latin typeface="Cambria Math" panose="02040503050406030204" pitchFamily="18" charset="0"/>
+                        </a:rPr>
+                        <m:t>=[0,0]</m:t>
+                      </m:r>
+                    </m:oMath>
+                  </m:oMathPara>
+                </a14:m>
+                <a:endParaRPr lang="da-DK" sz="3200" b="0" dirty="0"/>
+              </a:p>
+              <a:p>
+                <a:pPr marL="0" indent="0">
+                  <a:buFont typeface="Arial" panose="020B0604020202020204" pitchFamily="34" charset="0"/>
+                  <a:buNone/>
+                </a:pPr>
+                <a:endParaRPr lang="da-DK" dirty="0"/>
+              </a:p>
+              <a:p>
+                <a:pPr marL="0" indent="0">
+                  <a:buFont typeface="Arial" panose="020B0604020202020204" pitchFamily="34" charset="0"/>
+                  <a:buNone/>
+                </a:pPr>
+                <a:endParaRPr lang="da-DK" dirty="0"/>
+              </a:p>
+              <a:p>
+                <a:pPr marL="0" indent="0">
+                  <a:buFont typeface="Arial" panose="020B0604020202020204" pitchFamily="34" charset="0"/>
+                  <a:buNone/>
+                </a:pPr>
+                <a:endParaRPr lang="da-DK" dirty="0"/>
+              </a:p>
+              <a:p>
+                <a:pPr marL="0" indent="0">
+                  <a:buFont typeface="Arial" panose="020B0604020202020204" pitchFamily="34" charset="0"/>
+                  <a:buNone/>
+                </a:pPr>
+                <a:endParaRPr lang="en-GB" dirty="0"/>
+              </a:p>
+            </p:txBody>
+          </p:sp>
+        </mc:Choice>
+        <mc:Fallback>
+          <p:sp>
+            <p:nvSpPr>
+              <p:cNvPr id="6" name="Content Placeholder 4">
+                <a:extLst>
+                  <a:ext uri="{FF2B5EF4-FFF2-40B4-BE49-F238E27FC236}">
+                    <a16:creationId xmlns:a16="http://schemas.microsoft.com/office/drawing/2014/main" id="{023596E8-7682-E94F-8F19-AC0F87A79976}"/>
+                  </a:ext>
+                </a:extLst>
+              </p:cNvPr>
+              <p:cNvSpPr txBox="1">
+                <a:spLocks noRot="1" noChangeAspect="1" noMove="1" noResize="1" noEditPoints="1" noAdjustHandles="1" noChangeArrowheads="1" noChangeShapeType="1" noTextEdit="1"/>
+              </p:cNvSpPr>
+              <p:nvPr/>
+            </p:nvSpPr>
+            <p:spPr>
+              <a:xfrm>
+                <a:off x="6809509" y="1413163"/>
+                <a:ext cx="4544291" cy="5209309"/>
+              </a:xfrm>
+              <a:prstGeom prst="rect">
+                <a:avLst/>
+              </a:prstGeom>
+              <a:blipFill>
+                <a:blip r:embed="rId3"/>
+                <a:stretch>
+                  <a:fillRect l="-836" t="-243"/>
+                </a:stretch>
+              </a:blipFill>
+            </p:spPr>
+            <p:txBody>
+              <a:bodyPr/>
+              <a:lstStyle/>
+              <a:p>
+                <a:r>
+                  <a:rPr lang="en-GB">
+                    <a:noFill/>
+                  </a:rPr>
+                  <a:t> </a:t>
+                </a:r>
+              </a:p>
+            </p:txBody>
+          </p:sp>
+        </mc:Fallback>
+      </mc:AlternateContent>
+    </p:spTree>
+    <p:extLst>
+      <p:ext uri="{BB962C8B-B14F-4D97-AF65-F5344CB8AC3E}">
+        <p14:creationId xmlns:p14="http://schemas.microsoft.com/office/powerpoint/2010/main" val="1323054208"/>
+      </p:ext>
+    </p:extLst>
+  </p:cSld>
+  <p:clrMapOvr>
+    <a:masterClrMapping/>
+  </p:clrMapOvr>
+</p:sld>
+</file>
+
+<file path=ppt/slides/slide12.xml><?xml version="1.0" encoding="utf-8"?>
+<p:sld xmlns:a="http://schemas.openxmlformats.org/drawingml/2006/main" xmlns:r="http://schemas.openxmlformats.org/officeDocument/2006/relationships" xmlns:p="http://schemas.openxmlformats.org/presentationml/2006/main">
+  <p:cSld>
+    <p:spTree>
+      <p:nvGrpSpPr>
+        <p:cNvPr id="1" name=""/>
+        <p:cNvGrpSpPr/>
+        <p:nvPr/>
+      </p:nvGrpSpPr>
+      <p:grpSpPr>
+        <a:xfrm>
+          <a:off x="0" y="0"/>
+          <a:ext cx="0" cy="0"/>
+          <a:chOff x="0" y="0"/>
+          <a:chExt cx="0" cy="0"/>
+        </a:xfrm>
+      </p:grpSpPr>
+      <p:sp>
+        <p:nvSpPr>
+          <p:cNvPr id="2" name="Title 1">
+            <a:extLst>
+              <a:ext uri="{FF2B5EF4-FFF2-40B4-BE49-F238E27FC236}">
+                <a16:creationId xmlns:a16="http://schemas.microsoft.com/office/drawing/2014/main" id="{A2686745-2D70-7142-B7D0-03DA1E6BEAFE}"/>
+              </a:ext>
+            </a:extLst>
+          </p:cNvPr>
+          <p:cNvSpPr>
+            <a:spLocks noGrp="1"/>
+          </p:cNvSpPr>
+          <p:nvPr>
+            <p:ph type="title"/>
+          </p:nvPr>
+        </p:nvSpPr>
+        <p:spPr>
+          <a:xfrm>
+            <a:off x="838200" y="365125"/>
+            <a:ext cx="10515600" cy="798657"/>
+          </a:xfrm>
+        </p:spPr>
+        <p:txBody>
+          <a:bodyPr/>
+          <a:lstStyle/>
+          <a:p>
+            <a:r>
+              <a:rPr lang="da-DK" dirty="0"/>
+              <a:t>Fysiksimulering: </a:t>
+            </a:r>
+            <a:r>
+              <a:rPr lang="da-DK" dirty="0" err="1"/>
+              <a:t>rakketaffyring</a:t>
+            </a:r>
+            <a:r>
+              <a:rPr lang="da-DK" dirty="0"/>
+              <a:t> og landing</a:t>
+            </a:r>
+          </a:p>
+        </p:txBody>
+      </p:sp>
+      <p:pic>
+        <p:nvPicPr>
+          <p:cNvPr id="8" name="Picture 7">
+            <a:extLst>
+              <a:ext uri="{FF2B5EF4-FFF2-40B4-BE49-F238E27FC236}">
+                <a16:creationId xmlns:a16="http://schemas.microsoft.com/office/drawing/2014/main" id="{7B06541D-C5B5-9549-8F2D-3631F13396C3}"/>
+              </a:ext>
+            </a:extLst>
+          </p:cNvPr>
+          <p:cNvPicPr>
+            <a:picLocks noChangeAspect="1"/>
+          </p:cNvPicPr>
+          <p:nvPr/>
+        </p:nvPicPr>
+        <p:blipFill>
+          <a:blip r:embed="rId2"/>
+          <a:stretch>
+            <a:fillRect/>
+          </a:stretch>
+        </p:blipFill>
+        <p:spPr>
+          <a:xfrm>
+            <a:off x="838200" y="1296000"/>
+            <a:ext cx="4869874" cy="10778654"/>
+          </a:xfrm>
+          <a:prstGeom prst="rect">
+            <a:avLst/>
+          </a:prstGeom>
+        </p:spPr>
+      </p:pic>
+      <p:pic>
+        <p:nvPicPr>
+          <p:cNvPr id="11" name="Picture 10">
+            <a:extLst>
+              <a:ext uri="{FF2B5EF4-FFF2-40B4-BE49-F238E27FC236}">
+                <a16:creationId xmlns:a16="http://schemas.microsoft.com/office/drawing/2014/main" id="{572F8D1B-AA12-0542-B6CB-91A2C724F26B}"/>
+              </a:ext>
+            </a:extLst>
+          </p:cNvPr>
+          <p:cNvPicPr>
+            <a:picLocks noChangeAspect="1"/>
+          </p:cNvPicPr>
+          <p:nvPr/>
+        </p:nvPicPr>
+        <p:blipFill rotWithShape="1">
+          <a:blip r:embed="rId2"/>
+          <a:srcRect t="47366" b="-47366"/>
+          <a:stretch/>
+        </p:blipFill>
+        <p:spPr>
+          <a:xfrm>
+            <a:off x="6532417" y="1296000"/>
+            <a:ext cx="4821383" cy="10671327"/>
+          </a:xfrm>
+          <a:prstGeom prst="rect">
+            <a:avLst/>
+          </a:prstGeom>
+        </p:spPr>
+      </p:pic>
+    </p:spTree>
+    <p:extLst>
+      <p:ext uri="{BB962C8B-B14F-4D97-AF65-F5344CB8AC3E}">
+        <p14:creationId xmlns:p14="http://schemas.microsoft.com/office/powerpoint/2010/main" val="3592485810"/>
+      </p:ext>
+    </p:extLst>
+  </p:cSld>
+  <p:clrMapOvr>
+    <a:masterClrMapping/>
+  </p:clrMapOvr>
+</p:sld>
+</file>
+
+<file path=ppt/slides/slide13.xml><?xml version="1.0" encoding="utf-8"?>
+<p:sld xmlns:a="http://schemas.openxmlformats.org/drawingml/2006/main" xmlns:r="http://schemas.openxmlformats.org/officeDocument/2006/relationships" xmlns:p="http://schemas.openxmlformats.org/presentationml/2006/main">
+  <p:cSld>
+    <p:spTree>
+      <p:nvGrpSpPr>
+        <p:cNvPr id="1" name=""/>
+        <p:cNvGrpSpPr/>
+        <p:nvPr/>
+      </p:nvGrpSpPr>
+      <p:grpSpPr>
+        <a:xfrm>
+          <a:off x="0" y="0"/>
+          <a:ext cx="0" cy="0"/>
+          <a:chOff x="0" y="0"/>
+          <a:chExt cx="0" cy="0"/>
+        </a:xfrm>
+      </p:grpSpPr>
+      <p:sp>
+        <p:nvSpPr>
+          <p:cNvPr id="2" name="Title 1">
+            <a:extLst>
+              <a:ext uri="{FF2B5EF4-FFF2-40B4-BE49-F238E27FC236}">
+                <a16:creationId xmlns:a16="http://schemas.microsoft.com/office/drawing/2014/main" id="{A2686745-2D70-7142-B7D0-03DA1E6BEAFE}"/>
+              </a:ext>
+            </a:extLst>
+          </p:cNvPr>
+          <p:cNvSpPr>
+            <a:spLocks noGrp="1"/>
+          </p:cNvSpPr>
+          <p:nvPr>
+            <p:ph type="title"/>
+          </p:nvPr>
+        </p:nvSpPr>
+        <p:spPr>
+          <a:xfrm>
+            <a:off x="838200" y="365125"/>
+            <a:ext cx="10515600" cy="798657"/>
+          </a:xfrm>
+        </p:spPr>
+        <p:txBody>
+          <a:bodyPr/>
+          <a:lstStyle/>
+          <a:p>
+            <a:r>
+              <a:rPr lang="da-DK" dirty="0"/>
+              <a:t>Fysiksimulering: </a:t>
+            </a:r>
+            <a:r>
+              <a:rPr lang="da-DK" dirty="0" err="1"/>
+              <a:t>rakketaffyring</a:t>
+            </a:r>
+            <a:r>
+              <a:rPr lang="da-DK" dirty="0"/>
+              <a:t> og landing</a:t>
+            </a:r>
+          </a:p>
+        </p:txBody>
+      </p:sp>
+      <p:sp>
+        <p:nvSpPr>
+          <p:cNvPr id="5" name="Content Placeholder 2">
+            <a:extLst>
+              <a:ext uri="{FF2B5EF4-FFF2-40B4-BE49-F238E27FC236}">
+                <a16:creationId xmlns:a16="http://schemas.microsoft.com/office/drawing/2014/main" id="{5450E03D-008A-ED47-ACA9-6D8588B14DF6}"/>
+              </a:ext>
+            </a:extLst>
+          </p:cNvPr>
+          <p:cNvSpPr>
+            <a:spLocks noGrp="1"/>
+          </p:cNvSpPr>
+          <p:nvPr>
+            <p:ph idx="1"/>
+          </p:nvPr>
+        </p:nvSpPr>
+        <p:spPr>
+          <a:xfrm>
+            <a:off x="2149764" y="3003261"/>
+            <a:ext cx="6511636" cy="1194666"/>
+          </a:xfrm>
+        </p:spPr>
+        <p:txBody>
+          <a:bodyPr>
+            <a:normAutofit fontScale="77500" lnSpcReduction="20000"/>
+          </a:bodyPr>
+          <a:lstStyle/>
+          <a:p>
+            <a:pPr marL="0" indent="0">
+              <a:buNone/>
+            </a:pPr>
+            <a:r>
+              <a:rPr lang="en-GB" sz="6000" dirty="0"/>
+              <a:t>Run </a:t>
+            </a:r>
+            <a:r>
+              <a:rPr lang="en-GB" sz="6000" dirty="0">
+                <a:hlinkClick r:id="rId2"/>
+              </a:rPr>
+              <a:t>Space landing Simple</a:t>
+            </a:r>
+            <a:endParaRPr lang="en-GB" sz="6000" dirty="0"/>
+          </a:p>
+        </p:txBody>
+      </p:sp>
+    </p:spTree>
+    <p:extLst>
+      <p:ext uri="{BB962C8B-B14F-4D97-AF65-F5344CB8AC3E}">
+        <p14:creationId xmlns:p14="http://schemas.microsoft.com/office/powerpoint/2010/main" val="613031692"/>
+      </p:ext>
+    </p:extLst>
+  </p:cSld>
+  <p:clrMapOvr>
+    <a:masterClrMapping/>
+  </p:clrMapOvr>
+</p:sld>
+</file>
+
+<file path=ppt/slides/slide14.xml><?xml version="1.0" encoding="utf-8"?>
+<p:sld xmlns:a="http://schemas.openxmlformats.org/drawingml/2006/main" xmlns:r="http://schemas.openxmlformats.org/officeDocument/2006/relationships" xmlns:p="http://schemas.openxmlformats.org/presentationml/2006/main">
+  <p:cSld>
+    <p:spTree>
+      <p:nvGrpSpPr>
+        <p:cNvPr id="1" name=""/>
+        <p:cNvGrpSpPr/>
+        <p:nvPr/>
+      </p:nvGrpSpPr>
+      <p:grpSpPr>
+        <a:xfrm>
+          <a:off x="0" y="0"/>
+          <a:ext cx="0" cy="0"/>
+          <a:chOff x="0" y="0"/>
+          <a:chExt cx="0" cy="0"/>
+        </a:xfrm>
+      </p:grpSpPr>
+      <p:sp>
+        <p:nvSpPr>
+          <p:cNvPr id="2" name="Title 1">
+            <a:extLst>
+              <a:ext uri="{FF2B5EF4-FFF2-40B4-BE49-F238E27FC236}">
+                <a16:creationId xmlns:a16="http://schemas.microsoft.com/office/drawing/2014/main" id="{A2686745-2D70-7142-B7D0-03DA1E6BEAFE}"/>
+              </a:ext>
+            </a:extLst>
+          </p:cNvPr>
+          <p:cNvSpPr>
+            <a:spLocks noGrp="1"/>
+          </p:cNvSpPr>
+          <p:nvPr>
+            <p:ph type="title"/>
+          </p:nvPr>
+        </p:nvSpPr>
+        <p:spPr>
+          <a:xfrm>
+            <a:off x="838200" y="365125"/>
+            <a:ext cx="10515600" cy="798657"/>
+          </a:xfrm>
+        </p:spPr>
+        <p:txBody>
+          <a:bodyPr/>
+          <a:lstStyle/>
+          <a:p>
+            <a:r>
+              <a:rPr lang="da-DK" dirty="0"/>
+              <a:t>Fysiksimulering: </a:t>
+            </a:r>
+            <a:r>
+              <a:rPr lang="da-DK" dirty="0" err="1"/>
+              <a:t>rakketaffyring</a:t>
+            </a:r>
+            <a:r>
+              <a:rPr lang="da-DK" dirty="0"/>
+              <a:t> og landing</a:t>
+            </a:r>
+          </a:p>
+        </p:txBody>
+      </p:sp>
+      <p:sp>
+        <p:nvSpPr>
+          <p:cNvPr id="5" name="Content Placeholder 2">
+            <a:extLst>
+              <a:ext uri="{FF2B5EF4-FFF2-40B4-BE49-F238E27FC236}">
+                <a16:creationId xmlns:a16="http://schemas.microsoft.com/office/drawing/2014/main" id="{5450E03D-008A-ED47-ACA9-6D8588B14DF6}"/>
+              </a:ext>
+            </a:extLst>
+          </p:cNvPr>
+          <p:cNvSpPr>
+            <a:spLocks noGrp="1"/>
+          </p:cNvSpPr>
+          <p:nvPr>
+            <p:ph idx="1"/>
+          </p:nvPr>
+        </p:nvSpPr>
+        <p:spPr>
+          <a:xfrm>
+            <a:off x="2641600" y="3155661"/>
+            <a:ext cx="6197600" cy="1194666"/>
+          </a:xfrm>
+        </p:spPr>
+        <p:txBody>
+          <a:bodyPr>
+            <a:normAutofit/>
+          </a:bodyPr>
+          <a:lstStyle/>
+          <a:p>
+            <a:pPr marL="0" indent="0">
+              <a:buNone/>
+            </a:pPr>
+            <a:r>
+              <a:rPr lang="en-GB" sz="6000" dirty="0"/>
+              <a:t>Run </a:t>
+            </a:r>
+            <a:r>
+              <a:rPr lang="en-GB" sz="6000" dirty="0">
+                <a:hlinkClick r:id="rId2"/>
+              </a:rPr>
+              <a:t>Space landing</a:t>
+            </a:r>
+            <a:endParaRPr lang="en-GB" sz="6000" dirty="0"/>
+          </a:p>
+        </p:txBody>
+      </p:sp>
+    </p:spTree>
+    <p:extLst>
+      <p:ext uri="{BB962C8B-B14F-4D97-AF65-F5344CB8AC3E}">
+        <p14:creationId xmlns:p14="http://schemas.microsoft.com/office/powerpoint/2010/main" val="276754513"/>
+      </p:ext>
+    </p:extLst>
+  </p:cSld>
+  <p:clrMapOvr>
+    <a:masterClrMapping/>
+  </p:clrMapOvr>
+</p:sld>
+</file>
+
 <file path=ppt/slides/slide2.xml><?xml version="1.0" encoding="utf-8"?>
 <p:sld xmlns:a="http://schemas.openxmlformats.org/drawingml/2006/main" xmlns:r="http://schemas.openxmlformats.org/officeDocument/2006/relationships" xmlns:p="http://schemas.openxmlformats.org/presentationml/2006/main">
   <p:cSld>
@@ -3881,14 +6499,19 @@
             <p:ph type="title"/>
           </p:nvPr>
         </p:nvSpPr>
-        <p:spPr/>
+        <p:spPr>
+          <a:xfrm>
+            <a:off x="838199" y="365125"/>
+            <a:ext cx="10965873" cy="1325563"/>
+          </a:xfrm>
+        </p:spPr>
         <p:txBody>
           <a:bodyPr/>
           <a:lstStyle/>
           <a:p>
             <a:r>
               <a:rPr lang="en-GB" dirty="0"/>
-              <a:t>Online programming…</a:t>
+              <a:t>Online programming: Collect computers</a:t>
             </a:r>
           </a:p>
         </p:txBody>
@@ -3914,7 +6537,45 @@
           <a:bodyPr/>
           <a:lstStyle/>
           <a:p>
-            <a:endParaRPr lang="en-GB"/>
+            <a:r>
+              <a:rPr lang="da-DK" dirty="0"/>
+              <a:t>Bruger kontrollerer </a:t>
+            </a:r>
+            <a:r>
+              <a:rPr lang="da-DK" dirty="0" err="1"/>
+              <a:t>playable-character</a:t>
+            </a:r>
+            <a:r>
+              <a:rPr lang="da-DK" dirty="0"/>
+              <a:t> (pc)</a:t>
+            </a:r>
+          </a:p>
+          <a:p>
+            <a:r>
+              <a:rPr lang="da-DK" dirty="0"/>
+              <a:t>Objekt placeres tilfældigt på skærmen</a:t>
+            </a:r>
+          </a:p>
+          <a:p>
+            <a:r>
+              <a:rPr lang="da-DK" dirty="0"/>
+              <a:t>Bruger får point, når pc rammer objekt, hvorefter objekt forsvinder og nyt placeres tilfældigt.</a:t>
+            </a:r>
+          </a:p>
+          <a:p>
+            <a:r>
+              <a:rPr lang="da-DK" dirty="0"/>
+              <a:t>Point vises på skærmen</a:t>
+            </a:r>
+          </a:p>
+          <a:p>
+            <a:endParaRPr lang="da-DK" dirty="0"/>
+          </a:p>
+          <a:p>
+            <a:endParaRPr lang="da-DK" dirty="0"/>
+          </a:p>
+          <a:p>
+            <a:endParaRPr lang="da-DK" dirty="0"/>
           </a:p>
         </p:txBody>
       </p:sp>
@@ -3922,6 +6583,419 @@
     <p:extLst>
       <p:ext uri="{BB962C8B-B14F-4D97-AF65-F5344CB8AC3E}">
         <p14:creationId xmlns:p14="http://schemas.microsoft.com/office/powerpoint/2010/main" val="1754232616"/>
+      </p:ext>
+    </p:extLst>
+  </p:cSld>
+  <p:clrMapOvr>
+    <a:masterClrMapping/>
+  </p:clrMapOvr>
+</p:sld>
+</file>
+
+<file path=ppt/slides/slide6.xml><?xml version="1.0" encoding="utf-8"?>
+<p:sld xmlns:a="http://schemas.openxmlformats.org/drawingml/2006/main" xmlns:r="http://schemas.openxmlformats.org/officeDocument/2006/relationships" xmlns:p="http://schemas.openxmlformats.org/presentationml/2006/main">
+  <p:cSld>
+    <p:spTree>
+      <p:nvGrpSpPr>
+        <p:cNvPr id="1" name=""/>
+        <p:cNvGrpSpPr/>
+        <p:nvPr/>
+      </p:nvGrpSpPr>
+      <p:grpSpPr>
+        <a:xfrm>
+          <a:off x="0" y="0"/>
+          <a:ext cx="0" cy="0"/>
+          <a:chOff x="0" y="0"/>
+          <a:chExt cx="0" cy="0"/>
+        </a:xfrm>
+      </p:grpSpPr>
+      <p:sp>
+        <p:nvSpPr>
+          <p:cNvPr id="2" name="Title 1">
+            <a:extLst>
+              <a:ext uri="{FF2B5EF4-FFF2-40B4-BE49-F238E27FC236}">
+                <a16:creationId xmlns:a16="http://schemas.microsoft.com/office/drawing/2014/main" id="{0ACBB10D-A260-F941-8B71-00F8F1DB22DC}"/>
+              </a:ext>
+            </a:extLst>
+          </p:cNvPr>
+          <p:cNvSpPr>
+            <a:spLocks noGrp="1"/>
+          </p:cNvSpPr>
+          <p:nvPr>
+            <p:ph type="title"/>
+          </p:nvPr>
+        </p:nvSpPr>
+        <p:spPr>
+          <a:xfrm>
+            <a:off x="838199" y="365125"/>
+            <a:ext cx="10965873" cy="1325563"/>
+          </a:xfrm>
+        </p:spPr>
+        <p:txBody>
+          <a:bodyPr/>
+          <a:lstStyle/>
+          <a:p>
+            <a:r>
+              <a:rPr lang="en-GB" dirty="0"/>
+              <a:t>Online programming: Collect computers - PC</a:t>
+            </a:r>
+          </a:p>
+        </p:txBody>
+      </p:sp>
+      <p:pic>
+        <p:nvPicPr>
+          <p:cNvPr id="5" name="Content Placeholder 4">
+            <a:extLst>
+              <a:ext uri="{FF2B5EF4-FFF2-40B4-BE49-F238E27FC236}">
+                <a16:creationId xmlns:a16="http://schemas.microsoft.com/office/drawing/2014/main" id="{F97CDB47-6D44-BF49-8AE9-05EA3BD56588}"/>
+              </a:ext>
+            </a:extLst>
+          </p:cNvPr>
+          <p:cNvPicPr>
+            <a:picLocks noGrp="1" noChangeAspect="1"/>
+          </p:cNvPicPr>
+          <p:nvPr>
+            <p:ph idx="1"/>
+          </p:nvPr>
+        </p:nvPicPr>
+        <p:blipFill>
+          <a:blip r:embed="rId2"/>
+          <a:stretch>
+            <a:fillRect/>
+          </a:stretch>
+        </p:blipFill>
+        <p:spPr>
+          <a:xfrm>
+            <a:off x="0" y="1440871"/>
+            <a:ext cx="5811589" cy="11457136"/>
+          </a:xfrm>
+        </p:spPr>
+      </p:pic>
+      <p:pic>
+        <p:nvPicPr>
+          <p:cNvPr id="6" name="Content Placeholder 4">
+            <a:extLst>
+              <a:ext uri="{FF2B5EF4-FFF2-40B4-BE49-F238E27FC236}">
+                <a16:creationId xmlns:a16="http://schemas.microsoft.com/office/drawing/2014/main" id="{17DECA2D-B70F-AF4F-B55D-28FDDA6C47ED}"/>
+              </a:ext>
+            </a:extLst>
+          </p:cNvPr>
+          <p:cNvPicPr>
+            <a:picLocks noChangeAspect="1"/>
+          </p:cNvPicPr>
+          <p:nvPr/>
+        </p:nvPicPr>
+        <p:blipFill rotWithShape="1">
+          <a:blip r:embed="rId2"/>
+          <a:srcRect t="38204" b="-38204"/>
+          <a:stretch/>
+        </p:blipFill>
+        <p:spPr>
+          <a:xfrm>
+            <a:off x="6123827" y="1440871"/>
+            <a:ext cx="6068173" cy="11962971"/>
+          </a:xfrm>
+          <a:prstGeom prst="rect">
+            <a:avLst/>
+          </a:prstGeom>
+        </p:spPr>
+      </p:pic>
+    </p:spTree>
+    <p:extLst>
+      <p:ext uri="{BB962C8B-B14F-4D97-AF65-F5344CB8AC3E}">
+        <p14:creationId xmlns:p14="http://schemas.microsoft.com/office/powerpoint/2010/main" val="2046984010"/>
+      </p:ext>
+    </p:extLst>
+  </p:cSld>
+  <p:clrMapOvr>
+    <a:masterClrMapping/>
+  </p:clrMapOvr>
+</p:sld>
+</file>
+
+<file path=ppt/slides/slide7.xml><?xml version="1.0" encoding="utf-8"?>
+<p:sld xmlns:a="http://schemas.openxmlformats.org/drawingml/2006/main" xmlns:r="http://schemas.openxmlformats.org/officeDocument/2006/relationships" xmlns:p="http://schemas.openxmlformats.org/presentationml/2006/main">
+  <p:cSld>
+    <p:spTree>
+      <p:nvGrpSpPr>
+        <p:cNvPr id="1" name=""/>
+        <p:cNvGrpSpPr/>
+        <p:nvPr/>
+      </p:nvGrpSpPr>
+      <p:grpSpPr>
+        <a:xfrm>
+          <a:off x="0" y="0"/>
+          <a:ext cx="0" cy="0"/>
+          <a:chOff x="0" y="0"/>
+          <a:chExt cx="0" cy="0"/>
+        </a:xfrm>
+      </p:grpSpPr>
+      <p:sp>
+        <p:nvSpPr>
+          <p:cNvPr id="2" name="Title 1">
+            <a:extLst>
+              <a:ext uri="{FF2B5EF4-FFF2-40B4-BE49-F238E27FC236}">
+                <a16:creationId xmlns:a16="http://schemas.microsoft.com/office/drawing/2014/main" id="{0ACBB10D-A260-F941-8B71-00F8F1DB22DC}"/>
+              </a:ext>
+            </a:extLst>
+          </p:cNvPr>
+          <p:cNvSpPr>
+            <a:spLocks noGrp="1"/>
+          </p:cNvSpPr>
+          <p:nvPr>
+            <p:ph type="title"/>
+          </p:nvPr>
+        </p:nvSpPr>
+        <p:spPr>
+          <a:xfrm>
+            <a:off x="838199" y="365125"/>
+            <a:ext cx="10965873" cy="1325563"/>
+          </a:xfrm>
+        </p:spPr>
+        <p:txBody>
+          <a:bodyPr/>
+          <a:lstStyle/>
+          <a:p>
+            <a:r>
+              <a:rPr lang="en-GB" dirty="0"/>
+              <a:t>Online programming: Collect computers - </a:t>
+            </a:r>
+            <a:r>
+              <a:rPr lang="en-GB" dirty="0" err="1"/>
+              <a:t>Obj</a:t>
+            </a:r>
+            <a:endParaRPr lang="en-GB" dirty="0"/>
+          </a:p>
+        </p:txBody>
+      </p:sp>
+      <p:pic>
+        <p:nvPicPr>
+          <p:cNvPr id="5" name="Content Placeholder 4">
+            <a:extLst>
+              <a:ext uri="{FF2B5EF4-FFF2-40B4-BE49-F238E27FC236}">
+                <a16:creationId xmlns:a16="http://schemas.microsoft.com/office/drawing/2014/main" id="{68AA5694-F210-2F4C-9AC6-0D1BEAE2C083}"/>
+              </a:ext>
+            </a:extLst>
+          </p:cNvPr>
+          <p:cNvPicPr>
+            <a:picLocks noGrp="1" noChangeAspect="1"/>
+          </p:cNvPicPr>
+          <p:nvPr>
+            <p:ph idx="1"/>
+          </p:nvPr>
+        </p:nvPicPr>
+        <p:blipFill>
+          <a:blip r:embed="rId2"/>
+          <a:stretch>
+            <a:fillRect/>
+          </a:stretch>
+        </p:blipFill>
+        <p:spPr>
+          <a:xfrm>
+            <a:off x="2743200" y="1690687"/>
+            <a:ext cx="6708442" cy="5167313"/>
+          </a:xfrm>
+        </p:spPr>
+      </p:pic>
+    </p:spTree>
+    <p:extLst>
+      <p:ext uri="{BB962C8B-B14F-4D97-AF65-F5344CB8AC3E}">
+        <p14:creationId xmlns:p14="http://schemas.microsoft.com/office/powerpoint/2010/main" val="106908711"/>
+      </p:ext>
+    </p:extLst>
+  </p:cSld>
+  <p:clrMapOvr>
+    <a:masterClrMapping/>
+  </p:clrMapOvr>
+</p:sld>
+</file>
+
+<file path=ppt/slides/slide8.xml><?xml version="1.0" encoding="utf-8"?>
+<p:sld xmlns:a="http://schemas.openxmlformats.org/drawingml/2006/main" xmlns:r="http://schemas.openxmlformats.org/officeDocument/2006/relationships" xmlns:p="http://schemas.openxmlformats.org/presentationml/2006/main">
+  <p:cSld>
+    <p:spTree>
+      <p:nvGrpSpPr>
+        <p:cNvPr id="1" name=""/>
+        <p:cNvGrpSpPr/>
+        <p:nvPr/>
+      </p:nvGrpSpPr>
+      <p:grpSpPr>
+        <a:xfrm>
+          <a:off x="0" y="0"/>
+          <a:ext cx="0" cy="0"/>
+          <a:chOff x="0" y="0"/>
+          <a:chExt cx="0" cy="0"/>
+        </a:xfrm>
+      </p:grpSpPr>
+      <p:sp>
+        <p:nvSpPr>
+          <p:cNvPr id="2" name="Title 1">
+            <a:extLst>
+              <a:ext uri="{FF2B5EF4-FFF2-40B4-BE49-F238E27FC236}">
+                <a16:creationId xmlns:a16="http://schemas.microsoft.com/office/drawing/2014/main" id="{0ACBB10D-A260-F941-8B71-00F8F1DB22DC}"/>
+              </a:ext>
+            </a:extLst>
+          </p:cNvPr>
+          <p:cNvSpPr>
+            <a:spLocks noGrp="1"/>
+          </p:cNvSpPr>
+          <p:nvPr>
+            <p:ph type="title"/>
+          </p:nvPr>
+        </p:nvSpPr>
+        <p:spPr>
+          <a:xfrm>
+            <a:off x="838199" y="365125"/>
+            <a:ext cx="10965873" cy="1325563"/>
+          </a:xfrm>
+        </p:spPr>
+        <p:txBody>
+          <a:bodyPr/>
+          <a:lstStyle/>
+          <a:p>
+            <a:r>
+              <a:rPr lang="en-GB" dirty="0"/>
+              <a:t>Online programming: Collect computers - Points</a:t>
+            </a:r>
+          </a:p>
+        </p:txBody>
+      </p:sp>
+      <p:pic>
+        <p:nvPicPr>
+          <p:cNvPr id="5" name="Content Placeholder 4">
+            <a:extLst>
+              <a:ext uri="{FF2B5EF4-FFF2-40B4-BE49-F238E27FC236}">
+                <a16:creationId xmlns:a16="http://schemas.microsoft.com/office/drawing/2014/main" id="{4E16BED6-5EAA-0149-BB12-E186962B3269}"/>
+              </a:ext>
+            </a:extLst>
+          </p:cNvPr>
+          <p:cNvPicPr>
+            <a:picLocks noGrp="1" noChangeAspect="1"/>
+          </p:cNvPicPr>
+          <p:nvPr>
+            <p:ph idx="1"/>
+          </p:nvPr>
+        </p:nvPicPr>
+        <p:blipFill>
+          <a:blip r:embed="rId3"/>
+          <a:stretch>
+            <a:fillRect/>
+          </a:stretch>
+        </p:blipFill>
+        <p:spPr>
+          <a:xfrm>
+            <a:off x="1761994" y="2715924"/>
+            <a:ext cx="9118282" cy="2532856"/>
+          </a:xfrm>
+        </p:spPr>
+      </p:pic>
+    </p:spTree>
+    <p:extLst>
+      <p:ext uri="{BB962C8B-B14F-4D97-AF65-F5344CB8AC3E}">
+        <p14:creationId xmlns:p14="http://schemas.microsoft.com/office/powerpoint/2010/main" val="1552761857"/>
+      </p:ext>
+    </p:extLst>
+  </p:cSld>
+  <p:clrMapOvr>
+    <a:masterClrMapping/>
+  </p:clrMapOvr>
+</p:sld>
+</file>
+
+<file path=ppt/slides/slide9.xml><?xml version="1.0" encoding="utf-8"?>
+<p:sld xmlns:a="http://schemas.openxmlformats.org/drawingml/2006/main" xmlns:r="http://schemas.openxmlformats.org/officeDocument/2006/relationships" xmlns:p="http://schemas.openxmlformats.org/presentationml/2006/main">
+  <p:cSld>
+    <p:spTree>
+      <p:nvGrpSpPr>
+        <p:cNvPr id="1" name=""/>
+        <p:cNvGrpSpPr/>
+        <p:nvPr/>
+      </p:nvGrpSpPr>
+      <p:grpSpPr>
+        <a:xfrm>
+          <a:off x="0" y="0"/>
+          <a:ext cx="0" cy="0"/>
+          <a:chOff x="0" y="0"/>
+          <a:chExt cx="0" cy="0"/>
+        </a:xfrm>
+      </p:grpSpPr>
+      <p:sp>
+        <p:nvSpPr>
+          <p:cNvPr id="2" name="Title 1">
+            <a:extLst>
+              <a:ext uri="{FF2B5EF4-FFF2-40B4-BE49-F238E27FC236}">
+                <a16:creationId xmlns:a16="http://schemas.microsoft.com/office/drawing/2014/main" id="{328548C8-14AE-3E4B-A1E8-9909A82E136F}"/>
+              </a:ext>
+            </a:extLst>
+          </p:cNvPr>
+          <p:cNvSpPr>
+            <a:spLocks noGrp="1"/>
+          </p:cNvSpPr>
+          <p:nvPr>
+            <p:ph type="title"/>
+          </p:nvPr>
+        </p:nvSpPr>
+        <p:spPr/>
+        <p:txBody>
+          <a:bodyPr/>
+          <a:lstStyle/>
+          <a:p>
+            <a:r>
+              <a:rPr lang="en-GB" dirty="0"/>
+              <a:t>Online programming: Collect computers</a:t>
+            </a:r>
+          </a:p>
+        </p:txBody>
+      </p:sp>
+      <p:sp>
+        <p:nvSpPr>
+          <p:cNvPr id="3" name="Content Placeholder 2">
+            <a:extLst>
+              <a:ext uri="{FF2B5EF4-FFF2-40B4-BE49-F238E27FC236}">
+                <a16:creationId xmlns:a16="http://schemas.microsoft.com/office/drawing/2014/main" id="{8B87794F-5BA7-2146-9F85-C1A0679AA617}"/>
+              </a:ext>
+            </a:extLst>
+          </p:cNvPr>
+          <p:cNvSpPr>
+            <a:spLocks noGrp="1"/>
+          </p:cNvSpPr>
+          <p:nvPr>
+            <p:ph idx="1"/>
+          </p:nvPr>
+        </p:nvSpPr>
+        <p:spPr>
+          <a:xfrm>
+            <a:off x="2286000" y="3155661"/>
+            <a:ext cx="6426200" cy="1194666"/>
+          </a:xfrm>
+        </p:spPr>
+        <p:txBody>
+          <a:bodyPr>
+            <a:normAutofit fontScale="85000" lnSpcReduction="10000"/>
+          </a:bodyPr>
+          <a:lstStyle/>
+          <a:p>
+            <a:pPr marL="0" indent="0">
+              <a:buNone/>
+            </a:pPr>
+            <a:r>
+              <a:rPr lang="en-GB" sz="6000" dirty="0"/>
+              <a:t>Run </a:t>
+            </a:r>
+            <a:r>
+              <a:rPr lang="en-GB" sz="6000" dirty="0">
+                <a:hlinkClick r:id="rId2"/>
+              </a:rPr>
+              <a:t>Collect Computers</a:t>
+            </a:r>
+            <a:endParaRPr lang="en-GB" sz="6000" dirty="0"/>
+          </a:p>
+        </p:txBody>
+      </p:sp>
+    </p:spTree>
+    <p:extLst>
+      <p:ext uri="{BB962C8B-B14F-4D97-AF65-F5344CB8AC3E}">
+        <p14:creationId xmlns:p14="http://schemas.microsoft.com/office/powerpoint/2010/main" val="2963570733"/>
       </p:ext>
     </p:extLst>
   </p:cSld>
@@ -4224,4 +7298,299 @@
     </a:ext>
   </a:extLst>
 </a:theme>
+</file>
+
+<file path=ppt/theme/theme2.xml><?xml version="1.0" encoding="utf-8"?>
+<a:theme xmlns:a="http://schemas.openxmlformats.org/drawingml/2006/main" name="Office Theme">
+  <a:themeElements>
+    <a:clrScheme name="Office">
+      <a:dk1>
+        <a:sysClr val="windowText" lastClr="000000"/>
+      </a:dk1>
+      <a:lt1>
+        <a:sysClr val="window" lastClr="FFFFFF"/>
+      </a:lt1>
+      <a:dk2>
+        <a:srgbClr val="44546A"/>
+      </a:dk2>
+      <a:lt2>
+        <a:srgbClr val="E7E6E6"/>
+      </a:lt2>
+      <a:accent1>
+        <a:srgbClr val="4472C4"/>
+      </a:accent1>
+      <a:accent2>
+        <a:srgbClr val="ED7D31"/>
+      </a:accent2>
+      <a:accent3>
+        <a:srgbClr val="A5A5A5"/>
+      </a:accent3>
+      <a:accent4>
+        <a:srgbClr val="FFC000"/>
+      </a:accent4>
+      <a:accent5>
+        <a:srgbClr val="5B9BD5"/>
+      </a:accent5>
+      <a:accent6>
+        <a:srgbClr val="70AD47"/>
+      </a:accent6>
+      <a:hlink>
+        <a:srgbClr val="0563C1"/>
+      </a:hlink>
+      <a:folHlink>
+        <a:srgbClr val="954F72"/>
+      </a:folHlink>
+    </a:clrScheme>
+    <a:fontScheme name="Office">
+      <a:majorFont>
+        <a:latin typeface="Calibri Light" panose="020F0302020204030204"/>
+        <a:ea typeface=""/>
+        <a:cs typeface=""/>
+        <a:font script="Jpan" typeface="游ゴシック Light"/>
+        <a:font script="Hang" typeface="맑은 고딕"/>
+        <a:font script="Hans" typeface="等线 Light"/>
+        <a:font script="Hant" typeface="新細明體"/>
+        <a:font script="Arab" typeface="Times New Roman"/>
+        <a:font script="Hebr" typeface="Times New Roman"/>
+        <a:font script="Thai" typeface="Angsana New"/>
+        <a:font script="Ethi" typeface="Nyala"/>
+        <a:font script="Beng" typeface="Vrinda"/>
+        <a:font script="Gujr" typeface="Shruti"/>
+        <a:font script="Khmr" typeface="MoolBoran"/>
+        <a:font script="Knda" typeface="Tunga"/>
+        <a:font script="Guru" typeface="Raavi"/>
+        <a:font script="Cans" typeface="Euphemia"/>
+        <a:font script="Cher" typeface="Plantagenet Cherokee"/>
+        <a:font script="Yiii" typeface="Microsoft Yi Baiti"/>
+        <a:font script="Tibt" typeface="Microsoft Himalaya"/>
+        <a:font script="Thaa" typeface="MV Boli"/>
+        <a:font script="Deva" typeface="Mangal"/>
+        <a:font script="Telu" typeface="Gautami"/>
+        <a:font script="Taml" typeface="Latha"/>
+        <a:font script="Syrc" typeface="Estrangelo Edessa"/>
+        <a:font script="Orya" typeface="Kalinga"/>
+        <a:font script="Mlym" typeface="Kartika"/>
+        <a:font script="Laoo" typeface="DokChampa"/>
+        <a:font script="Sinh" typeface="Iskoola Pota"/>
+        <a:font script="Mong" typeface="Mongolian Baiti"/>
+        <a:font script="Viet" typeface="Times New Roman"/>
+        <a:font script="Uigh" typeface="Microsoft Uighur"/>
+        <a:font script="Geor" typeface="Sylfaen"/>
+        <a:font script="Armn" typeface="Arial"/>
+        <a:font script="Bugi" typeface="Leelawadee UI"/>
+        <a:font script="Bopo" typeface="Microsoft JhengHei"/>
+        <a:font script="Java" typeface="Javanese Text"/>
+        <a:font script="Lisu" typeface="Segoe UI"/>
+        <a:font script="Mymr" typeface="Myanmar Text"/>
+        <a:font script="Nkoo" typeface="Ebrima"/>
+        <a:font script="Olck" typeface="Nirmala UI"/>
+        <a:font script="Osma" typeface="Ebrima"/>
+        <a:font script="Phag" typeface="Phagspa"/>
+        <a:font script="Syrn" typeface="Estrangelo Edessa"/>
+        <a:font script="Syrj" typeface="Estrangelo Edessa"/>
+        <a:font script="Syre" typeface="Estrangelo Edessa"/>
+        <a:font script="Sora" typeface="Nirmala UI"/>
+        <a:font script="Tale" typeface="Microsoft Tai Le"/>
+        <a:font script="Talu" typeface="Microsoft New Tai Lue"/>
+        <a:font script="Tfng" typeface="Ebrima"/>
+      </a:majorFont>
+      <a:minorFont>
+        <a:latin typeface="Calibri" panose="020F0502020204030204"/>
+        <a:ea typeface=""/>
+        <a:cs typeface=""/>
+        <a:font script="Jpan" typeface="游ゴシック"/>
+        <a:font script="Hang" typeface="맑은 고딕"/>
+        <a:font script="Hans" typeface="等线"/>
+        <a:font script="Hant" typeface="新細明體"/>
+        <a:font script="Arab" typeface="Arial"/>
+        <a:font script="Hebr" typeface="Arial"/>
+        <a:font script="Thai" typeface="Cordia New"/>
+        <a:font script="Ethi" typeface="Nyala"/>
+        <a:font script="Beng" typeface="Vrinda"/>
+        <a:font script="Gujr" typeface="Shruti"/>
+        <a:font script="Khmr" typeface="DaunPenh"/>
+        <a:font script="Knda" typeface="Tunga"/>
+        <a:font script="Guru" typeface="Raavi"/>
+        <a:font script="Cans" typeface="Euphemia"/>
+        <a:font script="Cher" typeface="Plantagenet Cherokee"/>
+        <a:font script="Yiii" typeface="Microsoft Yi Baiti"/>
+        <a:font script="Tibt" typeface="Microsoft Himalaya"/>
+        <a:font script="Thaa" typeface="MV Boli"/>
+        <a:font script="Deva" typeface="Mangal"/>
+        <a:font script="Telu" typeface="Gautami"/>
+        <a:font script="Taml" typeface="Latha"/>
+        <a:font script="Syrc" typeface="Estrangelo Edessa"/>
+        <a:font script="Orya" typeface="Kalinga"/>
+        <a:font script="Mlym" typeface="Kartika"/>
+        <a:font script="Laoo" typeface="DokChampa"/>
+        <a:font script="Sinh" typeface="Iskoola Pota"/>
+        <a:font script="Mong" typeface="Mongolian Baiti"/>
+        <a:font script="Viet" typeface="Arial"/>
+        <a:font script="Uigh" typeface="Microsoft Uighur"/>
+        <a:font script="Geor" typeface="Sylfaen"/>
+        <a:font script="Armn" typeface="Arial"/>
+        <a:font script="Bugi" typeface="Leelawadee UI"/>
+        <a:font script="Bopo" typeface="Microsoft JhengHei"/>
+        <a:font script="Java" typeface="Javanese Text"/>
+        <a:font script="Lisu" typeface="Segoe UI"/>
+        <a:font script="Mymr" typeface="Myanmar Text"/>
+        <a:font script="Nkoo" typeface="Ebrima"/>
+        <a:font script="Olck" typeface="Nirmala UI"/>
+        <a:font script="Osma" typeface="Ebrima"/>
+        <a:font script="Phag" typeface="Phagspa"/>
+        <a:font script="Syrn" typeface="Estrangelo Edessa"/>
+        <a:font script="Syrj" typeface="Estrangelo Edessa"/>
+        <a:font script="Syre" typeface="Estrangelo Edessa"/>
+        <a:font script="Sora" typeface="Nirmala UI"/>
+        <a:font script="Tale" typeface="Microsoft Tai Le"/>
+        <a:font script="Talu" typeface="Microsoft New Tai Lue"/>
+        <a:font script="Tfng" typeface="Ebrima"/>
+      </a:minorFont>
+    </a:fontScheme>
+    <a:fmtScheme name="Office">
+      <a:fillStyleLst>
+        <a:solidFill>
+          <a:schemeClr val="phClr"/>
+        </a:solidFill>
+        <a:gradFill rotWithShape="1">
+          <a:gsLst>
+            <a:gs pos="0">
+              <a:schemeClr val="phClr">
+                <a:lumMod val="110000"/>
+                <a:satMod val="105000"/>
+                <a:tint val="67000"/>
+              </a:schemeClr>
+            </a:gs>
+            <a:gs pos="50000">
+              <a:schemeClr val="phClr">
+                <a:lumMod val="105000"/>
+                <a:satMod val="103000"/>
+                <a:tint val="73000"/>
+              </a:schemeClr>
+            </a:gs>
+            <a:gs pos="100000">
+              <a:schemeClr val="phClr">
+                <a:lumMod val="105000"/>
+                <a:satMod val="109000"/>
+                <a:tint val="81000"/>
+              </a:schemeClr>
+            </a:gs>
+          </a:gsLst>
+          <a:lin ang="5400000" scaled="0"/>
+        </a:gradFill>
+        <a:gradFill rotWithShape="1">
+          <a:gsLst>
+            <a:gs pos="0">
+              <a:schemeClr val="phClr">
+                <a:satMod val="103000"/>
+                <a:lumMod val="102000"/>
+                <a:tint val="94000"/>
+              </a:schemeClr>
+            </a:gs>
+            <a:gs pos="50000">
+              <a:schemeClr val="phClr">
+                <a:satMod val="110000"/>
+                <a:lumMod val="100000"/>
+                <a:shade val="100000"/>
+              </a:schemeClr>
+            </a:gs>
+            <a:gs pos="100000">
+              <a:schemeClr val="phClr">
+                <a:lumMod val="99000"/>
+                <a:satMod val="120000"/>
+                <a:shade val="78000"/>
+              </a:schemeClr>
+            </a:gs>
+          </a:gsLst>
+          <a:lin ang="5400000" scaled="0"/>
+        </a:gradFill>
+      </a:fillStyleLst>
+      <a:lnStyleLst>
+        <a:ln w="6350" cap="flat" cmpd="sng" algn="ctr">
+          <a:solidFill>
+            <a:schemeClr val="phClr"/>
+          </a:solidFill>
+          <a:prstDash val="solid"/>
+          <a:miter lim="800000"/>
+        </a:ln>
+        <a:ln w="12700" cap="flat" cmpd="sng" algn="ctr">
+          <a:solidFill>
+            <a:schemeClr val="phClr"/>
+          </a:solidFill>
+          <a:prstDash val="solid"/>
+          <a:miter lim="800000"/>
+        </a:ln>
+        <a:ln w="19050" cap="flat" cmpd="sng" algn="ctr">
+          <a:solidFill>
+            <a:schemeClr val="phClr"/>
+          </a:solidFill>
+          <a:prstDash val="solid"/>
+          <a:miter lim="800000"/>
+        </a:ln>
+      </a:lnStyleLst>
+      <a:effectStyleLst>
+        <a:effectStyle>
+          <a:effectLst/>
+        </a:effectStyle>
+        <a:effectStyle>
+          <a:effectLst/>
+        </a:effectStyle>
+        <a:effectStyle>
+          <a:effectLst>
+            <a:outerShdw blurRad="57150" dist="19050" dir="5400000" algn="ctr" rotWithShape="0">
+              <a:srgbClr val="000000">
+                <a:alpha val="63000"/>
+              </a:srgbClr>
+            </a:outerShdw>
+          </a:effectLst>
+        </a:effectStyle>
+      </a:effectStyleLst>
+      <a:bgFillStyleLst>
+        <a:solidFill>
+          <a:schemeClr val="phClr"/>
+        </a:solidFill>
+        <a:solidFill>
+          <a:schemeClr val="phClr">
+            <a:tint val="95000"/>
+            <a:satMod val="170000"/>
+          </a:schemeClr>
+        </a:solidFill>
+        <a:gradFill rotWithShape="1">
+          <a:gsLst>
+            <a:gs pos="0">
+              <a:schemeClr val="phClr">
+                <a:tint val="93000"/>
+                <a:satMod val="150000"/>
+                <a:shade val="98000"/>
+                <a:lumMod val="102000"/>
+              </a:schemeClr>
+            </a:gs>
+            <a:gs pos="50000">
+              <a:schemeClr val="phClr">
+                <a:tint val="98000"/>
+                <a:satMod val="130000"/>
+                <a:shade val="90000"/>
+                <a:lumMod val="103000"/>
+              </a:schemeClr>
+            </a:gs>
+            <a:gs pos="100000">
+              <a:schemeClr val="phClr">
+                <a:shade val="63000"/>
+                <a:satMod val="120000"/>
+              </a:schemeClr>
+            </a:gs>
+          </a:gsLst>
+          <a:lin ang="5400000" scaled="0"/>
+        </a:gradFill>
+      </a:bgFillStyleLst>
+    </a:fmtScheme>
+  </a:themeElements>
+  <a:objectDefaults/>
+  <a:extraClrSchemeLst/>
+  <a:extLst>
+    <a:ext uri="{05A4C25C-085E-4340-85A3-A5531E510DB2}">
+      <thm15:themeFamily xmlns:thm15="http://schemas.microsoft.com/office/thememl/2012/main" name="Office Theme" id="{62F939B6-93AF-4DB8-9C6B-D6C7DFDC589F}" vid="{4A3C46E8-61CC-4603-A589-7422A47A8E4A}"/>
+    </a:ext>
+  </a:extLst>
+</a:theme>
 </file>
--- a/lectures/1.3Scratch/lecture.pptx
+++ b/lectures/1.3Scratch/lecture.pptx
@@ -5,7 +5,7 @@
     <p:sldMasterId id="2147483648" r:id="rId1"/>
   </p:sldMasterIdLst>
   <p:notesMasterIdLst>
-    <p:notesMasterId r:id="rId16"/>
+    <p:notesMasterId r:id="rId11"/>
   </p:notesMasterIdLst>
   <p:sldIdLst>
     <p:sldId id="256" r:id="rId2"/>
@@ -17,11 +17,6 @@
     <p:sldId id="268" r:id="rId8"/>
     <p:sldId id="269" r:id="rId9"/>
     <p:sldId id="275" r:id="rId10"/>
-    <p:sldId id="271" r:id="rId11"/>
-    <p:sldId id="273" r:id="rId12"/>
-    <p:sldId id="274" r:id="rId13"/>
-    <p:sldId id="276" r:id="rId14"/>
-    <p:sldId id="277" r:id="rId15"/>
   </p:sldIdLst>
   <p:sldSz cx="12192000" cy="6858000"/>
   <p:notesSz cx="6858000" cy="9144000"/>
@@ -210,7 +205,7 @@
           <a:p>
             <a:fld id="{248031C6-E4B0-0444-A4A8-9CCE96EC2C9C}" type="datetimeFigureOut">
               <a:rPr lang="en-GB" smtClean="0"/>
-              <a:t>06/09/2018</a:t>
+              <a:t>09/09/2018</a:t>
             </a:fld>
             <a:endParaRPr lang="en-GB"/>
           </a:p>
@@ -714,7 +709,7 @@
           <a:p>
             <a:fld id="{66665395-52C5-5E4B-BB20-CD4E0BBC9899}" type="datetimeFigureOut">
               <a:rPr lang="en-GB" smtClean="0"/>
-              <a:t>06/09/2018</a:t>
+              <a:t>09/09/2018</a:t>
             </a:fld>
             <a:endParaRPr lang="en-GB"/>
           </a:p>
@@ -914,7 +909,7 @@
           <a:p>
             <a:fld id="{66665395-52C5-5E4B-BB20-CD4E0BBC9899}" type="datetimeFigureOut">
               <a:rPr lang="en-GB" smtClean="0"/>
-              <a:t>06/09/2018</a:t>
+              <a:t>09/09/2018</a:t>
             </a:fld>
             <a:endParaRPr lang="en-GB"/>
           </a:p>
@@ -1124,7 +1119,7 @@
           <a:p>
             <a:fld id="{66665395-52C5-5E4B-BB20-CD4E0BBC9899}" type="datetimeFigureOut">
               <a:rPr lang="en-GB" smtClean="0"/>
-              <a:t>06/09/2018</a:t>
+              <a:t>09/09/2018</a:t>
             </a:fld>
             <a:endParaRPr lang="en-GB"/>
           </a:p>
@@ -1324,7 +1319,7 @@
           <a:p>
             <a:fld id="{66665395-52C5-5E4B-BB20-CD4E0BBC9899}" type="datetimeFigureOut">
               <a:rPr lang="en-GB" smtClean="0"/>
-              <a:t>06/09/2018</a:t>
+              <a:t>09/09/2018</a:t>
             </a:fld>
             <a:endParaRPr lang="en-GB"/>
           </a:p>
@@ -1600,7 +1595,7 @@
           <a:p>
             <a:fld id="{66665395-52C5-5E4B-BB20-CD4E0BBC9899}" type="datetimeFigureOut">
               <a:rPr lang="en-GB" smtClean="0"/>
-              <a:t>06/09/2018</a:t>
+              <a:t>09/09/2018</a:t>
             </a:fld>
             <a:endParaRPr lang="en-GB"/>
           </a:p>
@@ -1868,7 +1863,7 @@
           <a:p>
             <a:fld id="{66665395-52C5-5E4B-BB20-CD4E0BBC9899}" type="datetimeFigureOut">
               <a:rPr lang="en-GB" smtClean="0"/>
-              <a:t>06/09/2018</a:t>
+              <a:t>09/09/2018</a:t>
             </a:fld>
             <a:endParaRPr lang="en-GB"/>
           </a:p>
@@ -2283,7 +2278,7 @@
           <a:p>
             <a:fld id="{66665395-52C5-5E4B-BB20-CD4E0BBC9899}" type="datetimeFigureOut">
               <a:rPr lang="en-GB" smtClean="0"/>
-              <a:t>06/09/2018</a:t>
+              <a:t>09/09/2018</a:t>
             </a:fld>
             <a:endParaRPr lang="en-GB"/>
           </a:p>
@@ -2425,7 +2420,7 @@
           <a:p>
             <a:fld id="{66665395-52C5-5E4B-BB20-CD4E0BBC9899}" type="datetimeFigureOut">
               <a:rPr lang="en-GB" smtClean="0"/>
-              <a:t>06/09/2018</a:t>
+              <a:t>09/09/2018</a:t>
             </a:fld>
             <a:endParaRPr lang="en-GB"/>
           </a:p>
@@ -2538,7 +2533,7 @@
           <a:p>
             <a:fld id="{66665395-52C5-5E4B-BB20-CD4E0BBC9899}" type="datetimeFigureOut">
               <a:rPr lang="en-GB" smtClean="0"/>
-              <a:t>06/09/2018</a:t>
+              <a:t>09/09/2018</a:t>
             </a:fld>
             <a:endParaRPr lang="en-GB"/>
           </a:p>
@@ -2851,7 +2846,7 @@
           <a:p>
             <a:fld id="{66665395-52C5-5E4B-BB20-CD4E0BBC9899}" type="datetimeFigureOut">
               <a:rPr lang="en-GB" smtClean="0"/>
-              <a:t>06/09/2018</a:t>
+              <a:t>09/09/2018</a:t>
             </a:fld>
             <a:endParaRPr lang="en-GB"/>
           </a:p>
@@ -3140,7 +3135,7 @@
           <a:p>
             <a:fld id="{66665395-52C5-5E4B-BB20-CD4E0BBC9899}" type="datetimeFigureOut">
               <a:rPr lang="en-GB" smtClean="0"/>
-              <a:t>06/09/2018</a:t>
+              <a:t>09/09/2018</a:t>
             </a:fld>
             <a:endParaRPr lang="en-GB"/>
           </a:p>
@@ -3383,7 +3378,7 @@
           <a:p>
             <a:fld id="{66665395-52C5-5E4B-BB20-CD4E0BBC9899}" type="datetimeFigureOut">
               <a:rPr lang="en-GB" smtClean="0"/>
-              <a:t>06/09/2018</a:t>
+              <a:t>09/09/2018</a:t>
             </a:fld>
             <a:endParaRPr lang="en-GB"/>
           </a:p>
@@ -3860,2175 +3855,6 @@
     <p:extLst>
       <p:ext uri="{BB962C8B-B14F-4D97-AF65-F5344CB8AC3E}">
         <p14:creationId xmlns:p14="http://schemas.microsoft.com/office/powerpoint/2010/main" val="780279555"/>
-      </p:ext>
-    </p:extLst>
-  </p:cSld>
-  <p:clrMapOvr>
-    <a:masterClrMapping/>
-  </p:clrMapOvr>
-</p:sld>
-</file>
-
-<file path=ppt/slides/slide10.xml><?xml version="1.0" encoding="utf-8"?>
-<p:sld xmlns:a="http://schemas.openxmlformats.org/drawingml/2006/main" xmlns:r="http://schemas.openxmlformats.org/officeDocument/2006/relationships" xmlns:p="http://schemas.openxmlformats.org/presentationml/2006/main">
-  <p:cSld>
-    <p:spTree>
-      <p:nvGrpSpPr>
-        <p:cNvPr id="1" name=""/>
-        <p:cNvGrpSpPr/>
-        <p:nvPr/>
-      </p:nvGrpSpPr>
-      <p:grpSpPr>
-        <a:xfrm>
-          <a:off x="0" y="0"/>
-          <a:ext cx="0" cy="0"/>
-          <a:chOff x="0" y="0"/>
-          <a:chExt cx="0" cy="0"/>
-        </a:xfrm>
-      </p:grpSpPr>
-      <p:sp>
-        <p:nvSpPr>
-          <p:cNvPr id="2" name="Title 1">
-            <a:extLst>
-              <a:ext uri="{FF2B5EF4-FFF2-40B4-BE49-F238E27FC236}">
-                <a16:creationId xmlns:a16="http://schemas.microsoft.com/office/drawing/2014/main" id="{A2686745-2D70-7142-B7D0-03DA1E6BEAFE}"/>
-              </a:ext>
-            </a:extLst>
-          </p:cNvPr>
-          <p:cNvSpPr>
-            <a:spLocks noGrp="1"/>
-          </p:cNvSpPr>
-          <p:nvPr>
-            <p:ph type="title"/>
-          </p:nvPr>
-        </p:nvSpPr>
-        <p:spPr/>
-        <p:txBody>
-          <a:bodyPr/>
-          <a:lstStyle/>
-          <a:p>
-            <a:r>
-              <a:rPr lang="da-DK" dirty="0"/>
-              <a:t>Fysiksimulering: </a:t>
-            </a:r>
-            <a:r>
-              <a:rPr lang="da-DK" dirty="0" err="1"/>
-              <a:t>rakketaffyring</a:t>
-            </a:r>
-            <a:r>
-              <a:rPr lang="da-DK" dirty="0"/>
-              <a:t> og landing</a:t>
-            </a:r>
-          </a:p>
-        </p:txBody>
-      </p:sp>
-      <p:sp>
-        <p:nvSpPr>
-          <p:cNvPr id="3" name="Content Placeholder 2">
-            <a:extLst>
-              <a:ext uri="{FF2B5EF4-FFF2-40B4-BE49-F238E27FC236}">
-                <a16:creationId xmlns:a16="http://schemas.microsoft.com/office/drawing/2014/main" id="{A4465FDF-89CE-1247-97A5-FC13D5344407}"/>
-              </a:ext>
-            </a:extLst>
-          </p:cNvPr>
-          <p:cNvSpPr>
-            <a:spLocks noGrp="1"/>
-          </p:cNvSpPr>
-          <p:nvPr>
-            <p:ph idx="1"/>
-          </p:nvPr>
-        </p:nvSpPr>
-        <p:spPr/>
-        <p:txBody>
-          <a:bodyPr/>
-          <a:lstStyle/>
-          <a:p>
-            <a:r>
-              <a:rPr lang="da-DK" dirty="0"/>
-              <a:t>Spiller styrer en rakkets acceleration</a:t>
-            </a:r>
-          </a:p>
-          <a:p>
-            <a:r>
-              <a:rPr lang="da-DK" dirty="0" err="1"/>
-              <a:t>Rakketten</a:t>
-            </a:r>
-            <a:r>
-              <a:rPr lang="da-DK" dirty="0"/>
-              <a:t> simulerer Newtons ligninger med tyngdekraft og brugerstyrret acceleration</a:t>
-            </a:r>
-          </a:p>
-          <a:p>
-            <a:r>
-              <a:rPr lang="da-DK" dirty="0"/>
-              <a:t>Hvis hastigheden er for stor, når den lander, så skal der skrives en sjov besked </a:t>
-            </a:r>
-          </a:p>
-        </p:txBody>
-      </p:sp>
-    </p:spTree>
-    <p:extLst>
-      <p:ext uri="{BB962C8B-B14F-4D97-AF65-F5344CB8AC3E}">
-        <p14:creationId xmlns:p14="http://schemas.microsoft.com/office/powerpoint/2010/main" val="1718320905"/>
-      </p:ext>
-    </p:extLst>
-  </p:cSld>
-  <p:clrMapOvr>
-    <a:masterClrMapping/>
-  </p:clrMapOvr>
-</p:sld>
-</file>
-
-<file path=ppt/slides/slide11.xml><?xml version="1.0" encoding="utf-8"?>
-<p:sld xmlns:a="http://schemas.openxmlformats.org/drawingml/2006/main" xmlns:r="http://schemas.openxmlformats.org/officeDocument/2006/relationships" xmlns:p="http://schemas.openxmlformats.org/presentationml/2006/main">
-  <p:cSld>
-    <p:spTree>
-      <p:nvGrpSpPr>
-        <p:cNvPr id="1" name=""/>
-        <p:cNvGrpSpPr/>
-        <p:nvPr/>
-      </p:nvGrpSpPr>
-      <p:grpSpPr>
-        <a:xfrm>
-          <a:off x="0" y="0"/>
-          <a:ext cx="0" cy="0"/>
-          <a:chOff x="0" y="0"/>
-          <a:chExt cx="0" cy="0"/>
-        </a:xfrm>
-      </p:grpSpPr>
-      <p:sp>
-        <p:nvSpPr>
-          <p:cNvPr id="2" name="Title 1">
-            <a:extLst>
-              <a:ext uri="{FF2B5EF4-FFF2-40B4-BE49-F238E27FC236}">
-                <a16:creationId xmlns:a16="http://schemas.microsoft.com/office/drawing/2014/main" id="{A2686745-2D70-7142-B7D0-03DA1E6BEAFE}"/>
-              </a:ext>
-            </a:extLst>
-          </p:cNvPr>
-          <p:cNvSpPr>
-            <a:spLocks noGrp="1"/>
-          </p:cNvSpPr>
-          <p:nvPr>
-            <p:ph type="title"/>
-          </p:nvPr>
-        </p:nvSpPr>
-        <p:spPr>
-          <a:xfrm>
-            <a:off x="838200" y="365125"/>
-            <a:ext cx="10515600" cy="798657"/>
-          </a:xfrm>
-        </p:spPr>
-        <p:txBody>
-          <a:bodyPr/>
-          <a:lstStyle/>
-          <a:p>
-            <a:r>
-              <a:rPr lang="da-DK" dirty="0"/>
-              <a:t>Fysiksimulering: </a:t>
-            </a:r>
-            <a:r>
-              <a:rPr lang="da-DK" dirty="0" err="1"/>
-              <a:t>rakketaffyring</a:t>
-            </a:r>
-            <a:r>
-              <a:rPr lang="da-DK" dirty="0"/>
-              <a:t> og landing</a:t>
-            </a:r>
-          </a:p>
-        </p:txBody>
-      </p:sp>
-      <mc:AlternateContent xmlns:mc="http://schemas.openxmlformats.org/markup-compatibility/2006">
-        <mc:Choice xmlns:a14="http://schemas.microsoft.com/office/drawing/2010/main" Requires="a14">
-          <p:sp>
-            <p:nvSpPr>
-              <p:cNvPr id="5" name="Content Placeholder 4">
-                <a:extLst>
-                  <a:ext uri="{FF2B5EF4-FFF2-40B4-BE49-F238E27FC236}">
-                    <a16:creationId xmlns:a16="http://schemas.microsoft.com/office/drawing/2014/main" id="{217EFA1B-7CB1-0541-AF26-892809790F75}"/>
-                  </a:ext>
-                </a:extLst>
-              </p:cNvPr>
-              <p:cNvSpPr>
-                <a:spLocks noGrp="1"/>
-              </p:cNvSpPr>
-              <p:nvPr>
-                <p:ph idx="1"/>
-              </p:nvPr>
-            </p:nvSpPr>
-            <p:spPr>
-              <a:xfrm>
-                <a:off x="838200" y="1413163"/>
-                <a:ext cx="4405746" cy="5209309"/>
-              </a:xfrm>
-            </p:spPr>
-            <p:txBody>
-              <a:bodyPr>
-                <a:normAutofit/>
-              </a:bodyPr>
-              <a:lstStyle/>
-              <a:p>
-                <a:pPr marL="0" indent="0">
-                  <a:buNone/>
-                </a:pPr>
-                <a14:m>
-                  <m:oMathPara xmlns:m="http://schemas.openxmlformats.org/officeDocument/2006/math">
-                    <m:oMathParaPr>
-                      <m:jc m:val="left"/>
-                    </m:oMathParaPr>
-                    <m:oMath xmlns:m="http://schemas.openxmlformats.org/officeDocument/2006/math">
-                      <m:r>
-                        <a:rPr lang="da-DK" sz="3000" b="0" i="1" smtClean="0">
-                          <a:latin typeface="Cambria Math" panose="02040503050406030204" pitchFamily="18" charset="0"/>
-                        </a:rPr>
-                        <m:t>𝑓</m:t>
-                      </m:r>
-                      <m:r>
-                        <a:rPr lang="da-DK" sz="3000" b="0" i="1" smtClean="0">
-                          <a:latin typeface="Cambria Math" panose="02040503050406030204" pitchFamily="18" charset="0"/>
-                        </a:rPr>
-                        <m:t>=</m:t>
-                      </m:r>
-                      <m:r>
-                        <a:rPr lang="da-DK" sz="3000" b="0" i="1" smtClean="0">
-                          <a:latin typeface="Cambria Math" panose="02040503050406030204" pitchFamily="18" charset="0"/>
-                        </a:rPr>
-                        <m:t>𝑚</m:t>
-                      </m:r>
-                      <m:r>
-                        <a:rPr lang="da-DK" sz="3000" b="0" i="1" smtClean="0">
-                          <a:latin typeface="Cambria Math" panose="02040503050406030204" pitchFamily="18" charset="0"/>
-                        </a:rPr>
-                        <m:t> </m:t>
-                      </m:r>
-                      <m:r>
-                        <a:rPr lang="da-DK" sz="3000" b="0" i="1" smtClean="0">
-                          <a:latin typeface="Cambria Math" panose="02040503050406030204" pitchFamily="18" charset="0"/>
-                        </a:rPr>
-                        <m:t>𝑎</m:t>
-                      </m:r>
-                    </m:oMath>
-                    <m:oMath xmlns:m="http://schemas.openxmlformats.org/officeDocument/2006/math">
-                      <m:sSub>
-                        <m:sSubPr>
-                          <m:ctrlPr>
-                            <a:rPr lang="da-DK" sz="3000" b="0" i="1" smtClean="0">
-                              <a:latin typeface="Cambria Math" panose="02040503050406030204" pitchFamily="18" charset="0"/>
-                            </a:rPr>
-                          </m:ctrlPr>
-                        </m:sSubPr>
-                        <m:e>
-                          <m:r>
-                            <a:rPr lang="da-DK" sz="3000" b="0" i="1" smtClean="0">
-                              <a:latin typeface="Cambria Math" panose="02040503050406030204" pitchFamily="18" charset="0"/>
-                            </a:rPr>
-                            <m:t>𝑓</m:t>
-                          </m:r>
-                        </m:e>
-                        <m:sub>
-                          <m:r>
-                            <a:rPr lang="da-DK" sz="3000" b="0" i="1" smtClean="0">
-                              <a:latin typeface="Cambria Math" panose="02040503050406030204" pitchFamily="18" charset="0"/>
-                            </a:rPr>
-                            <m:t>𝑟</m:t>
-                          </m:r>
-                        </m:sub>
-                      </m:sSub>
-                      <m:r>
-                        <a:rPr lang="da-DK" sz="3000" i="1">
-                          <a:latin typeface="Cambria Math" panose="02040503050406030204" pitchFamily="18" charset="0"/>
-                        </a:rPr>
-                        <m:t>=</m:t>
-                      </m:r>
-                      <m:sSub>
-                        <m:sSubPr>
-                          <m:ctrlPr>
-                            <a:rPr lang="da-DK" sz="3000" i="1">
-                              <a:latin typeface="Cambria Math" panose="02040503050406030204" pitchFamily="18" charset="0"/>
-                            </a:rPr>
-                          </m:ctrlPr>
-                        </m:sSubPr>
-                        <m:e>
-                          <m:r>
-                            <a:rPr lang="da-DK" sz="3000" i="1">
-                              <a:latin typeface="Cambria Math" panose="02040503050406030204" pitchFamily="18" charset="0"/>
-                            </a:rPr>
-                            <m:t>𝑓</m:t>
-                          </m:r>
-                        </m:e>
-                        <m:sub>
-                          <m:r>
-                            <a:rPr lang="da-DK" sz="3000" i="1">
-                              <a:latin typeface="Cambria Math" panose="02040503050406030204" pitchFamily="18" charset="0"/>
-                            </a:rPr>
-                            <m:t>1</m:t>
-                          </m:r>
-                        </m:sub>
-                      </m:sSub>
-                      <m:r>
-                        <a:rPr lang="da-DK" sz="3000" i="1">
-                          <a:latin typeface="Cambria Math" panose="02040503050406030204" pitchFamily="18" charset="0"/>
-                        </a:rPr>
-                        <m:t>+</m:t>
-                      </m:r>
-                      <m:sSub>
-                        <m:sSubPr>
-                          <m:ctrlPr>
-                            <a:rPr lang="da-DK" sz="3000" i="1">
-                              <a:latin typeface="Cambria Math" panose="02040503050406030204" pitchFamily="18" charset="0"/>
-                            </a:rPr>
-                          </m:ctrlPr>
-                        </m:sSubPr>
-                        <m:e>
-                          <m:r>
-                            <a:rPr lang="da-DK" sz="3000" i="1">
-                              <a:latin typeface="Cambria Math" panose="02040503050406030204" pitchFamily="18" charset="0"/>
-                            </a:rPr>
-                            <m:t>𝑓</m:t>
-                          </m:r>
-                        </m:e>
-                        <m:sub>
-                          <m:r>
-                            <a:rPr lang="da-DK" sz="3000" i="1">
-                              <a:latin typeface="Cambria Math" panose="02040503050406030204" pitchFamily="18" charset="0"/>
-                            </a:rPr>
-                            <m:t>2</m:t>
-                          </m:r>
-                        </m:sub>
-                      </m:sSub>
-                    </m:oMath>
-                    <m:oMath xmlns:m="http://schemas.openxmlformats.org/officeDocument/2006/math">
-                      <m:r>
-                        <a:rPr lang="da-DK" sz="3000" b="0" i="1" smtClean="0">
-                          <a:latin typeface="Cambria Math" panose="02040503050406030204" pitchFamily="18" charset="0"/>
-                        </a:rPr>
-                        <m:t>𝑚</m:t>
-                      </m:r>
-                      <m:r>
-                        <a:rPr lang="da-DK" sz="3000" b="0" i="1" smtClean="0">
-                          <a:latin typeface="Cambria Math" panose="02040503050406030204" pitchFamily="18" charset="0"/>
-                        </a:rPr>
-                        <m:t> </m:t>
-                      </m:r>
-                      <m:sSub>
-                        <m:sSubPr>
-                          <m:ctrlPr>
-                            <a:rPr lang="da-DK" sz="3000" b="0" i="1" smtClean="0">
-                              <a:latin typeface="Cambria Math" panose="02040503050406030204" pitchFamily="18" charset="0"/>
-                            </a:rPr>
-                          </m:ctrlPr>
-                        </m:sSubPr>
-                        <m:e>
-                          <m:r>
-                            <a:rPr lang="da-DK" sz="3000" b="0" i="1" smtClean="0">
-                              <a:latin typeface="Cambria Math" panose="02040503050406030204" pitchFamily="18" charset="0"/>
-                            </a:rPr>
-                            <m:t>𝑎</m:t>
-                          </m:r>
-                        </m:e>
-                        <m:sub>
-                          <m:r>
-                            <a:rPr lang="da-DK" sz="3000" b="0" i="1" smtClean="0">
-                              <a:latin typeface="Cambria Math" panose="02040503050406030204" pitchFamily="18" charset="0"/>
-                            </a:rPr>
-                            <m:t>𝑟</m:t>
-                          </m:r>
-                        </m:sub>
-                      </m:sSub>
-                      <m:r>
-                        <a:rPr lang="da-DK" sz="3000" b="0" i="1" smtClean="0">
-                          <a:latin typeface="Cambria Math" panose="02040503050406030204" pitchFamily="18" charset="0"/>
-                        </a:rPr>
-                        <m:t>=</m:t>
-                      </m:r>
-                      <m:r>
-                        <a:rPr lang="da-DK" sz="3000" b="0" i="1" smtClean="0">
-                          <a:latin typeface="Cambria Math" panose="02040503050406030204" pitchFamily="18" charset="0"/>
-                        </a:rPr>
-                        <m:t>𝑚</m:t>
-                      </m:r>
-                      <m:r>
-                        <a:rPr lang="da-DK" sz="3000" b="0" i="1" smtClean="0">
-                          <a:latin typeface="Cambria Math" panose="02040503050406030204" pitchFamily="18" charset="0"/>
-                        </a:rPr>
-                        <m:t> </m:t>
-                      </m:r>
-                      <m:sSub>
-                        <m:sSubPr>
-                          <m:ctrlPr>
-                            <a:rPr lang="da-DK" sz="3000" b="0" i="1" smtClean="0">
-                              <a:latin typeface="Cambria Math" panose="02040503050406030204" pitchFamily="18" charset="0"/>
-                            </a:rPr>
-                          </m:ctrlPr>
-                        </m:sSubPr>
-                        <m:e>
-                          <m:r>
-                            <a:rPr lang="da-DK" sz="3000" b="0" i="1" smtClean="0">
-                              <a:latin typeface="Cambria Math" panose="02040503050406030204" pitchFamily="18" charset="0"/>
-                            </a:rPr>
-                            <m:t>𝑎</m:t>
-                          </m:r>
-                        </m:e>
-                        <m:sub>
-                          <m:r>
-                            <a:rPr lang="da-DK" sz="3000" b="0" i="1" smtClean="0">
-                              <a:latin typeface="Cambria Math" panose="02040503050406030204" pitchFamily="18" charset="0"/>
-                            </a:rPr>
-                            <m:t>1</m:t>
-                          </m:r>
-                        </m:sub>
-                      </m:sSub>
-                      <m:r>
-                        <a:rPr lang="da-DK" sz="3000" b="0" i="1" smtClean="0">
-                          <a:latin typeface="Cambria Math" panose="02040503050406030204" pitchFamily="18" charset="0"/>
-                        </a:rPr>
-                        <m:t>+</m:t>
-                      </m:r>
-                      <m:r>
-                        <a:rPr lang="da-DK" sz="3000" b="0" i="1" smtClean="0">
-                          <a:latin typeface="Cambria Math" panose="02040503050406030204" pitchFamily="18" charset="0"/>
-                        </a:rPr>
-                        <m:t>𝑚</m:t>
-                      </m:r>
-                      <m:r>
-                        <a:rPr lang="da-DK" sz="3000" b="0" i="1" smtClean="0">
-                          <a:latin typeface="Cambria Math" panose="02040503050406030204" pitchFamily="18" charset="0"/>
-                        </a:rPr>
-                        <m:t> </m:t>
-                      </m:r>
-                      <m:sSub>
-                        <m:sSubPr>
-                          <m:ctrlPr>
-                            <a:rPr lang="da-DK" sz="3000" b="0" i="1" smtClean="0">
-                              <a:latin typeface="Cambria Math" panose="02040503050406030204" pitchFamily="18" charset="0"/>
-                            </a:rPr>
-                          </m:ctrlPr>
-                        </m:sSubPr>
-                        <m:e>
-                          <m:r>
-                            <a:rPr lang="da-DK" sz="3000" b="0" i="1" smtClean="0">
-                              <a:latin typeface="Cambria Math" panose="02040503050406030204" pitchFamily="18" charset="0"/>
-                            </a:rPr>
-                            <m:t>𝑎</m:t>
-                          </m:r>
-                        </m:e>
-                        <m:sub>
-                          <m:r>
-                            <a:rPr lang="da-DK" sz="3000" b="0" i="1" smtClean="0">
-                              <a:latin typeface="Cambria Math" panose="02040503050406030204" pitchFamily="18" charset="0"/>
-                            </a:rPr>
-                            <m:t>2</m:t>
-                          </m:r>
-                        </m:sub>
-                      </m:sSub>
-                    </m:oMath>
-                    <m:oMath xmlns:m="http://schemas.openxmlformats.org/officeDocument/2006/math">
-                      <m:sSub>
-                        <m:sSubPr>
-                          <m:ctrlPr>
-                            <a:rPr lang="da-DK" sz="3000" b="0" i="1" smtClean="0">
-                              <a:latin typeface="Cambria Math" panose="02040503050406030204" pitchFamily="18" charset="0"/>
-                            </a:rPr>
-                          </m:ctrlPr>
-                        </m:sSubPr>
-                        <m:e>
-                          <m:r>
-                            <a:rPr lang="da-DK" sz="3000" b="0" i="1" smtClean="0">
-                              <a:latin typeface="Cambria Math" panose="02040503050406030204" pitchFamily="18" charset="0"/>
-                            </a:rPr>
-                            <m:t>𝑎</m:t>
-                          </m:r>
-                        </m:e>
-                        <m:sub>
-                          <m:r>
-                            <a:rPr lang="da-DK" sz="3000" b="0" i="1" smtClean="0">
-                              <a:latin typeface="Cambria Math" panose="02040503050406030204" pitchFamily="18" charset="0"/>
-                            </a:rPr>
-                            <m:t>𝑟</m:t>
-                          </m:r>
-                        </m:sub>
-                      </m:sSub>
-                      <m:r>
-                        <a:rPr lang="da-DK" sz="3000" b="0" i="1" smtClean="0">
-                          <a:latin typeface="Cambria Math" panose="02040503050406030204" pitchFamily="18" charset="0"/>
-                        </a:rPr>
-                        <m:t>=</m:t>
-                      </m:r>
-                      <m:sSub>
-                        <m:sSubPr>
-                          <m:ctrlPr>
-                            <a:rPr lang="da-DK" sz="3000" b="0" i="1" smtClean="0">
-                              <a:latin typeface="Cambria Math" panose="02040503050406030204" pitchFamily="18" charset="0"/>
-                            </a:rPr>
-                          </m:ctrlPr>
-                        </m:sSubPr>
-                        <m:e>
-                          <m:r>
-                            <a:rPr lang="da-DK" sz="3000" b="0" i="1" smtClean="0">
-                              <a:latin typeface="Cambria Math" panose="02040503050406030204" pitchFamily="18" charset="0"/>
-                            </a:rPr>
-                            <m:t>𝑎</m:t>
-                          </m:r>
-                        </m:e>
-                        <m:sub>
-                          <m:r>
-                            <a:rPr lang="da-DK" sz="3000" b="0" i="1" smtClean="0">
-                              <a:latin typeface="Cambria Math" panose="02040503050406030204" pitchFamily="18" charset="0"/>
-                            </a:rPr>
-                            <m:t>1</m:t>
-                          </m:r>
-                        </m:sub>
-                      </m:sSub>
-                      <m:r>
-                        <a:rPr lang="da-DK" sz="3000" b="0" i="1" smtClean="0">
-                          <a:latin typeface="Cambria Math" panose="02040503050406030204" pitchFamily="18" charset="0"/>
-                        </a:rPr>
-                        <m:t>+</m:t>
-                      </m:r>
-                      <m:sSub>
-                        <m:sSubPr>
-                          <m:ctrlPr>
-                            <a:rPr lang="da-DK" sz="3000" b="0" i="1" smtClean="0">
-                              <a:latin typeface="Cambria Math" panose="02040503050406030204" pitchFamily="18" charset="0"/>
-                            </a:rPr>
-                          </m:ctrlPr>
-                        </m:sSubPr>
-                        <m:e>
-                          <m:r>
-                            <a:rPr lang="da-DK" sz="3000" b="0" i="1" smtClean="0">
-                              <a:latin typeface="Cambria Math" panose="02040503050406030204" pitchFamily="18" charset="0"/>
-                            </a:rPr>
-                            <m:t>𝑎</m:t>
-                          </m:r>
-                        </m:e>
-                        <m:sub>
-                          <m:r>
-                            <a:rPr lang="da-DK" sz="3000" b="0" i="1" smtClean="0">
-                              <a:latin typeface="Cambria Math" panose="02040503050406030204" pitchFamily="18" charset="0"/>
-                            </a:rPr>
-                            <m:t>2</m:t>
-                          </m:r>
-                        </m:sub>
-                      </m:sSub>
-                    </m:oMath>
-                  </m:oMathPara>
-                </a14:m>
-                <a:endParaRPr lang="da-DK" sz="3000" dirty="0"/>
-              </a:p>
-              <a:p>
-                <a:pPr marL="0" indent="0">
-                  <a:buNone/>
-                </a:pPr>
-                <a:br>
-                  <a:rPr lang="da-DK" sz="3000" dirty="0"/>
-                </a:br>
-                <a14:m>
-                  <m:oMathPara xmlns:m="http://schemas.openxmlformats.org/officeDocument/2006/math">
-                    <m:oMathParaPr>
-                      <m:jc m:val="left"/>
-                    </m:oMathParaPr>
-                    <m:oMath xmlns:m="http://schemas.openxmlformats.org/officeDocument/2006/math">
-                      <m:r>
-                        <a:rPr lang="da-DK" sz="3000" b="0" i="1" smtClean="0">
-                          <a:latin typeface="Cambria Math" panose="02040503050406030204" pitchFamily="18" charset="0"/>
-                        </a:rPr>
-                        <m:t>𝑎</m:t>
-                      </m:r>
-                      <m:r>
-                        <a:rPr lang="da-DK" sz="3000" b="0" i="1" smtClean="0">
-                          <a:latin typeface="Cambria Math" panose="02040503050406030204" pitchFamily="18" charset="0"/>
-                        </a:rPr>
-                        <m:t>=</m:t>
-                      </m:r>
-                      <m:sSup>
-                        <m:sSupPr>
-                          <m:ctrlPr>
-                            <a:rPr lang="da-DK" sz="3000" b="0" i="1" smtClean="0">
-                              <a:latin typeface="Cambria Math" panose="02040503050406030204" pitchFamily="18" charset="0"/>
-                            </a:rPr>
-                          </m:ctrlPr>
-                        </m:sSupPr>
-                        <m:e>
-                          <m:r>
-                            <a:rPr lang="da-DK" sz="3000" b="0" i="1" smtClean="0">
-                              <a:latin typeface="Cambria Math" panose="02040503050406030204" pitchFamily="18" charset="0"/>
-                            </a:rPr>
-                            <m:t>𝑣</m:t>
-                          </m:r>
-                        </m:e>
-                        <m:sup>
-                          <m:r>
-                            <a:rPr lang="da-DK" sz="3000" b="0" i="1" smtClean="0">
-                              <a:latin typeface="Cambria Math" panose="02040503050406030204" pitchFamily="18" charset="0"/>
-                            </a:rPr>
-                            <m:t>′</m:t>
-                          </m:r>
-                        </m:sup>
-                      </m:sSup>
-                    </m:oMath>
-                    <m:oMath xmlns:m="http://schemas.openxmlformats.org/officeDocument/2006/math">
-                      <m:r>
-                        <a:rPr lang="da-DK" sz="3000" b="0" i="1" smtClean="0">
-                          <a:latin typeface="Cambria Math" panose="02040503050406030204" pitchFamily="18" charset="0"/>
-                        </a:rPr>
-                        <m:t>𝑣</m:t>
-                      </m:r>
-                      <m:r>
-                        <a:rPr lang="da-DK" sz="3000" b="0" i="1" smtClean="0">
-                          <a:latin typeface="Cambria Math" panose="02040503050406030204" pitchFamily="18" charset="0"/>
-                        </a:rPr>
-                        <m:t>=</m:t>
-                      </m:r>
-                      <m:sSup>
-                        <m:sSupPr>
-                          <m:ctrlPr>
-                            <a:rPr lang="da-DK" sz="3000" b="0" i="1" smtClean="0">
-                              <a:latin typeface="Cambria Math" panose="02040503050406030204" pitchFamily="18" charset="0"/>
-                            </a:rPr>
-                          </m:ctrlPr>
-                        </m:sSupPr>
-                        <m:e>
-                          <m:r>
-                            <a:rPr lang="da-DK" sz="3000" b="0" i="1" smtClean="0">
-                              <a:latin typeface="Cambria Math" panose="02040503050406030204" pitchFamily="18" charset="0"/>
-                            </a:rPr>
-                            <m:t>𝑝</m:t>
-                          </m:r>
-                        </m:e>
-                        <m:sup>
-                          <m:r>
-                            <a:rPr lang="da-DK" sz="3000" b="0" i="1" smtClean="0">
-                              <a:latin typeface="Cambria Math" panose="02040503050406030204" pitchFamily="18" charset="0"/>
-                            </a:rPr>
-                            <m:t>′</m:t>
-                          </m:r>
-                        </m:sup>
-                      </m:sSup>
-                    </m:oMath>
-                    <m:oMath xmlns:m="http://schemas.openxmlformats.org/officeDocument/2006/math">
-                      <m:sSub>
-                        <m:sSubPr>
-                          <m:ctrlPr>
-                            <a:rPr lang="da-DK" sz="3000" b="0" i="1" smtClean="0">
-                              <a:latin typeface="Cambria Math" panose="02040503050406030204" pitchFamily="18" charset="0"/>
-                            </a:rPr>
-                          </m:ctrlPr>
-                        </m:sSubPr>
-                        <m:e>
-                          <m:r>
-                            <a:rPr lang="da-DK" sz="3000" b="0" i="1" smtClean="0">
-                              <a:latin typeface="Cambria Math" panose="02040503050406030204" pitchFamily="18" charset="0"/>
-                            </a:rPr>
-                            <m:t>𝑎</m:t>
-                          </m:r>
-                        </m:e>
-                        <m:sub>
-                          <m:r>
-                            <a:rPr lang="da-DK" sz="3000" b="0" i="1" smtClean="0">
-                              <a:latin typeface="Cambria Math" panose="02040503050406030204" pitchFamily="18" charset="0"/>
-                            </a:rPr>
-                            <m:t>0</m:t>
-                          </m:r>
-                        </m:sub>
-                      </m:sSub>
-                      <m:r>
-                        <a:rPr lang="da-DK" sz="3000" b="0" i="1" smtClean="0">
-                          <a:latin typeface="Cambria Math" panose="02040503050406030204" pitchFamily="18" charset="0"/>
-                        </a:rPr>
-                        <m:t>=9.82</m:t>
-                      </m:r>
-                      <m:f>
-                        <m:fPr>
-                          <m:ctrlPr>
-                            <a:rPr lang="da-DK" sz="3000" b="0" i="1" smtClean="0">
-                              <a:latin typeface="Cambria Math" panose="02040503050406030204" pitchFamily="18" charset="0"/>
-                            </a:rPr>
-                          </m:ctrlPr>
-                        </m:fPr>
-                        <m:num>
-                          <m:r>
-                            <a:rPr lang="da-DK" sz="3000" b="0" i="1" smtClean="0">
-                              <a:latin typeface="Cambria Math" panose="02040503050406030204" pitchFamily="18" charset="0"/>
-                            </a:rPr>
-                            <m:t>𝑚</m:t>
-                          </m:r>
-                        </m:num>
-                        <m:den>
-                          <m:sSup>
-                            <m:sSupPr>
-                              <m:ctrlPr>
-                                <a:rPr lang="da-DK" sz="3000" b="0" i="1" smtClean="0">
-                                  <a:latin typeface="Cambria Math" panose="02040503050406030204" pitchFamily="18" charset="0"/>
-                                </a:rPr>
-                              </m:ctrlPr>
-                            </m:sSupPr>
-                            <m:e>
-                              <m:r>
-                                <a:rPr lang="da-DK" sz="3000" b="0" i="1" smtClean="0">
-                                  <a:latin typeface="Cambria Math" panose="02040503050406030204" pitchFamily="18" charset="0"/>
-                                </a:rPr>
-                                <m:t>𝑠</m:t>
-                              </m:r>
-                            </m:e>
-                            <m:sup>
-                              <m:r>
-                                <a:rPr lang="da-DK" sz="3000" b="0" i="1" smtClean="0">
-                                  <a:latin typeface="Cambria Math" panose="02040503050406030204" pitchFamily="18" charset="0"/>
-                                </a:rPr>
-                                <m:t>2</m:t>
-                              </m:r>
-                            </m:sup>
-                          </m:sSup>
-                        </m:den>
-                      </m:f>
-                    </m:oMath>
-                  </m:oMathPara>
-                </a14:m>
-                <a:endParaRPr lang="da-DK" sz="3000" b="0" dirty="0"/>
-              </a:p>
-            </p:txBody>
-          </p:sp>
-        </mc:Choice>
-        <mc:Fallback>
-          <p:sp>
-            <p:nvSpPr>
-              <p:cNvPr id="5" name="Content Placeholder 4">
-                <a:extLst>
-                  <a:ext uri="{FF2B5EF4-FFF2-40B4-BE49-F238E27FC236}">
-                    <a16:creationId xmlns:a16="http://schemas.microsoft.com/office/drawing/2014/main" id="{217EFA1B-7CB1-0541-AF26-892809790F75}"/>
-                  </a:ext>
-                </a:extLst>
-              </p:cNvPr>
-              <p:cNvSpPr>
-                <a:spLocks noGrp="1" noRot="1" noChangeAspect="1" noMove="1" noResize="1" noEditPoints="1" noAdjustHandles="1" noChangeArrowheads="1" noChangeShapeType="1" noTextEdit="1"/>
-              </p:cNvSpPr>
-              <p:nvPr>
-                <p:ph idx="1"/>
-              </p:nvPr>
-            </p:nvSpPr>
-            <p:spPr>
-              <a:xfrm>
-                <a:off x="838200" y="1413163"/>
-                <a:ext cx="4405746" cy="5209309"/>
-              </a:xfrm>
-              <a:blipFill>
-                <a:blip r:embed="rId2"/>
-                <a:stretch>
-                  <a:fillRect l="-1724" t="-487"/>
-                </a:stretch>
-              </a:blipFill>
-            </p:spPr>
-            <p:txBody>
-              <a:bodyPr/>
-              <a:lstStyle/>
-              <a:p>
-                <a:r>
-                  <a:rPr lang="en-GB">
-                    <a:noFill/>
-                  </a:rPr>
-                  <a:t> </a:t>
-                </a:r>
-              </a:p>
-            </p:txBody>
-          </p:sp>
-        </mc:Fallback>
-      </mc:AlternateContent>
-      <mc:AlternateContent xmlns:mc="http://schemas.openxmlformats.org/markup-compatibility/2006">
-        <mc:Choice xmlns:a14="http://schemas.microsoft.com/office/drawing/2010/main" Requires="a14">
-          <p:sp>
-            <p:nvSpPr>
-              <p:cNvPr id="6" name="Content Placeholder 4">
-                <a:extLst>
-                  <a:ext uri="{FF2B5EF4-FFF2-40B4-BE49-F238E27FC236}">
-                    <a16:creationId xmlns:a16="http://schemas.microsoft.com/office/drawing/2014/main" id="{023596E8-7682-E94F-8F19-AC0F87A79976}"/>
-                  </a:ext>
-                </a:extLst>
-              </p:cNvPr>
-              <p:cNvSpPr txBox="1">
-                <a:spLocks/>
-              </p:cNvSpPr>
-              <p:nvPr/>
-            </p:nvSpPr>
-            <p:spPr>
-              <a:xfrm>
-                <a:off x="6809509" y="1413163"/>
-                <a:ext cx="4544291" cy="5209309"/>
-              </a:xfrm>
-              <a:prstGeom prst="rect">
-                <a:avLst/>
-              </a:prstGeom>
-            </p:spPr>
-            <p:txBody>
-              <a:bodyPr vert="horz" lIns="91440" tIns="45720" rIns="91440" bIns="45720" rtlCol="0">
-                <a:normAutofit fontScale="92500" lnSpcReduction="10000"/>
-              </a:bodyPr>
-              <a:lstStyle>
-                <a:lvl1pPr marL="228600" indent="-228600" algn="l" defTabSz="914400" rtl="0" eaLnBrk="1" latinLnBrk="0" hangingPunct="1">
-                  <a:lnSpc>
-                    <a:spcPct val="90000"/>
-                  </a:lnSpc>
-                  <a:spcBef>
-                    <a:spcPts val="1000"/>
-                  </a:spcBef>
-                  <a:buFont typeface="Arial" panose="020B0604020202020204" pitchFamily="34" charset="0"/>
-                  <a:buChar char="•"/>
-                  <a:defRPr sz="2800" kern="1200">
-                    <a:solidFill>
-                      <a:schemeClr val="tx1"/>
-                    </a:solidFill>
-                    <a:latin typeface="+mn-lt"/>
-                    <a:ea typeface="+mn-ea"/>
-                    <a:cs typeface="+mn-cs"/>
-                  </a:defRPr>
-                </a:lvl1pPr>
-                <a:lvl2pPr marL="685800" indent="-228600" algn="l" defTabSz="914400" rtl="0" eaLnBrk="1" latinLnBrk="0" hangingPunct="1">
-                  <a:lnSpc>
-                    <a:spcPct val="90000"/>
-                  </a:lnSpc>
-                  <a:spcBef>
-                    <a:spcPts val="500"/>
-                  </a:spcBef>
-                  <a:buFont typeface="Arial" panose="020B0604020202020204" pitchFamily="34" charset="0"/>
-                  <a:buChar char="•"/>
-                  <a:defRPr sz="2400" kern="1200">
-                    <a:solidFill>
-                      <a:schemeClr val="tx1"/>
-                    </a:solidFill>
-                    <a:latin typeface="+mn-lt"/>
-                    <a:ea typeface="+mn-ea"/>
-                    <a:cs typeface="+mn-cs"/>
-                  </a:defRPr>
-                </a:lvl2pPr>
-                <a:lvl3pPr marL="1143000" indent="-228600" algn="l" defTabSz="914400" rtl="0" eaLnBrk="1" latinLnBrk="0" hangingPunct="1">
-                  <a:lnSpc>
-                    <a:spcPct val="90000"/>
-                  </a:lnSpc>
-                  <a:spcBef>
-                    <a:spcPts val="500"/>
-                  </a:spcBef>
-                  <a:buFont typeface="Arial" panose="020B0604020202020204" pitchFamily="34" charset="0"/>
-                  <a:buChar char="•"/>
-                  <a:defRPr sz="2000" kern="1200">
-                    <a:solidFill>
-                      <a:schemeClr val="tx1"/>
-                    </a:solidFill>
-                    <a:latin typeface="+mn-lt"/>
-                    <a:ea typeface="+mn-ea"/>
-                    <a:cs typeface="+mn-cs"/>
-                  </a:defRPr>
-                </a:lvl3pPr>
-                <a:lvl4pPr marL="1600200" indent="-228600" algn="l" defTabSz="914400" rtl="0" eaLnBrk="1" latinLnBrk="0" hangingPunct="1">
-                  <a:lnSpc>
-                    <a:spcPct val="90000"/>
-                  </a:lnSpc>
-                  <a:spcBef>
-                    <a:spcPts val="500"/>
-                  </a:spcBef>
-                  <a:buFont typeface="Arial" panose="020B0604020202020204" pitchFamily="34" charset="0"/>
-                  <a:buChar char="•"/>
-                  <a:defRPr sz="1800" kern="1200">
-                    <a:solidFill>
-                      <a:schemeClr val="tx1"/>
-                    </a:solidFill>
-                    <a:latin typeface="+mn-lt"/>
-                    <a:ea typeface="+mn-ea"/>
-                    <a:cs typeface="+mn-cs"/>
-                  </a:defRPr>
-                </a:lvl4pPr>
-                <a:lvl5pPr marL="2057400" indent="-228600" algn="l" defTabSz="914400" rtl="0" eaLnBrk="1" latinLnBrk="0" hangingPunct="1">
-                  <a:lnSpc>
-                    <a:spcPct val="90000"/>
-                  </a:lnSpc>
-                  <a:spcBef>
-                    <a:spcPts val="500"/>
-                  </a:spcBef>
-                  <a:buFont typeface="Arial" panose="020B0604020202020204" pitchFamily="34" charset="0"/>
-                  <a:buChar char="•"/>
-                  <a:defRPr sz="1800" kern="1200">
-                    <a:solidFill>
-                      <a:schemeClr val="tx1"/>
-                    </a:solidFill>
-                    <a:latin typeface="+mn-lt"/>
-                    <a:ea typeface="+mn-ea"/>
-                    <a:cs typeface="+mn-cs"/>
-                  </a:defRPr>
-                </a:lvl5pPr>
-                <a:lvl6pPr marL="2514600" indent="-228600" algn="l" defTabSz="914400" rtl="0" eaLnBrk="1" latinLnBrk="0" hangingPunct="1">
-                  <a:lnSpc>
-                    <a:spcPct val="90000"/>
-                  </a:lnSpc>
-                  <a:spcBef>
-                    <a:spcPts val="500"/>
-                  </a:spcBef>
-                  <a:buFont typeface="Arial" panose="020B0604020202020204" pitchFamily="34" charset="0"/>
-                  <a:buChar char="•"/>
-                  <a:defRPr sz="1800" kern="1200">
-                    <a:solidFill>
-                      <a:schemeClr val="tx1"/>
-                    </a:solidFill>
-                    <a:latin typeface="+mn-lt"/>
-                    <a:ea typeface="+mn-ea"/>
-                    <a:cs typeface="+mn-cs"/>
-                  </a:defRPr>
-                </a:lvl6pPr>
-                <a:lvl7pPr marL="2971800" indent="-228600" algn="l" defTabSz="914400" rtl="0" eaLnBrk="1" latinLnBrk="0" hangingPunct="1">
-                  <a:lnSpc>
-                    <a:spcPct val="90000"/>
-                  </a:lnSpc>
-                  <a:spcBef>
-                    <a:spcPts val="500"/>
-                  </a:spcBef>
-                  <a:buFont typeface="Arial" panose="020B0604020202020204" pitchFamily="34" charset="0"/>
-                  <a:buChar char="•"/>
-                  <a:defRPr sz="1800" kern="1200">
-                    <a:solidFill>
-                      <a:schemeClr val="tx1"/>
-                    </a:solidFill>
-                    <a:latin typeface="+mn-lt"/>
-                    <a:ea typeface="+mn-ea"/>
-                    <a:cs typeface="+mn-cs"/>
-                  </a:defRPr>
-                </a:lvl7pPr>
-                <a:lvl8pPr marL="3429000" indent="-228600" algn="l" defTabSz="914400" rtl="0" eaLnBrk="1" latinLnBrk="0" hangingPunct="1">
-                  <a:lnSpc>
-                    <a:spcPct val="90000"/>
-                  </a:lnSpc>
-                  <a:spcBef>
-                    <a:spcPts val="500"/>
-                  </a:spcBef>
-                  <a:buFont typeface="Arial" panose="020B0604020202020204" pitchFamily="34" charset="0"/>
-                  <a:buChar char="•"/>
-                  <a:defRPr sz="1800" kern="1200">
-                    <a:solidFill>
-                      <a:schemeClr val="tx1"/>
-                    </a:solidFill>
-                    <a:latin typeface="+mn-lt"/>
-                    <a:ea typeface="+mn-ea"/>
-                    <a:cs typeface="+mn-cs"/>
-                  </a:defRPr>
-                </a:lvl8pPr>
-                <a:lvl9pPr marL="3886200" indent="-228600" algn="l" defTabSz="914400" rtl="0" eaLnBrk="1" latinLnBrk="0" hangingPunct="1">
-                  <a:lnSpc>
-                    <a:spcPct val="90000"/>
-                  </a:lnSpc>
-                  <a:spcBef>
-                    <a:spcPts val="500"/>
-                  </a:spcBef>
-                  <a:buFont typeface="Arial" panose="020B0604020202020204" pitchFamily="34" charset="0"/>
-                  <a:buChar char="•"/>
-                  <a:defRPr sz="1800" kern="1200">
-                    <a:solidFill>
-                      <a:schemeClr val="tx1"/>
-                    </a:solidFill>
-                    <a:latin typeface="+mn-lt"/>
-                    <a:ea typeface="+mn-ea"/>
-                    <a:cs typeface="+mn-cs"/>
-                  </a:defRPr>
-                </a:lvl9pPr>
-              </a:lstStyle>
-              <a:p>
-                <a:pPr marL="0" indent="0">
-                  <a:buFont typeface="Arial" panose="020B0604020202020204" pitchFamily="34" charset="0"/>
-                  <a:buNone/>
-                </a:pPr>
-                <a14:m>
-                  <m:oMathPara xmlns:m="http://schemas.openxmlformats.org/officeDocument/2006/math">
-                    <m:oMathParaPr>
-                      <m:jc m:val="left"/>
-                    </m:oMathParaPr>
-                    <m:oMath xmlns:m="http://schemas.openxmlformats.org/officeDocument/2006/math">
-                      <m:sSup>
-                        <m:sSupPr>
-                          <m:ctrlPr>
-                            <a:rPr lang="da-DK" sz="3200" i="1" smtClean="0">
-                              <a:latin typeface="Cambria Math" panose="02040503050406030204" pitchFamily="18" charset="0"/>
-                            </a:rPr>
-                          </m:ctrlPr>
-                        </m:sSupPr>
-                        <m:e>
-                          <m:r>
-                            <a:rPr lang="da-DK" sz="3200" i="1" smtClean="0">
-                              <a:latin typeface="Cambria Math" panose="02040503050406030204" pitchFamily="18" charset="0"/>
-                            </a:rPr>
-                            <m:t>𝑔</m:t>
-                          </m:r>
-                        </m:e>
-                        <m:sup>
-                          <m:r>
-                            <a:rPr lang="da-DK" sz="3200" i="1" smtClean="0">
-                              <a:latin typeface="Cambria Math" panose="02040503050406030204" pitchFamily="18" charset="0"/>
-                            </a:rPr>
-                            <m:t>′</m:t>
-                          </m:r>
-                        </m:sup>
-                      </m:sSup>
-                      <m:d>
-                        <m:dPr>
-                          <m:ctrlPr>
-                            <a:rPr lang="da-DK" sz="3200" i="1" smtClean="0">
-                              <a:latin typeface="Cambria Math" panose="02040503050406030204" pitchFamily="18" charset="0"/>
-                            </a:rPr>
-                          </m:ctrlPr>
-                        </m:dPr>
-                        <m:e>
-                          <m:r>
-                            <a:rPr lang="da-DK" sz="3200" b="0" i="1" smtClean="0">
-                              <a:latin typeface="Cambria Math" panose="02040503050406030204" pitchFamily="18" charset="0"/>
-                            </a:rPr>
-                            <m:t>𝑡</m:t>
-                          </m:r>
-                        </m:e>
-                      </m:d>
-                      <m:r>
-                        <a:rPr lang="da-DK" sz="3200" i="1">
-                          <a:latin typeface="Cambria Math" panose="02040503050406030204" pitchFamily="18" charset="0"/>
-                        </a:rPr>
-                        <m:t>~</m:t>
-                      </m:r>
-                      <m:f>
-                        <m:fPr>
-                          <m:ctrlPr>
-                            <a:rPr lang="da-DK" sz="3200" i="1" smtClean="0">
-                              <a:latin typeface="Cambria Math" panose="02040503050406030204" pitchFamily="18" charset="0"/>
-                            </a:rPr>
-                          </m:ctrlPr>
-                        </m:fPr>
-                        <m:num>
-                          <m:r>
-                            <a:rPr lang="da-DK" sz="3200" i="1" smtClean="0">
-                              <a:latin typeface="Cambria Math" panose="02040503050406030204" pitchFamily="18" charset="0"/>
-                            </a:rPr>
-                            <m:t>𝑔</m:t>
-                          </m:r>
-                          <m:d>
-                            <m:dPr>
-                              <m:ctrlPr>
-                                <a:rPr lang="da-DK" sz="3200" i="1" smtClean="0">
-                                  <a:latin typeface="Cambria Math" panose="02040503050406030204" pitchFamily="18" charset="0"/>
-                                </a:rPr>
-                              </m:ctrlPr>
-                            </m:dPr>
-                            <m:e>
-                              <m:r>
-                                <a:rPr lang="da-DK" sz="3200" b="0" i="1" smtClean="0">
-                                  <a:latin typeface="Cambria Math" panose="02040503050406030204" pitchFamily="18" charset="0"/>
-                                </a:rPr>
-                                <m:t>𝑡</m:t>
-                              </m:r>
-                              <m:r>
-                                <a:rPr lang="da-DK" sz="3200" i="1" smtClean="0">
-                                  <a:latin typeface="Cambria Math" panose="02040503050406030204" pitchFamily="18" charset="0"/>
-                                </a:rPr>
-                                <m:t>+</m:t>
-                              </m:r>
-                              <m:r>
-                                <a:rPr lang="da-DK" sz="3200" i="1" smtClean="0">
-                                  <a:latin typeface="Cambria Math" panose="02040503050406030204" pitchFamily="18" charset="0"/>
-                                </a:rPr>
-                                <m:t>h</m:t>
-                              </m:r>
-                            </m:e>
-                          </m:d>
-                          <m:r>
-                            <a:rPr lang="da-DK" sz="3200" i="1" smtClean="0">
-                              <a:latin typeface="Cambria Math" panose="02040503050406030204" pitchFamily="18" charset="0"/>
-                            </a:rPr>
-                            <m:t>−</m:t>
-                          </m:r>
-                          <m:r>
-                            <a:rPr lang="da-DK" sz="3200" i="1" smtClean="0">
-                              <a:latin typeface="Cambria Math" panose="02040503050406030204" pitchFamily="18" charset="0"/>
-                            </a:rPr>
-                            <m:t>𝑔</m:t>
-                          </m:r>
-                          <m:d>
-                            <m:dPr>
-                              <m:ctrlPr>
-                                <a:rPr lang="da-DK" sz="3200" i="1" smtClean="0">
-                                  <a:latin typeface="Cambria Math" panose="02040503050406030204" pitchFamily="18" charset="0"/>
-                                </a:rPr>
-                              </m:ctrlPr>
-                            </m:dPr>
-                            <m:e>
-                              <m:r>
-                                <a:rPr lang="da-DK" sz="3200" b="0" i="1" smtClean="0">
-                                  <a:latin typeface="Cambria Math" panose="02040503050406030204" pitchFamily="18" charset="0"/>
-                                </a:rPr>
-                                <m:t>𝑡</m:t>
-                              </m:r>
-                            </m:e>
-                          </m:d>
-                        </m:num>
-                        <m:den>
-                          <m:r>
-                            <a:rPr lang="da-DK" sz="3200" i="1" smtClean="0">
-                              <a:latin typeface="Cambria Math" panose="02040503050406030204" pitchFamily="18" charset="0"/>
-                            </a:rPr>
-                            <m:t>h</m:t>
-                          </m:r>
-                        </m:den>
-                      </m:f>
-                    </m:oMath>
-                    <m:oMath xmlns:m="http://schemas.openxmlformats.org/officeDocument/2006/math">
-                      <m:r>
-                        <a:rPr lang="da-DK" sz="3200" i="1" smtClean="0">
-                          <a:latin typeface="Cambria Math" panose="02040503050406030204" pitchFamily="18" charset="0"/>
-                        </a:rPr>
-                        <m:t>𝑔</m:t>
-                      </m:r>
-                      <m:d>
-                        <m:dPr>
-                          <m:ctrlPr>
-                            <a:rPr lang="da-DK" sz="3200" i="1" smtClean="0">
-                              <a:latin typeface="Cambria Math" panose="02040503050406030204" pitchFamily="18" charset="0"/>
-                            </a:rPr>
-                          </m:ctrlPr>
-                        </m:dPr>
-                        <m:e>
-                          <m:r>
-                            <a:rPr lang="da-DK" sz="3200" b="0" i="1" smtClean="0">
-                              <a:latin typeface="Cambria Math" panose="02040503050406030204" pitchFamily="18" charset="0"/>
-                            </a:rPr>
-                            <m:t>𝑡</m:t>
-                          </m:r>
-                          <m:r>
-                            <a:rPr lang="da-DK" sz="3200" i="1" smtClean="0">
-                              <a:latin typeface="Cambria Math" panose="02040503050406030204" pitchFamily="18" charset="0"/>
-                            </a:rPr>
-                            <m:t>+</m:t>
-                          </m:r>
-                          <m:r>
-                            <a:rPr lang="da-DK" sz="3200" i="1" smtClean="0">
-                              <a:latin typeface="Cambria Math" panose="02040503050406030204" pitchFamily="18" charset="0"/>
-                            </a:rPr>
-                            <m:t>h</m:t>
-                          </m:r>
-                        </m:e>
-                      </m:d>
-                      <m:r>
-                        <a:rPr lang="da-DK" sz="3200" i="1" smtClean="0">
-                          <a:latin typeface="Cambria Math" panose="02040503050406030204" pitchFamily="18" charset="0"/>
-                        </a:rPr>
-                        <m:t>=</m:t>
-                      </m:r>
-                      <m:r>
-                        <a:rPr lang="da-DK" sz="3200" i="1" smtClean="0">
-                          <a:latin typeface="Cambria Math" panose="02040503050406030204" pitchFamily="18" charset="0"/>
-                        </a:rPr>
-                        <m:t>𝑔</m:t>
-                      </m:r>
-                      <m:d>
-                        <m:dPr>
-                          <m:ctrlPr>
-                            <a:rPr lang="da-DK" sz="3200" i="1" smtClean="0">
-                              <a:latin typeface="Cambria Math" panose="02040503050406030204" pitchFamily="18" charset="0"/>
-                            </a:rPr>
-                          </m:ctrlPr>
-                        </m:dPr>
-                        <m:e>
-                          <m:r>
-                            <a:rPr lang="da-DK" sz="3200" b="0" i="1" smtClean="0">
-                              <a:latin typeface="Cambria Math" panose="02040503050406030204" pitchFamily="18" charset="0"/>
-                            </a:rPr>
-                            <m:t>𝑡</m:t>
-                          </m:r>
-                        </m:e>
-                      </m:d>
-                      <m:r>
-                        <a:rPr lang="da-DK" sz="3200" i="1" smtClean="0">
-                          <a:latin typeface="Cambria Math" panose="02040503050406030204" pitchFamily="18" charset="0"/>
-                        </a:rPr>
-                        <m:t>+</m:t>
-                      </m:r>
-                      <m:r>
-                        <a:rPr lang="da-DK" sz="3200" i="1" smtClean="0">
-                          <a:latin typeface="Cambria Math" panose="02040503050406030204" pitchFamily="18" charset="0"/>
-                        </a:rPr>
-                        <m:t>h</m:t>
-                      </m:r>
-                      <m:sSup>
-                        <m:sSupPr>
-                          <m:ctrlPr>
-                            <a:rPr lang="da-DK" sz="3200" i="1" smtClean="0">
-                              <a:latin typeface="Cambria Math" panose="02040503050406030204" pitchFamily="18" charset="0"/>
-                            </a:rPr>
-                          </m:ctrlPr>
-                        </m:sSupPr>
-                        <m:e>
-                          <m:r>
-                            <a:rPr lang="da-DK" sz="3200" i="1" smtClean="0">
-                              <a:latin typeface="Cambria Math" panose="02040503050406030204" pitchFamily="18" charset="0"/>
-                            </a:rPr>
-                            <m:t>𝑔</m:t>
-                          </m:r>
-                        </m:e>
-                        <m:sup>
-                          <m:r>
-                            <a:rPr lang="da-DK" sz="3200" i="1" smtClean="0">
-                              <a:latin typeface="Cambria Math" panose="02040503050406030204" pitchFamily="18" charset="0"/>
-                            </a:rPr>
-                            <m:t>′</m:t>
-                          </m:r>
-                        </m:sup>
-                      </m:sSup>
-                      <m:d>
-                        <m:dPr>
-                          <m:ctrlPr>
-                            <a:rPr lang="da-DK" sz="3200" i="1" smtClean="0">
-                              <a:latin typeface="Cambria Math" panose="02040503050406030204" pitchFamily="18" charset="0"/>
-                            </a:rPr>
-                          </m:ctrlPr>
-                        </m:dPr>
-                        <m:e>
-                          <m:r>
-                            <a:rPr lang="da-DK" sz="3200" b="0" i="1" smtClean="0">
-                              <a:latin typeface="Cambria Math" panose="02040503050406030204" pitchFamily="18" charset="0"/>
-                            </a:rPr>
-                            <m:t>𝑡</m:t>
-                          </m:r>
-                        </m:e>
-                      </m:d>
-                    </m:oMath>
-                  </m:oMathPara>
-                </a14:m>
-                <a:endParaRPr lang="da-DK" sz="3200" dirty="0"/>
-              </a:p>
-              <a:p>
-                <a:pPr marL="0" indent="0">
-                  <a:buFont typeface="Arial" panose="020B0604020202020204" pitchFamily="34" charset="0"/>
-                  <a:buNone/>
-                </a:pPr>
-                <a:br>
-                  <a:rPr lang="da-DK" sz="3200" dirty="0"/>
-                </a:br>
-                <a14:m>
-                  <m:oMathPara xmlns:m="http://schemas.openxmlformats.org/officeDocument/2006/math">
-                    <m:oMathParaPr>
-                      <m:jc m:val="left"/>
-                    </m:oMathParaPr>
-                    <m:oMath xmlns:m="http://schemas.openxmlformats.org/officeDocument/2006/math">
-                      <m:r>
-                        <m:rPr>
-                          <m:sty m:val="p"/>
-                        </m:rPr>
-                        <a:rPr lang="da-DK" sz="3200" b="0" i="0" smtClean="0">
-                          <a:latin typeface="Cambria Math" panose="02040503050406030204" pitchFamily="18" charset="0"/>
-                        </a:rPr>
-                        <m:t>v</m:t>
-                      </m:r>
-                      <m:d>
-                        <m:dPr>
-                          <m:ctrlPr>
-                            <a:rPr lang="da-DK" sz="3200" b="0" i="0" smtClean="0">
-                              <a:latin typeface="Cambria Math" panose="02040503050406030204" pitchFamily="18" charset="0"/>
-                            </a:rPr>
-                          </m:ctrlPr>
-                        </m:dPr>
-                        <m:e>
-                          <m:r>
-                            <m:rPr>
-                              <m:sty m:val="p"/>
-                            </m:rPr>
-                            <a:rPr lang="da-DK" sz="3200" b="0" i="0" smtClean="0">
-                              <a:latin typeface="Cambria Math" panose="02040503050406030204" pitchFamily="18" charset="0"/>
-                            </a:rPr>
-                            <m:t>t</m:t>
-                          </m:r>
-                          <m:r>
-                            <a:rPr lang="da-DK" sz="3200" b="0" i="0" smtClean="0">
-                              <a:latin typeface="Cambria Math" panose="02040503050406030204" pitchFamily="18" charset="0"/>
-                            </a:rPr>
-                            <m:t>+</m:t>
-                          </m:r>
-                          <m:r>
-                            <m:rPr>
-                              <m:sty m:val="p"/>
-                            </m:rPr>
-                            <a:rPr lang="da-DK" sz="3200" b="0" i="0" smtClean="0">
-                              <a:latin typeface="Cambria Math" panose="02040503050406030204" pitchFamily="18" charset="0"/>
-                            </a:rPr>
-                            <m:t>h</m:t>
-                          </m:r>
-                        </m:e>
-                      </m:d>
-                      <m:r>
-                        <a:rPr lang="da-DK" sz="3200" b="0" i="0" smtClean="0">
-                          <a:latin typeface="Cambria Math" panose="02040503050406030204" pitchFamily="18" charset="0"/>
-                        </a:rPr>
-                        <m:t>=</m:t>
-                      </m:r>
-                      <m:r>
-                        <m:rPr>
-                          <m:sty m:val="p"/>
-                        </m:rPr>
-                        <a:rPr lang="da-DK" sz="3200" b="0" i="0" smtClean="0">
-                          <a:latin typeface="Cambria Math" panose="02040503050406030204" pitchFamily="18" charset="0"/>
-                        </a:rPr>
-                        <m:t>v</m:t>
-                      </m:r>
-                      <m:d>
-                        <m:dPr>
-                          <m:ctrlPr>
-                            <a:rPr lang="da-DK" sz="3200" b="0" i="0" smtClean="0">
-                              <a:latin typeface="Cambria Math" panose="02040503050406030204" pitchFamily="18" charset="0"/>
-                            </a:rPr>
-                          </m:ctrlPr>
-                        </m:dPr>
-                        <m:e>
-                          <m:r>
-                            <m:rPr>
-                              <m:sty m:val="p"/>
-                            </m:rPr>
-                            <a:rPr lang="da-DK" sz="3200" b="0" i="0" smtClean="0">
-                              <a:latin typeface="Cambria Math" panose="02040503050406030204" pitchFamily="18" charset="0"/>
-                            </a:rPr>
-                            <m:t>t</m:t>
-                          </m:r>
-                        </m:e>
-                      </m:d>
-                      <m:r>
-                        <a:rPr lang="da-DK" sz="3200" b="0" i="0" smtClean="0">
-                          <a:latin typeface="Cambria Math" panose="02040503050406030204" pitchFamily="18" charset="0"/>
-                        </a:rPr>
-                        <m:t>+</m:t>
-                      </m:r>
-                      <m:r>
-                        <m:rPr>
-                          <m:sty m:val="p"/>
-                        </m:rPr>
-                        <a:rPr lang="da-DK" sz="3200" b="0" i="0" smtClean="0">
-                          <a:latin typeface="Cambria Math" panose="02040503050406030204" pitchFamily="18" charset="0"/>
-                        </a:rPr>
-                        <m:t>h</m:t>
-                      </m:r>
-                      <m:r>
-                        <a:rPr lang="da-DK" sz="3200" b="0" i="1" smtClean="0">
-                          <a:latin typeface="Cambria Math" panose="02040503050406030204" pitchFamily="18" charset="0"/>
-                        </a:rPr>
-                        <m:t> </m:t>
-                      </m:r>
-                      <m:r>
-                        <a:rPr lang="da-DK" sz="3200" b="0" i="1" smtClean="0">
-                          <a:latin typeface="Cambria Math" panose="02040503050406030204" pitchFamily="18" charset="0"/>
-                        </a:rPr>
-                        <m:t>𝑎</m:t>
-                      </m:r>
-                      <m:r>
-                        <a:rPr lang="da-DK" sz="3200" b="0" i="1" smtClean="0">
-                          <a:latin typeface="Cambria Math" panose="02040503050406030204" pitchFamily="18" charset="0"/>
-                        </a:rPr>
-                        <m:t>(</m:t>
-                      </m:r>
-                      <m:r>
-                        <a:rPr lang="da-DK" sz="3200" b="0" i="1" smtClean="0">
-                          <a:latin typeface="Cambria Math" panose="02040503050406030204" pitchFamily="18" charset="0"/>
-                        </a:rPr>
-                        <m:t>𝑡</m:t>
-                      </m:r>
-                      <m:r>
-                        <a:rPr lang="da-DK" sz="3200" b="0" i="1" smtClean="0">
-                          <a:latin typeface="Cambria Math" panose="02040503050406030204" pitchFamily="18" charset="0"/>
-                        </a:rPr>
-                        <m:t>)</m:t>
-                      </m:r>
-                    </m:oMath>
-                    <m:oMath xmlns:m="http://schemas.openxmlformats.org/officeDocument/2006/math">
-                      <m:r>
-                        <m:rPr>
-                          <m:sty m:val="p"/>
-                        </m:rPr>
-                        <a:rPr lang="da-DK" sz="3200" b="0" i="0" smtClean="0">
-                          <a:latin typeface="Cambria Math" panose="02040503050406030204" pitchFamily="18" charset="0"/>
-                        </a:rPr>
-                        <m:t>p</m:t>
-                      </m:r>
-                      <m:d>
-                        <m:dPr>
-                          <m:ctrlPr>
-                            <a:rPr lang="da-DK" sz="3200" b="0" i="0" smtClean="0">
-                              <a:latin typeface="Cambria Math" panose="02040503050406030204" pitchFamily="18" charset="0"/>
-                            </a:rPr>
-                          </m:ctrlPr>
-                        </m:dPr>
-                        <m:e>
-                          <m:r>
-                            <m:rPr>
-                              <m:sty m:val="p"/>
-                            </m:rPr>
-                            <a:rPr lang="da-DK" sz="3200" b="0" i="0" smtClean="0">
-                              <a:latin typeface="Cambria Math" panose="02040503050406030204" pitchFamily="18" charset="0"/>
-                            </a:rPr>
-                            <m:t>t</m:t>
-                          </m:r>
-                          <m:r>
-                            <a:rPr lang="da-DK" sz="3200" b="0" i="0" smtClean="0">
-                              <a:latin typeface="Cambria Math" panose="02040503050406030204" pitchFamily="18" charset="0"/>
-                            </a:rPr>
-                            <m:t>+</m:t>
-                          </m:r>
-                          <m:r>
-                            <m:rPr>
-                              <m:sty m:val="p"/>
-                            </m:rPr>
-                            <a:rPr lang="da-DK" sz="3200" b="0" i="0" smtClean="0">
-                              <a:latin typeface="Cambria Math" panose="02040503050406030204" pitchFamily="18" charset="0"/>
-                            </a:rPr>
-                            <m:t>h</m:t>
-                          </m:r>
-                        </m:e>
-                      </m:d>
-                      <m:r>
-                        <a:rPr lang="da-DK" sz="3200" b="0" i="0" smtClean="0">
-                          <a:latin typeface="Cambria Math" panose="02040503050406030204" pitchFamily="18" charset="0"/>
-                        </a:rPr>
-                        <m:t>=</m:t>
-                      </m:r>
-                      <m:r>
-                        <m:rPr>
-                          <m:sty m:val="p"/>
-                        </m:rPr>
-                        <a:rPr lang="da-DK" sz="3200" b="0" i="0" smtClean="0">
-                          <a:latin typeface="Cambria Math" panose="02040503050406030204" pitchFamily="18" charset="0"/>
-                        </a:rPr>
-                        <m:t>p</m:t>
-                      </m:r>
-                      <m:d>
-                        <m:dPr>
-                          <m:ctrlPr>
-                            <a:rPr lang="da-DK" sz="3200" b="0" i="0" smtClean="0">
-                              <a:latin typeface="Cambria Math" panose="02040503050406030204" pitchFamily="18" charset="0"/>
-                            </a:rPr>
-                          </m:ctrlPr>
-                        </m:dPr>
-                        <m:e>
-                          <m:r>
-                            <m:rPr>
-                              <m:sty m:val="p"/>
-                            </m:rPr>
-                            <a:rPr lang="da-DK" sz="3200" b="0" i="0" smtClean="0">
-                              <a:latin typeface="Cambria Math" panose="02040503050406030204" pitchFamily="18" charset="0"/>
-                            </a:rPr>
-                            <m:t>t</m:t>
-                          </m:r>
-                        </m:e>
-                      </m:d>
-                      <m:r>
-                        <a:rPr lang="da-DK" sz="3200" b="0" i="0" smtClean="0">
-                          <a:latin typeface="Cambria Math" panose="02040503050406030204" pitchFamily="18" charset="0"/>
-                        </a:rPr>
-                        <m:t>+</m:t>
-                      </m:r>
-                      <m:r>
-                        <m:rPr>
-                          <m:sty m:val="p"/>
-                        </m:rPr>
-                        <a:rPr lang="da-DK" sz="3200" b="0" i="0" smtClean="0">
-                          <a:latin typeface="Cambria Math" panose="02040503050406030204" pitchFamily="18" charset="0"/>
-                        </a:rPr>
-                        <m:t>h</m:t>
-                      </m:r>
-                      <m:r>
-                        <a:rPr lang="da-DK" sz="3200" b="0" i="1" smtClean="0">
-                          <a:latin typeface="Cambria Math" panose="02040503050406030204" pitchFamily="18" charset="0"/>
-                        </a:rPr>
-                        <m:t> </m:t>
-                      </m:r>
-                      <m:r>
-                        <a:rPr lang="da-DK" sz="3200" b="0" i="1" smtClean="0">
-                          <a:latin typeface="Cambria Math" panose="02040503050406030204" pitchFamily="18" charset="0"/>
-                        </a:rPr>
-                        <m:t>𝑣</m:t>
-                      </m:r>
-                      <m:d>
-                        <m:dPr>
-                          <m:ctrlPr>
-                            <a:rPr lang="da-DK" sz="3200" b="0" i="1" smtClean="0">
-                              <a:latin typeface="Cambria Math" panose="02040503050406030204" pitchFamily="18" charset="0"/>
-                            </a:rPr>
-                          </m:ctrlPr>
-                        </m:dPr>
-                        <m:e>
-                          <m:r>
-                            <a:rPr lang="da-DK" sz="3200" b="0" i="1" smtClean="0">
-                              <a:latin typeface="Cambria Math" panose="02040503050406030204" pitchFamily="18" charset="0"/>
-                            </a:rPr>
-                            <m:t>𝑡</m:t>
-                          </m:r>
-                        </m:e>
-                      </m:d>
-                    </m:oMath>
-                  </m:oMathPara>
-                </a14:m>
-                <a:endParaRPr lang="da-DK" sz="3200" b="0" dirty="0"/>
-              </a:p>
-              <a:p>
-                <a:pPr marL="0" indent="0">
-                  <a:buFont typeface="Arial" panose="020B0604020202020204" pitchFamily="34" charset="0"/>
-                  <a:buNone/>
-                </a:pPr>
-                <a:br>
-                  <a:rPr lang="da-DK" sz="3200" b="0" dirty="0"/>
-                </a:br>
-                <a14:m>
-                  <m:oMathPara xmlns:m="http://schemas.openxmlformats.org/officeDocument/2006/math">
-                    <m:oMathParaPr>
-                      <m:jc m:val="left"/>
-                    </m:oMathParaPr>
-                    <m:oMath xmlns:m="http://schemas.openxmlformats.org/officeDocument/2006/math">
-                      <m:r>
-                        <a:rPr lang="da-DK" sz="3200" b="0" i="1" smtClean="0">
-                          <a:latin typeface="Cambria Math" panose="02040503050406030204" pitchFamily="18" charset="0"/>
-                        </a:rPr>
-                        <m:t>𝑎</m:t>
-                      </m:r>
-                      <m:d>
-                        <m:dPr>
-                          <m:ctrlPr>
-                            <a:rPr lang="da-DK" sz="3200" b="0" i="1" smtClean="0">
-                              <a:latin typeface="Cambria Math" panose="02040503050406030204" pitchFamily="18" charset="0"/>
-                            </a:rPr>
-                          </m:ctrlPr>
-                        </m:dPr>
-                        <m:e>
-                          <m:r>
-                            <a:rPr lang="da-DK" sz="3200" b="0" i="1" smtClean="0">
-                              <a:latin typeface="Cambria Math" panose="02040503050406030204" pitchFamily="18" charset="0"/>
-                            </a:rPr>
-                            <m:t>𝑡</m:t>
-                          </m:r>
-                        </m:e>
-                      </m:d>
-                      <m:r>
-                        <a:rPr lang="da-DK" sz="3200" b="0" i="1" smtClean="0">
-                          <a:latin typeface="Cambria Math" panose="02040503050406030204" pitchFamily="18" charset="0"/>
-                        </a:rPr>
-                        <m:t>=</m:t>
-                      </m:r>
-                      <m:d>
-                        <m:dPr>
-                          <m:begChr m:val="["/>
-                          <m:endChr m:val="]"/>
-                          <m:ctrlPr>
-                            <a:rPr lang="da-DK" sz="3200" b="0" i="1" smtClean="0">
-                              <a:latin typeface="Cambria Math" panose="02040503050406030204" pitchFamily="18" charset="0"/>
-                            </a:rPr>
-                          </m:ctrlPr>
-                        </m:dPr>
-                        <m:e>
-                          <m:r>
-                            <a:rPr lang="da-DK" sz="3200" b="0" i="1" smtClean="0">
-                              <a:latin typeface="Cambria Math" panose="02040503050406030204" pitchFamily="18" charset="0"/>
-                            </a:rPr>
-                            <m:t>0,−</m:t>
-                          </m:r>
-                          <m:f>
-                            <m:fPr>
-                              <m:ctrlPr>
-                                <a:rPr lang="da-DK" sz="3200" b="0" i="1" smtClean="0">
-                                  <a:latin typeface="Cambria Math" panose="02040503050406030204" pitchFamily="18" charset="0"/>
-                                </a:rPr>
-                              </m:ctrlPr>
-                            </m:fPr>
-                            <m:num>
-                              <m:r>
-                                <a:rPr lang="da-DK" sz="3200" b="0" i="1" smtClean="0">
-                                  <a:latin typeface="Cambria Math" panose="02040503050406030204" pitchFamily="18" charset="0"/>
-                                </a:rPr>
-                                <m:t>9.82</m:t>
-                              </m:r>
-                              <m:r>
-                                <a:rPr lang="da-DK" sz="3200" b="0" i="1" smtClean="0">
-                                  <a:latin typeface="Cambria Math" panose="02040503050406030204" pitchFamily="18" charset="0"/>
-                                </a:rPr>
-                                <m:t>𝑚</m:t>
-                              </m:r>
-                            </m:num>
-                            <m:den>
-                              <m:sSup>
-                                <m:sSupPr>
-                                  <m:ctrlPr>
-                                    <a:rPr lang="da-DK" sz="3200" b="0" i="1" smtClean="0">
-                                      <a:latin typeface="Cambria Math" panose="02040503050406030204" pitchFamily="18" charset="0"/>
-                                    </a:rPr>
-                                  </m:ctrlPr>
-                                </m:sSupPr>
-                                <m:e>
-                                  <m:r>
-                                    <a:rPr lang="da-DK" sz="3200" b="0" i="1" smtClean="0">
-                                      <a:latin typeface="Cambria Math" panose="02040503050406030204" pitchFamily="18" charset="0"/>
-                                    </a:rPr>
-                                    <m:t>𝑠</m:t>
-                                  </m:r>
-                                </m:e>
-                                <m:sup>
-                                  <m:r>
-                                    <a:rPr lang="da-DK" sz="3200" b="0" i="1" smtClean="0">
-                                      <a:latin typeface="Cambria Math" panose="02040503050406030204" pitchFamily="18" charset="0"/>
-                                    </a:rPr>
-                                    <m:t>2</m:t>
-                                  </m:r>
-                                </m:sup>
-                              </m:sSup>
-                            </m:den>
-                          </m:f>
-                        </m:e>
-                      </m:d>
-                      <m:r>
-                        <a:rPr lang="da-DK" sz="3200" b="0" i="1" smtClean="0">
-                          <a:latin typeface="Cambria Math" panose="02040503050406030204" pitchFamily="18" charset="0"/>
-                        </a:rPr>
-                        <m:t>+</m:t>
-                      </m:r>
-                      <m:r>
-                        <a:rPr lang="da-DK" sz="3200" b="0" i="1" smtClean="0">
-                          <a:latin typeface="Cambria Math" panose="02040503050406030204" pitchFamily="18" charset="0"/>
-                        </a:rPr>
-                        <m:t>𝑢</m:t>
-                      </m:r>
-                      <m:d>
-                        <m:dPr>
-                          <m:ctrlPr>
-                            <a:rPr lang="da-DK" sz="3200" b="0" i="1" smtClean="0">
-                              <a:latin typeface="Cambria Math" panose="02040503050406030204" pitchFamily="18" charset="0"/>
-                            </a:rPr>
-                          </m:ctrlPr>
-                        </m:dPr>
-                        <m:e>
-                          <m:r>
-                            <a:rPr lang="da-DK" sz="3200" b="0" i="1" smtClean="0">
-                              <a:latin typeface="Cambria Math" panose="02040503050406030204" pitchFamily="18" charset="0"/>
-                            </a:rPr>
-                            <m:t>𝑡</m:t>
-                          </m:r>
-                        </m:e>
-                      </m:d>
-                    </m:oMath>
-                    <m:oMath xmlns:m="http://schemas.openxmlformats.org/officeDocument/2006/math">
-                      <m:r>
-                        <a:rPr lang="da-DK" sz="3200" b="0" i="1" smtClean="0">
-                          <a:latin typeface="Cambria Math" panose="02040503050406030204" pitchFamily="18" charset="0"/>
-                        </a:rPr>
-                        <m:t>𝑣</m:t>
-                      </m:r>
-                      <m:d>
-                        <m:dPr>
-                          <m:ctrlPr>
-                            <a:rPr lang="da-DK" sz="3200" b="0" i="1" smtClean="0">
-                              <a:latin typeface="Cambria Math" panose="02040503050406030204" pitchFamily="18" charset="0"/>
-                            </a:rPr>
-                          </m:ctrlPr>
-                        </m:dPr>
-                        <m:e>
-                          <m:r>
-                            <a:rPr lang="da-DK" sz="3200" b="0" i="1" smtClean="0">
-                              <a:latin typeface="Cambria Math" panose="02040503050406030204" pitchFamily="18" charset="0"/>
-                            </a:rPr>
-                            <m:t>0</m:t>
-                          </m:r>
-                        </m:e>
-                      </m:d>
-                      <m:r>
-                        <a:rPr lang="da-DK" sz="3200" b="0" i="1" smtClean="0">
-                          <a:latin typeface="Cambria Math" panose="02040503050406030204" pitchFamily="18" charset="0"/>
-                        </a:rPr>
-                        <m:t>=</m:t>
-                      </m:r>
-                      <m:d>
-                        <m:dPr>
-                          <m:begChr m:val="["/>
-                          <m:endChr m:val="]"/>
-                          <m:ctrlPr>
-                            <a:rPr lang="da-DK" sz="3200" b="0" i="1" smtClean="0">
-                              <a:latin typeface="Cambria Math" panose="02040503050406030204" pitchFamily="18" charset="0"/>
-                            </a:rPr>
-                          </m:ctrlPr>
-                        </m:dPr>
-                        <m:e>
-                          <m:r>
-                            <a:rPr lang="da-DK" sz="3200" b="0" i="1" smtClean="0">
-                              <a:latin typeface="Cambria Math" panose="02040503050406030204" pitchFamily="18" charset="0"/>
-                            </a:rPr>
-                            <m:t>0,0</m:t>
-                          </m:r>
-                        </m:e>
-                      </m:d>
-                    </m:oMath>
-                    <m:oMath xmlns:m="http://schemas.openxmlformats.org/officeDocument/2006/math">
-                      <m:r>
-                        <a:rPr lang="da-DK" sz="3200" b="0" i="1" smtClean="0">
-                          <a:latin typeface="Cambria Math" panose="02040503050406030204" pitchFamily="18" charset="0"/>
-                        </a:rPr>
-                        <m:t>𝑝</m:t>
-                      </m:r>
-                      <m:d>
-                        <m:dPr>
-                          <m:ctrlPr>
-                            <a:rPr lang="da-DK" sz="3200" b="0" i="1" smtClean="0">
-                              <a:latin typeface="Cambria Math" panose="02040503050406030204" pitchFamily="18" charset="0"/>
-                            </a:rPr>
-                          </m:ctrlPr>
-                        </m:dPr>
-                        <m:e>
-                          <m:r>
-                            <a:rPr lang="da-DK" sz="3200" b="0" i="1" smtClean="0">
-                              <a:latin typeface="Cambria Math" panose="02040503050406030204" pitchFamily="18" charset="0"/>
-                            </a:rPr>
-                            <m:t>0</m:t>
-                          </m:r>
-                        </m:e>
-                      </m:d>
-                      <m:r>
-                        <a:rPr lang="da-DK" sz="3200" b="0" i="1" smtClean="0">
-                          <a:latin typeface="Cambria Math" panose="02040503050406030204" pitchFamily="18" charset="0"/>
-                        </a:rPr>
-                        <m:t>=[0,0]</m:t>
-                      </m:r>
-                    </m:oMath>
-                  </m:oMathPara>
-                </a14:m>
-                <a:endParaRPr lang="da-DK" sz="3200" b="0" dirty="0"/>
-              </a:p>
-              <a:p>
-                <a:pPr marL="0" indent="0">
-                  <a:buFont typeface="Arial" panose="020B0604020202020204" pitchFamily="34" charset="0"/>
-                  <a:buNone/>
-                </a:pPr>
-                <a:endParaRPr lang="da-DK" dirty="0"/>
-              </a:p>
-              <a:p>
-                <a:pPr marL="0" indent="0">
-                  <a:buFont typeface="Arial" panose="020B0604020202020204" pitchFamily="34" charset="0"/>
-                  <a:buNone/>
-                </a:pPr>
-                <a:endParaRPr lang="da-DK" dirty="0"/>
-              </a:p>
-              <a:p>
-                <a:pPr marL="0" indent="0">
-                  <a:buFont typeface="Arial" panose="020B0604020202020204" pitchFamily="34" charset="0"/>
-                  <a:buNone/>
-                </a:pPr>
-                <a:endParaRPr lang="da-DK" dirty="0"/>
-              </a:p>
-              <a:p>
-                <a:pPr marL="0" indent="0">
-                  <a:buFont typeface="Arial" panose="020B0604020202020204" pitchFamily="34" charset="0"/>
-                  <a:buNone/>
-                </a:pPr>
-                <a:endParaRPr lang="en-GB" dirty="0"/>
-              </a:p>
-            </p:txBody>
-          </p:sp>
-        </mc:Choice>
-        <mc:Fallback>
-          <p:sp>
-            <p:nvSpPr>
-              <p:cNvPr id="6" name="Content Placeholder 4">
-                <a:extLst>
-                  <a:ext uri="{FF2B5EF4-FFF2-40B4-BE49-F238E27FC236}">
-                    <a16:creationId xmlns:a16="http://schemas.microsoft.com/office/drawing/2014/main" id="{023596E8-7682-E94F-8F19-AC0F87A79976}"/>
-                  </a:ext>
-                </a:extLst>
-              </p:cNvPr>
-              <p:cNvSpPr txBox="1">
-                <a:spLocks noRot="1" noChangeAspect="1" noMove="1" noResize="1" noEditPoints="1" noAdjustHandles="1" noChangeArrowheads="1" noChangeShapeType="1" noTextEdit="1"/>
-              </p:cNvSpPr>
-              <p:nvPr/>
-            </p:nvSpPr>
-            <p:spPr>
-              <a:xfrm>
-                <a:off x="6809509" y="1413163"/>
-                <a:ext cx="4544291" cy="5209309"/>
-              </a:xfrm>
-              <a:prstGeom prst="rect">
-                <a:avLst/>
-              </a:prstGeom>
-              <a:blipFill>
-                <a:blip r:embed="rId3"/>
-                <a:stretch>
-                  <a:fillRect l="-836" t="-243"/>
-                </a:stretch>
-              </a:blipFill>
-            </p:spPr>
-            <p:txBody>
-              <a:bodyPr/>
-              <a:lstStyle/>
-              <a:p>
-                <a:r>
-                  <a:rPr lang="en-GB">
-                    <a:noFill/>
-                  </a:rPr>
-                  <a:t> </a:t>
-                </a:r>
-              </a:p>
-            </p:txBody>
-          </p:sp>
-        </mc:Fallback>
-      </mc:AlternateContent>
-    </p:spTree>
-    <p:extLst>
-      <p:ext uri="{BB962C8B-B14F-4D97-AF65-F5344CB8AC3E}">
-        <p14:creationId xmlns:p14="http://schemas.microsoft.com/office/powerpoint/2010/main" val="1323054208"/>
-      </p:ext>
-    </p:extLst>
-  </p:cSld>
-  <p:clrMapOvr>
-    <a:masterClrMapping/>
-  </p:clrMapOvr>
-</p:sld>
-</file>
-
-<file path=ppt/slides/slide12.xml><?xml version="1.0" encoding="utf-8"?>
-<p:sld xmlns:a="http://schemas.openxmlformats.org/drawingml/2006/main" xmlns:r="http://schemas.openxmlformats.org/officeDocument/2006/relationships" xmlns:p="http://schemas.openxmlformats.org/presentationml/2006/main">
-  <p:cSld>
-    <p:spTree>
-      <p:nvGrpSpPr>
-        <p:cNvPr id="1" name=""/>
-        <p:cNvGrpSpPr/>
-        <p:nvPr/>
-      </p:nvGrpSpPr>
-      <p:grpSpPr>
-        <a:xfrm>
-          <a:off x="0" y="0"/>
-          <a:ext cx="0" cy="0"/>
-          <a:chOff x="0" y="0"/>
-          <a:chExt cx="0" cy="0"/>
-        </a:xfrm>
-      </p:grpSpPr>
-      <p:sp>
-        <p:nvSpPr>
-          <p:cNvPr id="2" name="Title 1">
-            <a:extLst>
-              <a:ext uri="{FF2B5EF4-FFF2-40B4-BE49-F238E27FC236}">
-                <a16:creationId xmlns:a16="http://schemas.microsoft.com/office/drawing/2014/main" id="{A2686745-2D70-7142-B7D0-03DA1E6BEAFE}"/>
-              </a:ext>
-            </a:extLst>
-          </p:cNvPr>
-          <p:cNvSpPr>
-            <a:spLocks noGrp="1"/>
-          </p:cNvSpPr>
-          <p:nvPr>
-            <p:ph type="title"/>
-          </p:nvPr>
-        </p:nvSpPr>
-        <p:spPr>
-          <a:xfrm>
-            <a:off x="838200" y="365125"/>
-            <a:ext cx="10515600" cy="798657"/>
-          </a:xfrm>
-        </p:spPr>
-        <p:txBody>
-          <a:bodyPr/>
-          <a:lstStyle/>
-          <a:p>
-            <a:r>
-              <a:rPr lang="da-DK" dirty="0"/>
-              <a:t>Fysiksimulering: </a:t>
-            </a:r>
-            <a:r>
-              <a:rPr lang="da-DK" dirty="0" err="1"/>
-              <a:t>rakketaffyring</a:t>
-            </a:r>
-            <a:r>
-              <a:rPr lang="da-DK" dirty="0"/>
-              <a:t> og landing</a:t>
-            </a:r>
-          </a:p>
-        </p:txBody>
-      </p:sp>
-      <p:pic>
-        <p:nvPicPr>
-          <p:cNvPr id="8" name="Picture 7">
-            <a:extLst>
-              <a:ext uri="{FF2B5EF4-FFF2-40B4-BE49-F238E27FC236}">
-                <a16:creationId xmlns:a16="http://schemas.microsoft.com/office/drawing/2014/main" id="{7B06541D-C5B5-9549-8F2D-3631F13396C3}"/>
-              </a:ext>
-            </a:extLst>
-          </p:cNvPr>
-          <p:cNvPicPr>
-            <a:picLocks noChangeAspect="1"/>
-          </p:cNvPicPr>
-          <p:nvPr/>
-        </p:nvPicPr>
-        <p:blipFill>
-          <a:blip r:embed="rId2"/>
-          <a:stretch>
-            <a:fillRect/>
-          </a:stretch>
-        </p:blipFill>
-        <p:spPr>
-          <a:xfrm>
-            <a:off x="838200" y="1296000"/>
-            <a:ext cx="4869874" cy="10778654"/>
-          </a:xfrm>
-          <a:prstGeom prst="rect">
-            <a:avLst/>
-          </a:prstGeom>
-        </p:spPr>
-      </p:pic>
-      <p:pic>
-        <p:nvPicPr>
-          <p:cNvPr id="11" name="Picture 10">
-            <a:extLst>
-              <a:ext uri="{FF2B5EF4-FFF2-40B4-BE49-F238E27FC236}">
-                <a16:creationId xmlns:a16="http://schemas.microsoft.com/office/drawing/2014/main" id="{572F8D1B-AA12-0542-B6CB-91A2C724F26B}"/>
-              </a:ext>
-            </a:extLst>
-          </p:cNvPr>
-          <p:cNvPicPr>
-            <a:picLocks noChangeAspect="1"/>
-          </p:cNvPicPr>
-          <p:nvPr/>
-        </p:nvPicPr>
-        <p:blipFill rotWithShape="1">
-          <a:blip r:embed="rId2"/>
-          <a:srcRect t="47366" b="-47366"/>
-          <a:stretch/>
-        </p:blipFill>
-        <p:spPr>
-          <a:xfrm>
-            <a:off x="6532417" y="1296000"/>
-            <a:ext cx="4821383" cy="10671327"/>
-          </a:xfrm>
-          <a:prstGeom prst="rect">
-            <a:avLst/>
-          </a:prstGeom>
-        </p:spPr>
-      </p:pic>
-    </p:spTree>
-    <p:extLst>
-      <p:ext uri="{BB962C8B-B14F-4D97-AF65-F5344CB8AC3E}">
-        <p14:creationId xmlns:p14="http://schemas.microsoft.com/office/powerpoint/2010/main" val="3592485810"/>
-      </p:ext>
-    </p:extLst>
-  </p:cSld>
-  <p:clrMapOvr>
-    <a:masterClrMapping/>
-  </p:clrMapOvr>
-</p:sld>
-</file>
-
-<file path=ppt/slides/slide13.xml><?xml version="1.0" encoding="utf-8"?>
-<p:sld xmlns:a="http://schemas.openxmlformats.org/drawingml/2006/main" xmlns:r="http://schemas.openxmlformats.org/officeDocument/2006/relationships" xmlns:p="http://schemas.openxmlformats.org/presentationml/2006/main">
-  <p:cSld>
-    <p:spTree>
-      <p:nvGrpSpPr>
-        <p:cNvPr id="1" name=""/>
-        <p:cNvGrpSpPr/>
-        <p:nvPr/>
-      </p:nvGrpSpPr>
-      <p:grpSpPr>
-        <a:xfrm>
-          <a:off x="0" y="0"/>
-          <a:ext cx="0" cy="0"/>
-          <a:chOff x="0" y="0"/>
-          <a:chExt cx="0" cy="0"/>
-        </a:xfrm>
-      </p:grpSpPr>
-      <p:sp>
-        <p:nvSpPr>
-          <p:cNvPr id="2" name="Title 1">
-            <a:extLst>
-              <a:ext uri="{FF2B5EF4-FFF2-40B4-BE49-F238E27FC236}">
-                <a16:creationId xmlns:a16="http://schemas.microsoft.com/office/drawing/2014/main" id="{A2686745-2D70-7142-B7D0-03DA1E6BEAFE}"/>
-              </a:ext>
-            </a:extLst>
-          </p:cNvPr>
-          <p:cNvSpPr>
-            <a:spLocks noGrp="1"/>
-          </p:cNvSpPr>
-          <p:nvPr>
-            <p:ph type="title"/>
-          </p:nvPr>
-        </p:nvSpPr>
-        <p:spPr>
-          <a:xfrm>
-            <a:off x="838200" y="365125"/>
-            <a:ext cx="10515600" cy="798657"/>
-          </a:xfrm>
-        </p:spPr>
-        <p:txBody>
-          <a:bodyPr/>
-          <a:lstStyle/>
-          <a:p>
-            <a:r>
-              <a:rPr lang="da-DK" dirty="0"/>
-              <a:t>Fysiksimulering: </a:t>
-            </a:r>
-            <a:r>
-              <a:rPr lang="da-DK" dirty="0" err="1"/>
-              <a:t>rakketaffyring</a:t>
-            </a:r>
-            <a:r>
-              <a:rPr lang="da-DK" dirty="0"/>
-              <a:t> og landing</a:t>
-            </a:r>
-          </a:p>
-        </p:txBody>
-      </p:sp>
-      <p:sp>
-        <p:nvSpPr>
-          <p:cNvPr id="5" name="Content Placeholder 2">
-            <a:extLst>
-              <a:ext uri="{FF2B5EF4-FFF2-40B4-BE49-F238E27FC236}">
-                <a16:creationId xmlns:a16="http://schemas.microsoft.com/office/drawing/2014/main" id="{5450E03D-008A-ED47-ACA9-6D8588B14DF6}"/>
-              </a:ext>
-            </a:extLst>
-          </p:cNvPr>
-          <p:cNvSpPr>
-            <a:spLocks noGrp="1"/>
-          </p:cNvSpPr>
-          <p:nvPr>
-            <p:ph idx="1"/>
-          </p:nvPr>
-        </p:nvSpPr>
-        <p:spPr>
-          <a:xfrm>
-            <a:off x="2149764" y="3003261"/>
-            <a:ext cx="6511636" cy="1194666"/>
-          </a:xfrm>
-        </p:spPr>
-        <p:txBody>
-          <a:bodyPr>
-            <a:normAutofit fontScale="77500" lnSpcReduction="20000"/>
-          </a:bodyPr>
-          <a:lstStyle/>
-          <a:p>
-            <a:pPr marL="0" indent="0">
-              <a:buNone/>
-            </a:pPr>
-            <a:r>
-              <a:rPr lang="en-GB" sz="6000" dirty="0"/>
-              <a:t>Run </a:t>
-            </a:r>
-            <a:r>
-              <a:rPr lang="en-GB" sz="6000" dirty="0">
-                <a:hlinkClick r:id="rId2"/>
-              </a:rPr>
-              <a:t>Space landing Simple</a:t>
-            </a:r>
-            <a:endParaRPr lang="en-GB" sz="6000" dirty="0"/>
-          </a:p>
-        </p:txBody>
-      </p:sp>
-    </p:spTree>
-    <p:extLst>
-      <p:ext uri="{BB962C8B-B14F-4D97-AF65-F5344CB8AC3E}">
-        <p14:creationId xmlns:p14="http://schemas.microsoft.com/office/powerpoint/2010/main" val="613031692"/>
-      </p:ext>
-    </p:extLst>
-  </p:cSld>
-  <p:clrMapOvr>
-    <a:masterClrMapping/>
-  </p:clrMapOvr>
-</p:sld>
-</file>
-
-<file path=ppt/slides/slide14.xml><?xml version="1.0" encoding="utf-8"?>
-<p:sld xmlns:a="http://schemas.openxmlformats.org/drawingml/2006/main" xmlns:r="http://schemas.openxmlformats.org/officeDocument/2006/relationships" xmlns:p="http://schemas.openxmlformats.org/presentationml/2006/main">
-  <p:cSld>
-    <p:spTree>
-      <p:nvGrpSpPr>
-        <p:cNvPr id="1" name=""/>
-        <p:cNvGrpSpPr/>
-        <p:nvPr/>
-      </p:nvGrpSpPr>
-      <p:grpSpPr>
-        <a:xfrm>
-          <a:off x="0" y="0"/>
-          <a:ext cx="0" cy="0"/>
-          <a:chOff x="0" y="0"/>
-          <a:chExt cx="0" cy="0"/>
-        </a:xfrm>
-      </p:grpSpPr>
-      <p:sp>
-        <p:nvSpPr>
-          <p:cNvPr id="2" name="Title 1">
-            <a:extLst>
-              <a:ext uri="{FF2B5EF4-FFF2-40B4-BE49-F238E27FC236}">
-                <a16:creationId xmlns:a16="http://schemas.microsoft.com/office/drawing/2014/main" id="{A2686745-2D70-7142-B7D0-03DA1E6BEAFE}"/>
-              </a:ext>
-            </a:extLst>
-          </p:cNvPr>
-          <p:cNvSpPr>
-            <a:spLocks noGrp="1"/>
-          </p:cNvSpPr>
-          <p:nvPr>
-            <p:ph type="title"/>
-          </p:nvPr>
-        </p:nvSpPr>
-        <p:spPr>
-          <a:xfrm>
-            <a:off x="838200" y="365125"/>
-            <a:ext cx="10515600" cy="798657"/>
-          </a:xfrm>
-        </p:spPr>
-        <p:txBody>
-          <a:bodyPr/>
-          <a:lstStyle/>
-          <a:p>
-            <a:r>
-              <a:rPr lang="da-DK" dirty="0"/>
-              <a:t>Fysiksimulering: </a:t>
-            </a:r>
-            <a:r>
-              <a:rPr lang="da-DK" dirty="0" err="1"/>
-              <a:t>rakketaffyring</a:t>
-            </a:r>
-            <a:r>
-              <a:rPr lang="da-DK" dirty="0"/>
-              <a:t> og landing</a:t>
-            </a:r>
-          </a:p>
-        </p:txBody>
-      </p:sp>
-      <p:sp>
-        <p:nvSpPr>
-          <p:cNvPr id="5" name="Content Placeholder 2">
-            <a:extLst>
-              <a:ext uri="{FF2B5EF4-FFF2-40B4-BE49-F238E27FC236}">
-                <a16:creationId xmlns:a16="http://schemas.microsoft.com/office/drawing/2014/main" id="{5450E03D-008A-ED47-ACA9-6D8588B14DF6}"/>
-              </a:ext>
-            </a:extLst>
-          </p:cNvPr>
-          <p:cNvSpPr>
-            <a:spLocks noGrp="1"/>
-          </p:cNvSpPr>
-          <p:nvPr>
-            <p:ph idx="1"/>
-          </p:nvPr>
-        </p:nvSpPr>
-        <p:spPr>
-          <a:xfrm>
-            <a:off x="2641600" y="3155661"/>
-            <a:ext cx="6197600" cy="1194666"/>
-          </a:xfrm>
-        </p:spPr>
-        <p:txBody>
-          <a:bodyPr>
-            <a:normAutofit/>
-          </a:bodyPr>
-          <a:lstStyle/>
-          <a:p>
-            <a:pPr marL="0" indent="0">
-              <a:buNone/>
-            </a:pPr>
-            <a:r>
-              <a:rPr lang="en-GB" sz="6000" dirty="0"/>
-              <a:t>Run </a:t>
-            </a:r>
-            <a:r>
-              <a:rPr lang="en-GB" sz="6000" dirty="0">
-                <a:hlinkClick r:id="rId2"/>
-              </a:rPr>
-              <a:t>Space landing</a:t>
-            </a:r>
-            <a:endParaRPr lang="en-GB" sz="6000" dirty="0"/>
-          </a:p>
-        </p:txBody>
-      </p:sp>
-    </p:spTree>
-    <p:extLst>
-      <p:ext uri="{BB962C8B-B14F-4D97-AF65-F5344CB8AC3E}">
-        <p14:creationId xmlns:p14="http://schemas.microsoft.com/office/powerpoint/2010/main" val="276754513"/>
       </p:ext>
     </p:extLst>
   </p:cSld>
